--- a/presentation2/Multi-Traffic_Resource_Optimization_for_Real-Time_Applications_with_5G_Configured_Grant_Scheduling.pptx
+++ b/presentation2/Multi-Traffic_Resource_Optimization_for_Real-Time_Applications_with_5G_Configured_Grant_Scheduling.pptx
@@ -5,10 +5,10 @@
     <p:sldMasterId id="2147483648" r:id="rId4"/>
   </p:sldMasterIdLst>
   <p:notesMasterIdLst>
-    <p:notesMasterId r:id="rId65"/>
+    <p:notesMasterId r:id="rId63"/>
   </p:notesMasterIdLst>
   <p:handoutMasterIdLst>
-    <p:handoutMasterId r:id="rId66"/>
+    <p:handoutMasterId r:id="rId64"/>
   </p:handoutMasterIdLst>
   <p:sldIdLst>
     <p:sldId id="258" r:id="rId5"/>
@@ -38,39 +38,37 @@
     <p:sldId id="403" r:id="rId29"/>
     <p:sldId id="406" r:id="rId30"/>
     <p:sldId id="405" r:id="rId31"/>
-    <p:sldId id="407" r:id="rId32"/>
-    <p:sldId id="408" r:id="rId33"/>
-    <p:sldId id="409" r:id="rId34"/>
-    <p:sldId id="410" r:id="rId35"/>
-    <p:sldId id="411" r:id="rId36"/>
-    <p:sldId id="412" r:id="rId37"/>
-    <p:sldId id="413" r:id="rId38"/>
-    <p:sldId id="414" r:id="rId39"/>
-    <p:sldId id="340" r:id="rId40"/>
-    <p:sldId id="345" r:id="rId41"/>
-    <p:sldId id="363" r:id="rId42"/>
-    <p:sldId id="377" r:id="rId43"/>
-    <p:sldId id="378" r:id="rId44"/>
-    <p:sldId id="360" r:id="rId45"/>
-    <p:sldId id="362" r:id="rId46"/>
-    <p:sldId id="364" r:id="rId47"/>
-    <p:sldId id="369" r:id="rId48"/>
-    <p:sldId id="372" r:id="rId49"/>
-    <p:sldId id="348" r:id="rId50"/>
-    <p:sldId id="373" r:id="rId51"/>
-    <p:sldId id="349" r:id="rId52"/>
-    <p:sldId id="355" r:id="rId53"/>
-    <p:sldId id="374" r:id="rId54"/>
-    <p:sldId id="356" r:id="rId55"/>
-    <p:sldId id="358" r:id="rId56"/>
-    <p:sldId id="375" r:id="rId57"/>
-    <p:sldId id="350" r:id="rId58"/>
-    <p:sldId id="353" r:id="rId59"/>
-    <p:sldId id="376" r:id="rId60"/>
-    <p:sldId id="354" r:id="rId61"/>
-    <p:sldId id="370" r:id="rId62"/>
-    <p:sldId id="367" r:id="rId63"/>
-    <p:sldId id="330" r:id="rId64"/>
+    <p:sldId id="408" r:id="rId32"/>
+    <p:sldId id="409" r:id="rId33"/>
+    <p:sldId id="410" r:id="rId34"/>
+    <p:sldId id="412" r:id="rId35"/>
+    <p:sldId id="413" r:id="rId36"/>
+    <p:sldId id="414" r:id="rId37"/>
+    <p:sldId id="340" r:id="rId38"/>
+    <p:sldId id="345" r:id="rId39"/>
+    <p:sldId id="363" r:id="rId40"/>
+    <p:sldId id="377" r:id="rId41"/>
+    <p:sldId id="378" r:id="rId42"/>
+    <p:sldId id="360" r:id="rId43"/>
+    <p:sldId id="362" r:id="rId44"/>
+    <p:sldId id="364" r:id="rId45"/>
+    <p:sldId id="369" r:id="rId46"/>
+    <p:sldId id="372" r:id="rId47"/>
+    <p:sldId id="348" r:id="rId48"/>
+    <p:sldId id="373" r:id="rId49"/>
+    <p:sldId id="349" r:id="rId50"/>
+    <p:sldId id="355" r:id="rId51"/>
+    <p:sldId id="374" r:id="rId52"/>
+    <p:sldId id="356" r:id="rId53"/>
+    <p:sldId id="358" r:id="rId54"/>
+    <p:sldId id="375" r:id="rId55"/>
+    <p:sldId id="350" r:id="rId56"/>
+    <p:sldId id="353" r:id="rId57"/>
+    <p:sldId id="376" r:id="rId58"/>
+    <p:sldId id="354" r:id="rId59"/>
+    <p:sldId id="370" r:id="rId60"/>
+    <p:sldId id="367" r:id="rId61"/>
+    <p:sldId id="330" r:id="rId62"/>
   </p:sldIdLst>
   <p:sldSz cx="12192000" cy="6858000"/>
   <p:notesSz cx="6858000" cy="9144000"/>
@@ -274,7 +272,7 @@
           <a:p>
             <a:fld id="{1C830E4C-56B7-2443-B370-610F8D1BCD9C}" type="datetimeFigureOut">
               <a:rPr lang="en-US" smtClean="0"/>
-              <a:t>11/20/25</a:t>
+              <a:t>11/21/25</a:t>
             </a:fld>
             <a:endParaRPr lang="en-US"/>
           </a:p>
@@ -563,7 +561,7 @@
           <a:p>
             <a:fld id="{CBCD2FD1-B169-9B41-A890-0ECD81C3476C}" type="datetimeFigureOut">
               <a:rPr lang="en-US" smtClean="0"/>
-              <a:t>11/20/25</a:t>
+              <a:t>11/21/25</a:t>
             </a:fld>
             <a:endParaRPr lang="en-US" dirty="0"/>
           </a:p>
@@ -1321,117 +1319,6 @@
         <p:cNvPr id="1" name="">
           <a:extLst>
             <a:ext uri="{FF2B5EF4-FFF2-40B4-BE49-F238E27FC236}">
-              <a16:creationId xmlns:a16="http://schemas.microsoft.com/office/drawing/2014/main" id="{346F6415-5DC1-9475-4928-A73A0CB57914}"/>
-            </a:ext>
-          </a:extLst>
-        </p:cNvPr>
-        <p:cNvGrpSpPr/>
-        <p:nvPr/>
-      </p:nvGrpSpPr>
-      <p:grpSpPr>
-        <a:xfrm>
-          <a:off x="0" y="0"/>
-          <a:ext cx="0" cy="0"/>
-          <a:chOff x="0" y="0"/>
-          <a:chExt cx="0" cy="0"/>
-        </a:xfrm>
-      </p:grpSpPr>
-      <p:sp>
-        <p:nvSpPr>
-          <p:cNvPr id="2" name="Slide Image Placeholder 1">
-            <a:extLst>
-              <a:ext uri="{FF2B5EF4-FFF2-40B4-BE49-F238E27FC236}">
-                <a16:creationId xmlns:a16="http://schemas.microsoft.com/office/drawing/2014/main" id="{BAC01D6B-7F61-A4B3-17AB-97CB4A8E4695}"/>
-              </a:ext>
-            </a:extLst>
-          </p:cNvPr>
-          <p:cNvSpPr>
-            <a:spLocks noGrp="1" noRot="1" noChangeAspect="1"/>
-          </p:cNvSpPr>
-          <p:nvPr>
-            <p:ph type="sldImg"/>
-          </p:nvPr>
-        </p:nvSpPr>
-        <p:spPr/>
-      </p:sp>
-      <p:sp>
-        <p:nvSpPr>
-          <p:cNvPr id="3" name="Notes Placeholder 2">
-            <a:extLst>
-              <a:ext uri="{FF2B5EF4-FFF2-40B4-BE49-F238E27FC236}">
-                <a16:creationId xmlns:a16="http://schemas.microsoft.com/office/drawing/2014/main" id="{8B82E1D0-5389-F1E3-C877-EF984ADDDF7F}"/>
-              </a:ext>
-            </a:extLst>
-          </p:cNvPr>
-          <p:cNvSpPr>
-            <a:spLocks noGrp="1"/>
-          </p:cNvSpPr>
-          <p:nvPr>
-            <p:ph type="body" idx="1"/>
-          </p:nvPr>
-        </p:nvSpPr>
-        <p:spPr/>
-        <p:txBody>
-          <a:bodyPr/>
-          <a:lstStyle/>
-          <a:p>
-            <a:r>
-              <a:rPr lang="en-US" dirty="0"/>
-              <a:t>Intentionally spending less time within this section as there are 35 notations, 14 mathematical equations. Do my best to explain the behavior of the optimization problem</a:t>
-            </a:r>
-          </a:p>
-        </p:txBody>
-      </p:sp>
-      <p:sp>
-        <p:nvSpPr>
-          <p:cNvPr id="4" name="Slide Number Placeholder 3">
-            <a:extLst>
-              <a:ext uri="{FF2B5EF4-FFF2-40B4-BE49-F238E27FC236}">
-                <a16:creationId xmlns:a16="http://schemas.microsoft.com/office/drawing/2014/main" id="{2C5AB49A-F701-396A-92F2-4D2293513D9E}"/>
-              </a:ext>
-            </a:extLst>
-          </p:cNvPr>
-          <p:cNvSpPr>
-            <a:spLocks noGrp="1"/>
-          </p:cNvSpPr>
-          <p:nvPr>
-            <p:ph type="sldNum" sz="quarter" idx="5"/>
-          </p:nvPr>
-        </p:nvSpPr>
-        <p:spPr/>
-        <p:txBody>
-          <a:bodyPr/>
-          <a:lstStyle/>
-          <a:p>
-            <a:fld id="{769943EA-69D9-7E49-97CD-A49926F617C9}" type="slidenum">
-              <a:rPr lang="en-US" smtClean="0"/>
-              <a:t>28</a:t>
-            </a:fld>
-            <a:endParaRPr lang="en-US" dirty="0"/>
-          </a:p>
-        </p:txBody>
-      </p:sp>
-    </p:spTree>
-    <p:extLst>
-      <p:ext uri="{BB962C8B-B14F-4D97-AF65-F5344CB8AC3E}">
-        <p14:creationId xmlns:p14="http://schemas.microsoft.com/office/powerpoint/2010/main" val="3047591539"/>
-      </p:ext>
-    </p:extLst>
-  </p:cSld>
-  <p:clrMapOvr>
-    <a:masterClrMapping/>
-  </p:clrMapOvr>
-</p:notes>
-</file>
-
-<file path=ppt/notesSlides/notesSlide15.xml><?xml version="1.0" encoding="utf-8"?>
-<p:notes xmlns:a="http://schemas.openxmlformats.org/drawingml/2006/main" xmlns:r="http://schemas.openxmlformats.org/officeDocument/2006/relationships" xmlns:p="http://schemas.openxmlformats.org/presentationml/2006/main">
-  <p:cSld>
-    <p:spTree>
-      <p:nvGrpSpPr>
-        <p:cNvPr id="1" name="">
-          <a:extLst>
-            <a:ext uri="{FF2B5EF4-FFF2-40B4-BE49-F238E27FC236}">
               <a16:creationId xmlns:a16="http://schemas.microsoft.com/office/drawing/2014/main" id="{E41CCDFD-792D-46C5-EA1B-0B6C11496031}"/>
             </a:ext>
           </a:extLst>
@@ -1516,7 +1403,7 @@
           <a:p>
             <a:fld id="{769943EA-69D9-7E49-97CD-A49926F617C9}" type="slidenum">
               <a:rPr lang="en-US" smtClean="0"/>
-              <a:t>29</a:t>
+              <a:t>28</a:t>
             </a:fld>
             <a:endParaRPr lang="en-US" dirty="0"/>
           </a:p>
@@ -1535,7 +1422,7 @@
 </p:notes>
 </file>
 
-<file path=ppt/notesSlides/notesSlide16.xml><?xml version="1.0" encoding="utf-8"?>
+<file path=ppt/notesSlides/notesSlide15.xml><?xml version="1.0" encoding="utf-8"?>
 <p:notes xmlns:a="http://schemas.openxmlformats.org/drawingml/2006/main" xmlns:r="http://schemas.openxmlformats.org/officeDocument/2006/relationships" xmlns:p="http://schemas.openxmlformats.org/presentationml/2006/main">
   <p:cSld>
     <p:spTree>
@@ -1627,7 +1514,7 @@
           <a:p>
             <a:fld id="{769943EA-69D9-7E49-97CD-A49926F617C9}" type="slidenum">
               <a:rPr lang="en-US" smtClean="0"/>
-              <a:t>30</a:t>
+              <a:t>29</a:t>
             </a:fld>
             <a:endParaRPr lang="en-US" dirty="0"/>
           </a:p>
@@ -1646,7 +1533,7 @@
 </p:notes>
 </file>
 
-<file path=ppt/notesSlides/notesSlide17.xml><?xml version="1.0" encoding="utf-8"?>
+<file path=ppt/notesSlides/notesSlide16.xml><?xml version="1.0" encoding="utf-8"?>
 <p:notes xmlns:a="http://schemas.openxmlformats.org/drawingml/2006/main" xmlns:r="http://schemas.openxmlformats.org/officeDocument/2006/relationships" xmlns:p="http://schemas.openxmlformats.org/presentationml/2006/main">
   <p:cSld>
     <p:spTree>
@@ -1708,7 +1595,45 @@
           <a:bodyPr/>
           <a:lstStyle/>
           <a:p>
+            <a:r>
+              <a:rPr lang="en-US" dirty="0"/>
+              <a:t>1. The allocated RUs have to support the transmission of: (1) data transmission for the payload; and (2) control message.</a:t>
+            </a:r>
+          </a:p>
+          <a:p>
+            <a:r>
+              <a:rPr lang="en-US" dirty="0"/>
+              <a:t>2. The latency requirements must be fulfilled</a:t>
+            </a:r>
+          </a:p>
+          <a:p>
+            <a:r>
+              <a:rPr lang="en-US" dirty="0"/>
+              <a:t>3. The number of valid configurations determines the number of control messages </a:t>
+            </a:r>
+          </a:p>
+          <a:p>
+            <a:r>
+              <a:rPr lang="en-US" dirty="0"/>
+              <a:t>4. Range of </a:t>
+            </a:r>
+            <a:r>
+              <a:rPr lang="en-US" dirty="0" err="1"/>
+              <a:t>vairables</a:t>
+            </a:r>
             <a:endParaRPr lang="en-US" dirty="0"/>
+          </a:p>
+          <a:p>
+            <a:r>
+              <a:rPr lang="en-US" dirty="0"/>
+              <a:t>5. Each data packets should only be allocated once</a:t>
+            </a:r>
+          </a:p>
+          <a:p>
+            <a:r>
+              <a:rPr lang="en-US" dirty="0"/>
+              <a:t>6. RU in time slot x, RB y is assigned. Builds the NRBs </a:t>
+            </a:r>
           </a:p>
         </p:txBody>
       </p:sp>
@@ -1735,7 +1660,7 @@
           <a:p>
             <a:fld id="{769943EA-69D9-7E49-97CD-A49926F617C9}" type="slidenum">
               <a:rPr lang="en-US" smtClean="0"/>
-              <a:t>31</a:t>
+              <a:t>30</a:t>
             </a:fld>
             <a:endParaRPr lang="en-US" dirty="0"/>
           </a:p>
@@ -1754,115 +1679,7 @@
 </p:notes>
 </file>
 
-<file path=ppt/notesSlides/notesSlide18.xml><?xml version="1.0" encoding="utf-8"?>
-<p:notes xmlns:a="http://schemas.openxmlformats.org/drawingml/2006/main" xmlns:r="http://schemas.openxmlformats.org/officeDocument/2006/relationships" xmlns:p="http://schemas.openxmlformats.org/presentationml/2006/main">
-  <p:cSld>
-    <p:spTree>
-      <p:nvGrpSpPr>
-        <p:cNvPr id="1" name="">
-          <a:extLst>
-            <a:ext uri="{FF2B5EF4-FFF2-40B4-BE49-F238E27FC236}">
-              <a16:creationId xmlns:a16="http://schemas.microsoft.com/office/drawing/2014/main" id="{7AEB68D4-6248-6801-6643-541A546D22F7}"/>
-            </a:ext>
-          </a:extLst>
-        </p:cNvPr>
-        <p:cNvGrpSpPr/>
-        <p:nvPr/>
-      </p:nvGrpSpPr>
-      <p:grpSpPr>
-        <a:xfrm>
-          <a:off x="0" y="0"/>
-          <a:ext cx="0" cy="0"/>
-          <a:chOff x="0" y="0"/>
-          <a:chExt cx="0" cy="0"/>
-        </a:xfrm>
-      </p:grpSpPr>
-      <p:sp>
-        <p:nvSpPr>
-          <p:cNvPr id="2" name="Slide Image Placeholder 1">
-            <a:extLst>
-              <a:ext uri="{FF2B5EF4-FFF2-40B4-BE49-F238E27FC236}">
-                <a16:creationId xmlns:a16="http://schemas.microsoft.com/office/drawing/2014/main" id="{B2DC70E9-A0AD-F1B8-8649-24A56CAA3CF3}"/>
-              </a:ext>
-            </a:extLst>
-          </p:cNvPr>
-          <p:cNvSpPr>
-            <a:spLocks noGrp="1" noRot="1" noChangeAspect="1"/>
-          </p:cNvSpPr>
-          <p:nvPr>
-            <p:ph type="sldImg"/>
-          </p:nvPr>
-        </p:nvSpPr>
-        <p:spPr/>
-      </p:sp>
-      <p:sp>
-        <p:nvSpPr>
-          <p:cNvPr id="3" name="Notes Placeholder 2">
-            <a:extLst>
-              <a:ext uri="{FF2B5EF4-FFF2-40B4-BE49-F238E27FC236}">
-                <a16:creationId xmlns:a16="http://schemas.microsoft.com/office/drawing/2014/main" id="{154DE56A-9A82-2C78-5529-B868646F2396}"/>
-              </a:ext>
-            </a:extLst>
-          </p:cNvPr>
-          <p:cNvSpPr>
-            <a:spLocks noGrp="1"/>
-          </p:cNvSpPr>
-          <p:nvPr>
-            <p:ph type="body" idx="1"/>
-          </p:nvPr>
-        </p:nvSpPr>
-        <p:spPr/>
-        <p:txBody>
-          <a:bodyPr/>
-          <a:lstStyle/>
-          <a:p>
-            <a:endParaRPr lang="en-US" dirty="0"/>
-          </a:p>
-        </p:txBody>
-      </p:sp>
-      <p:sp>
-        <p:nvSpPr>
-          <p:cNvPr id="4" name="Slide Number Placeholder 3">
-            <a:extLst>
-              <a:ext uri="{FF2B5EF4-FFF2-40B4-BE49-F238E27FC236}">
-                <a16:creationId xmlns:a16="http://schemas.microsoft.com/office/drawing/2014/main" id="{AAEC0531-CEC4-899F-B2FF-F430B0655B50}"/>
-              </a:ext>
-            </a:extLst>
-          </p:cNvPr>
-          <p:cNvSpPr>
-            <a:spLocks noGrp="1"/>
-          </p:cNvSpPr>
-          <p:nvPr>
-            <p:ph type="sldNum" sz="quarter" idx="5"/>
-          </p:nvPr>
-        </p:nvSpPr>
-        <p:spPr/>
-        <p:txBody>
-          <a:bodyPr/>
-          <a:lstStyle/>
-          <a:p>
-            <a:fld id="{769943EA-69D9-7E49-97CD-A49926F617C9}" type="slidenum">
-              <a:rPr lang="en-US" smtClean="0"/>
-              <a:t>32</a:t>
-            </a:fld>
-            <a:endParaRPr lang="en-US" dirty="0"/>
-          </a:p>
-        </p:txBody>
-      </p:sp>
-    </p:spTree>
-    <p:extLst>
-      <p:ext uri="{BB962C8B-B14F-4D97-AF65-F5344CB8AC3E}">
-        <p14:creationId xmlns:p14="http://schemas.microsoft.com/office/powerpoint/2010/main" val="2503557450"/>
-      </p:ext>
-    </p:extLst>
-  </p:cSld>
-  <p:clrMapOvr>
-    <a:masterClrMapping/>
-  </p:clrMapOvr>
-</p:notes>
-</file>
-
-<file path=ppt/notesSlides/notesSlide19.xml><?xml version="1.0" encoding="utf-8"?>
+<file path=ppt/notesSlides/notesSlide17.xml><?xml version="1.0" encoding="utf-8"?>
 <p:notes xmlns:a="http://schemas.openxmlformats.org/drawingml/2006/main" xmlns:r="http://schemas.openxmlformats.org/officeDocument/2006/relationships" xmlns:p="http://schemas.openxmlformats.org/presentationml/2006/main">
   <p:cSld>
     <p:spTree>
@@ -1926,6 +1743,57 @@
           <a:p>
             <a:r>
               <a:rPr lang="en-US" dirty="0"/>
+              <a:t>SPP -&gt; CG: </a:t>
+            </a:r>
+          </a:p>
+          <a:p>
+            <a:pPr marL="171450" indent="-171450">
+              <a:buFontTx/>
+              <a:buChar char="-"/>
+            </a:pPr>
+            <a:r>
+              <a:rPr lang="en-US" dirty="0"/>
+              <a:t>Rectangles in SPP :: data transmissions in CG ;; Width :: time slots, Height :: NRBs</a:t>
+            </a:r>
+          </a:p>
+          <a:p>
+            <a:pPr marL="171450" indent="-171450">
+              <a:buFontTx/>
+              <a:buChar char="-"/>
+            </a:pPr>
+            <a:r>
+              <a:rPr lang="en-US" dirty="0"/>
+              <a:t>Finite width in SPP :: Finite width in </a:t>
+            </a:r>
+            <a:r>
+              <a:rPr lang="en-US" dirty="0" err="1"/>
+              <a:t>hyperperiod</a:t>
+            </a:r>
+            <a:r>
+              <a:rPr lang="en-US" dirty="0"/>
+              <a:t> of CG</a:t>
+            </a:r>
+          </a:p>
+          <a:p>
+            <a:pPr marL="171450" indent="-171450">
+              <a:buFontTx/>
+              <a:buChar char="-"/>
+            </a:pPr>
+            <a:r>
+              <a:rPr lang="en-US" dirty="0"/>
+              <a:t>Goal: minimize the height of the SPP, minimize the NRBs in CG (also height)</a:t>
+            </a:r>
+          </a:p>
+          <a:p>
+            <a:pPr marL="171450" indent="-171450">
+              <a:buFontTx/>
+              <a:buChar char="-"/>
+            </a:pPr>
+            <a:endParaRPr lang="en-US" dirty="0"/>
+          </a:p>
+          <a:p>
+            <a:r>
+              <a:rPr lang="en-US" dirty="0"/>
               <a:t>Co1 follows the basic idea of CG scheduling that all packets are scheduled by one configuration per TF WITH NO SIGNALING OVERHEAD</a:t>
             </a:r>
           </a:p>
@@ -1947,6 +1815,238 @@
             <a:extLst>
               <a:ext uri="{FF2B5EF4-FFF2-40B4-BE49-F238E27FC236}">
                 <a16:creationId xmlns:a16="http://schemas.microsoft.com/office/drawing/2014/main" id="{B19265C6-1A06-16E0-B305-7D93654F25BE}"/>
+              </a:ext>
+            </a:extLst>
+          </p:cNvPr>
+          <p:cNvSpPr>
+            <a:spLocks noGrp="1"/>
+          </p:cNvSpPr>
+          <p:nvPr>
+            <p:ph type="sldNum" sz="quarter" idx="5"/>
+          </p:nvPr>
+        </p:nvSpPr>
+        <p:spPr/>
+        <p:txBody>
+          <a:bodyPr/>
+          <a:lstStyle/>
+          <a:p>
+            <a:fld id="{769943EA-69D9-7E49-97CD-A49926F617C9}" type="slidenum">
+              <a:rPr lang="en-US" smtClean="0"/>
+              <a:t>31</a:t>
+            </a:fld>
+            <a:endParaRPr lang="en-US" dirty="0"/>
+          </a:p>
+        </p:txBody>
+      </p:sp>
+    </p:spTree>
+    <p:extLst>
+      <p:ext uri="{BB962C8B-B14F-4D97-AF65-F5344CB8AC3E}">
+        <p14:creationId xmlns:p14="http://schemas.microsoft.com/office/powerpoint/2010/main" val="3839409440"/>
+      </p:ext>
+    </p:extLst>
+  </p:cSld>
+  <p:clrMapOvr>
+    <a:masterClrMapping/>
+  </p:clrMapOvr>
+</p:notes>
+</file>
+
+<file path=ppt/notesSlides/notesSlide18.xml><?xml version="1.0" encoding="utf-8"?>
+<p:notes xmlns:a="http://schemas.openxmlformats.org/drawingml/2006/main" xmlns:r="http://schemas.openxmlformats.org/officeDocument/2006/relationships" xmlns:p="http://schemas.openxmlformats.org/presentationml/2006/main">
+  <p:cSld>
+    <p:spTree>
+      <p:nvGrpSpPr>
+        <p:cNvPr id="1" name="">
+          <a:extLst>
+            <a:ext uri="{FF2B5EF4-FFF2-40B4-BE49-F238E27FC236}">
+              <a16:creationId xmlns:a16="http://schemas.microsoft.com/office/drawing/2014/main" id="{F81762EC-BC4B-7939-3A89-288B9E8C4F12}"/>
+            </a:ext>
+          </a:extLst>
+        </p:cNvPr>
+        <p:cNvGrpSpPr/>
+        <p:nvPr/>
+      </p:nvGrpSpPr>
+      <p:grpSpPr>
+        <a:xfrm>
+          <a:off x="0" y="0"/>
+          <a:ext cx="0" cy="0"/>
+          <a:chOff x="0" y="0"/>
+          <a:chExt cx="0" cy="0"/>
+        </a:xfrm>
+      </p:grpSpPr>
+      <p:sp>
+        <p:nvSpPr>
+          <p:cNvPr id="2" name="Slide Image Placeholder 1">
+            <a:extLst>
+              <a:ext uri="{FF2B5EF4-FFF2-40B4-BE49-F238E27FC236}">
+                <a16:creationId xmlns:a16="http://schemas.microsoft.com/office/drawing/2014/main" id="{9544922D-FB48-FB13-7347-574E9E92D882}"/>
+              </a:ext>
+            </a:extLst>
+          </p:cNvPr>
+          <p:cNvSpPr>
+            <a:spLocks noGrp="1" noRot="1" noChangeAspect="1"/>
+          </p:cNvSpPr>
+          <p:nvPr>
+            <p:ph type="sldImg"/>
+          </p:nvPr>
+        </p:nvSpPr>
+        <p:spPr/>
+      </p:sp>
+      <p:sp>
+        <p:nvSpPr>
+          <p:cNvPr id="3" name="Notes Placeholder 2">
+            <a:extLst>
+              <a:ext uri="{FF2B5EF4-FFF2-40B4-BE49-F238E27FC236}">
+                <a16:creationId xmlns:a16="http://schemas.microsoft.com/office/drawing/2014/main" id="{CADC48FE-53D6-1041-FD46-CF5FF8177F67}"/>
+              </a:ext>
+            </a:extLst>
+          </p:cNvPr>
+          <p:cNvSpPr>
+            <a:spLocks noGrp="1"/>
+          </p:cNvSpPr>
+          <p:nvPr>
+            <p:ph type="body" idx="1"/>
+          </p:nvPr>
+        </p:nvSpPr>
+        <p:spPr/>
+        <p:txBody>
+          <a:bodyPr/>
+          <a:lstStyle/>
+          <a:p>
+            <a:r>
+              <a:rPr lang="en-US" dirty="0"/>
+              <a:t>Co1 follows the basic idea of CG scheduling that all packets are scheduled by one configuration per TF WITH NO SIGNALING OVERHEAD</a:t>
+            </a:r>
+          </a:p>
+          <a:p>
+            <a:r>
+              <a:rPr lang="en-US" dirty="0" err="1"/>
+              <a:t>CoU</a:t>
+            </a:r>
+            <a:r>
+              <a:rPr lang="en-US" dirty="0"/>
+              <a:t>, to explore the trade-off between scheduling flexibility and control overhead.</a:t>
+            </a:r>
+          </a:p>
+        </p:txBody>
+      </p:sp>
+      <p:sp>
+        <p:nvSpPr>
+          <p:cNvPr id="4" name="Slide Number Placeholder 3">
+            <a:extLst>
+              <a:ext uri="{FF2B5EF4-FFF2-40B4-BE49-F238E27FC236}">
+                <a16:creationId xmlns:a16="http://schemas.microsoft.com/office/drawing/2014/main" id="{11AFBA5E-8F8A-0A67-ED9B-E59180CC0990}"/>
+              </a:ext>
+            </a:extLst>
+          </p:cNvPr>
+          <p:cNvSpPr>
+            <a:spLocks noGrp="1"/>
+          </p:cNvSpPr>
+          <p:nvPr>
+            <p:ph type="sldNum" sz="quarter" idx="5"/>
+          </p:nvPr>
+        </p:nvSpPr>
+        <p:spPr/>
+        <p:txBody>
+          <a:bodyPr/>
+          <a:lstStyle/>
+          <a:p>
+            <a:fld id="{769943EA-69D9-7E49-97CD-A49926F617C9}" type="slidenum">
+              <a:rPr lang="en-US" smtClean="0"/>
+              <a:t>32</a:t>
+            </a:fld>
+            <a:endParaRPr lang="en-US" dirty="0"/>
+          </a:p>
+        </p:txBody>
+      </p:sp>
+    </p:spTree>
+    <p:extLst>
+      <p:ext uri="{BB962C8B-B14F-4D97-AF65-F5344CB8AC3E}">
+        <p14:creationId xmlns:p14="http://schemas.microsoft.com/office/powerpoint/2010/main" val="2653812154"/>
+      </p:ext>
+    </p:extLst>
+  </p:cSld>
+  <p:clrMapOvr>
+    <a:masterClrMapping/>
+  </p:clrMapOvr>
+</p:notes>
+</file>
+
+<file path=ppt/notesSlides/notesSlide19.xml><?xml version="1.0" encoding="utf-8"?>
+<p:notes xmlns:a="http://schemas.openxmlformats.org/drawingml/2006/main" xmlns:r="http://schemas.openxmlformats.org/officeDocument/2006/relationships" xmlns:p="http://schemas.openxmlformats.org/presentationml/2006/main">
+  <p:cSld>
+    <p:spTree>
+      <p:nvGrpSpPr>
+        <p:cNvPr id="1" name="">
+          <a:extLst>
+            <a:ext uri="{FF2B5EF4-FFF2-40B4-BE49-F238E27FC236}">
+              <a16:creationId xmlns:a16="http://schemas.microsoft.com/office/drawing/2014/main" id="{0973199A-5935-3933-8036-06A05E1A6DE2}"/>
+            </a:ext>
+          </a:extLst>
+        </p:cNvPr>
+        <p:cNvGrpSpPr/>
+        <p:nvPr/>
+      </p:nvGrpSpPr>
+      <p:grpSpPr>
+        <a:xfrm>
+          <a:off x="0" y="0"/>
+          <a:ext cx="0" cy="0"/>
+          <a:chOff x="0" y="0"/>
+          <a:chExt cx="0" cy="0"/>
+        </a:xfrm>
+      </p:grpSpPr>
+      <p:sp>
+        <p:nvSpPr>
+          <p:cNvPr id="2" name="Slide Image Placeholder 1">
+            <a:extLst>
+              <a:ext uri="{FF2B5EF4-FFF2-40B4-BE49-F238E27FC236}">
+                <a16:creationId xmlns:a16="http://schemas.microsoft.com/office/drawing/2014/main" id="{38F91260-5412-5F49-4761-70C5AAA7DAB9}"/>
+              </a:ext>
+            </a:extLst>
+          </p:cNvPr>
+          <p:cNvSpPr>
+            <a:spLocks noGrp="1" noRot="1" noChangeAspect="1"/>
+          </p:cNvSpPr>
+          <p:nvPr>
+            <p:ph type="sldImg"/>
+          </p:nvPr>
+        </p:nvSpPr>
+        <p:spPr/>
+      </p:sp>
+      <p:sp>
+        <p:nvSpPr>
+          <p:cNvPr id="3" name="Notes Placeholder 2">
+            <a:extLst>
+              <a:ext uri="{FF2B5EF4-FFF2-40B4-BE49-F238E27FC236}">
+                <a16:creationId xmlns:a16="http://schemas.microsoft.com/office/drawing/2014/main" id="{242CE4A3-E883-D8B0-6015-436BB4335B2B}"/>
+              </a:ext>
+            </a:extLst>
+          </p:cNvPr>
+          <p:cNvSpPr>
+            <a:spLocks noGrp="1"/>
+          </p:cNvSpPr>
+          <p:nvPr>
+            <p:ph type="body" idx="1"/>
+          </p:nvPr>
+        </p:nvSpPr>
+        <p:spPr/>
+        <p:txBody>
+          <a:bodyPr/>
+          <a:lstStyle/>
+          <a:p>
+            <a:r>
+              <a:rPr lang="en-US" dirty="0"/>
+              <a:t>All combinations</a:t>
+            </a:r>
+          </a:p>
+        </p:txBody>
+      </p:sp>
+      <p:sp>
+        <p:nvSpPr>
+          <p:cNvPr id="4" name="Slide Number Placeholder 3">
+            <a:extLst>
+              <a:ext uri="{FF2B5EF4-FFF2-40B4-BE49-F238E27FC236}">
+                <a16:creationId xmlns:a16="http://schemas.microsoft.com/office/drawing/2014/main" id="{59531BE7-3840-4559-2A30-188C1F2475DE}"/>
               </a:ext>
             </a:extLst>
           </p:cNvPr>
@@ -1973,7 +2073,7 @@
     </p:spTree>
     <p:extLst>
       <p:ext uri="{BB962C8B-B14F-4D97-AF65-F5344CB8AC3E}">
-        <p14:creationId xmlns:p14="http://schemas.microsoft.com/office/powerpoint/2010/main" val="3839409440"/>
+        <p14:creationId xmlns:p14="http://schemas.microsoft.com/office/powerpoint/2010/main" val="3421310805"/>
       </p:ext>
     </p:extLst>
   </p:cSld>
@@ -2217,13 +2317,7 @@
   <p:cSld>
     <p:spTree>
       <p:nvGrpSpPr>
-        <p:cNvPr id="1" name="">
-          <a:extLst>
-            <a:ext uri="{FF2B5EF4-FFF2-40B4-BE49-F238E27FC236}">
-              <a16:creationId xmlns:a16="http://schemas.microsoft.com/office/drawing/2014/main" id="{F81762EC-BC4B-7939-3A89-288B9E8C4F12}"/>
-            </a:ext>
-          </a:extLst>
-        </p:cNvPr>
+        <p:cNvPr id="1" name=""/>
         <p:cNvGrpSpPr/>
         <p:nvPr/>
       </p:nvGrpSpPr>
@@ -2237,13 +2331,7 @@
       </p:grpSpPr>
       <p:sp>
         <p:nvSpPr>
-          <p:cNvPr id="2" name="Slide Image Placeholder 1">
-            <a:extLst>
-              <a:ext uri="{FF2B5EF4-FFF2-40B4-BE49-F238E27FC236}">
-                <a16:creationId xmlns:a16="http://schemas.microsoft.com/office/drawing/2014/main" id="{9544922D-FB48-FB13-7347-574E9E92D882}"/>
-              </a:ext>
-            </a:extLst>
-          </p:cNvPr>
+          <p:cNvPr id="2" name="Slide Image Placeholder 1"/>
           <p:cNvSpPr>
             <a:spLocks noGrp="1" noRot="1" noChangeAspect="1"/>
           </p:cNvSpPr>
@@ -2255,13 +2343,7 @@
       </p:sp>
       <p:sp>
         <p:nvSpPr>
-          <p:cNvPr id="3" name="Notes Placeholder 2">
-            <a:extLst>
-              <a:ext uri="{FF2B5EF4-FFF2-40B4-BE49-F238E27FC236}">
-                <a16:creationId xmlns:a16="http://schemas.microsoft.com/office/drawing/2014/main" id="{CADC48FE-53D6-1041-FD46-CF5FF8177F67}"/>
-              </a:ext>
-            </a:extLst>
-          </p:cNvPr>
+          <p:cNvPr id="3" name="Notes Placeholder 2"/>
           <p:cNvSpPr>
             <a:spLocks noGrp="1"/>
           </p:cNvSpPr>
@@ -2274,32 +2356,13 @@
           <a:bodyPr/>
           <a:lstStyle/>
           <a:p>
-            <a:r>
-              <a:rPr lang="en-US" dirty="0"/>
-              <a:t>Co1 follows the basic idea of CG scheduling that all packets are scheduled by one configuration per TF WITH NO SIGNALING OVERHEAD</a:t>
-            </a:r>
-          </a:p>
-          <a:p>
-            <a:r>
-              <a:rPr lang="en-US" dirty="0" err="1"/>
-              <a:t>CoU</a:t>
-            </a:r>
-            <a:r>
-              <a:rPr lang="en-US" dirty="0"/>
-              <a:t>, to explore the trade-off between scheduling flexibility and control overhead.</a:t>
-            </a:r>
-          </a:p>
-        </p:txBody>
-      </p:sp>
-      <p:sp>
-        <p:nvSpPr>
-          <p:cNvPr id="4" name="Slide Number Placeholder 3">
-            <a:extLst>
-              <a:ext uri="{FF2B5EF4-FFF2-40B4-BE49-F238E27FC236}">
-                <a16:creationId xmlns:a16="http://schemas.microsoft.com/office/drawing/2014/main" id="{11AFBA5E-8F8A-0A67-ED9B-E59180CC0990}"/>
-              </a:ext>
-            </a:extLst>
-          </p:cNvPr>
+            <a:endParaRPr lang="en-US" dirty="0"/>
+          </a:p>
+        </p:txBody>
+      </p:sp>
+      <p:sp>
+        <p:nvSpPr>
+          <p:cNvPr id="4" name="Slide Number Placeholder 3"/>
           <p:cNvSpPr>
             <a:spLocks noGrp="1"/>
           </p:cNvSpPr>
@@ -2314,7 +2377,7 @@
           <a:p>
             <a:fld id="{769943EA-69D9-7E49-97CD-A49926F617C9}" type="slidenum">
               <a:rPr lang="en-US" smtClean="0"/>
-              <a:t>34</a:t>
+              <a:t>35</a:t>
             </a:fld>
             <a:endParaRPr lang="en-US" dirty="0"/>
           </a:p>
@@ -2323,7 +2386,7 @@
     </p:spTree>
     <p:extLst>
       <p:ext uri="{BB962C8B-B14F-4D97-AF65-F5344CB8AC3E}">
-        <p14:creationId xmlns:p14="http://schemas.microsoft.com/office/powerpoint/2010/main" val="2653812154"/>
+        <p14:creationId xmlns:p14="http://schemas.microsoft.com/office/powerpoint/2010/main" val="3767655042"/>
       </p:ext>
     </p:extLst>
   </p:cSld>
@@ -2334,127 +2397,6 @@
 </file>
 
 <file path=ppt/notesSlides/notesSlide21.xml><?xml version="1.0" encoding="utf-8"?>
-<p:notes xmlns:a="http://schemas.openxmlformats.org/drawingml/2006/main" xmlns:r="http://schemas.openxmlformats.org/officeDocument/2006/relationships" xmlns:p="http://schemas.openxmlformats.org/presentationml/2006/main">
-  <p:cSld>
-    <p:spTree>
-      <p:nvGrpSpPr>
-        <p:cNvPr id="1" name="">
-          <a:extLst>
-            <a:ext uri="{FF2B5EF4-FFF2-40B4-BE49-F238E27FC236}">
-              <a16:creationId xmlns:a16="http://schemas.microsoft.com/office/drawing/2014/main" id="{0973199A-5935-3933-8036-06A05E1A6DE2}"/>
-            </a:ext>
-          </a:extLst>
-        </p:cNvPr>
-        <p:cNvGrpSpPr/>
-        <p:nvPr/>
-      </p:nvGrpSpPr>
-      <p:grpSpPr>
-        <a:xfrm>
-          <a:off x="0" y="0"/>
-          <a:ext cx="0" cy="0"/>
-          <a:chOff x="0" y="0"/>
-          <a:chExt cx="0" cy="0"/>
-        </a:xfrm>
-      </p:grpSpPr>
-      <p:sp>
-        <p:nvSpPr>
-          <p:cNvPr id="2" name="Slide Image Placeholder 1">
-            <a:extLst>
-              <a:ext uri="{FF2B5EF4-FFF2-40B4-BE49-F238E27FC236}">
-                <a16:creationId xmlns:a16="http://schemas.microsoft.com/office/drawing/2014/main" id="{38F91260-5412-5F49-4761-70C5AAA7DAB9}"/>
-              </a:ext>
-            </a:extLst>
-          </p:cNvPr>
-          <p:cNvSpPr>
-            <a:spLocks noGrp="1" noRot="1" noChangeAspect="1"/>
-          </p:cNvSpPr>
-          <p:nvPr>
-            <p:ph type="sldImg"/>
-          </p:nvPr>
-        </p:nvSpPr>
-        <p:spPr/>
-      </p:sp>
-      <p:sp>
-        <p:nvSpPr>
-          <p:cNvPr id="3" name="Notes Placeholder 2">
-            <a:extLst>
-              <a:ext uri="{FF2B5EF4-FFF2-40B4-BE49-F238E27FC236}">
-                <a16:creationId xmlns:a16="http://schemas.microsoft.com/office/drawing/2014/main" id="{242CE4A3-E883-D8B0-6015-436BB4335B2B}"/>
-              </a:ext>
-            </a:extLst>
-          </p:cNvPr>
-          <p:cNvSpPr>
-            <a:spLocks noGrp="1"/>
-          </p:cNvSpPr>
-          <p:nvPr>
-            <p:ph type="body" idx="1"/>
-          </p:nvPr>
-        </p:nvSpPr>
-        <p:spPr/>
-        <p:txBody>
-          <a:bodyPr/>
-          <a:lstStyle/>
-          <a:p>
-            <a:r>
-              <a:rPr lang="en-US" dirty="0"/>
-              <a:t>Co1 follows the basic idea of CG scheduling that all packets are scheduled by one configuration per TF WITH NO SIGNALING OVERHEAD</a:t>
-            </a:r>
-          </a:p>
-          <a:p>
-            <a:r>
-              <a:rPr lang="en-US" dirty="0" err="1"/>
-              <a:t>CoU</a:t>
-            </a:r>
-            <a:r>
-              <a:rPr lang="en-US" dirty="0"/>
-              <a:t>, to explore the trade-off between scheduling flexibility and control overhead.</a:t>
-            </a:r>
-          </a:p>
-        </p:txBody>
-      </p:sp>
-      <p:sp>
-        <p:nvSpPr>
-          <p:cNvPr id="4" name="Slide Number Placeholder 3">
-            <a:extLst>
-              <a:ext uri="{FF2B5EF4-FFF2-40B4-BE49-F238E27FC236}">
-                <a16:creationId xmlns:a16="http://schemas.microsoft.com/office/drawing/2014/main" id="{59531BE7-3840-4559-2A30-188C1F2475DE}"/>
-              </a:ext>
-            </a:extLst>
-          </p:cNvPr>
-          <p:cNvSpPr>
-            <a:spLocks noGrp="1"/>
-          </p:cNvSpPr>
-          <p:nvPr>
-            <p:ph type="sldNum" sz="quarter" idx="5"/>
-          </p:nvPr>
-        </p:nvSpPr>
-        <p:spPr/>
-        <p:txBody>
-          <a:bodyPr/>
-          <a:lstStyle/>
-          <a:p>
-            <a:fld id="{769943EA-69D9-7E49-97CD-A49926F617C9}" type="slidenum">
-              <a:rPr lang="en-US" smtClean="0"/>
-              <a:t>35</a:t>
-            </a:fld>
-            <a:endParaRPr lang="en-US" dirty="0"/>
-          </a:p>
-        </p:txBody>
-      </p:sp>
-    </p:spTree>
-    <p:extLst>
-      <p:ext uri="{BB962C8B-B14F-4D97-AF65-F5344CB8AC3E}">
-        <p14:creationId xmlns:p14="http://schemas.microsoft.com/office/powerpoint/2010/main" val="3421310805"/>
-      </p:ext>
-    </p:extLst>
-  </p:cSld>
-  <p:clrMapOvr>
-    <a:masterClrMapping/>
-  </p:clrMapOvr>
-</p:notes>
-</file>
-
-<file path=ppt/notesSlides/notesSlide22.xml><?xml version="1.0" encoding="utf-8"?>
 <p:notes xmlns:a="http://schemas.openxmlformats.org/drawingml/2006/main" xmlns:r="http://schemas.openxmlformats.org/officeDocument/2006/relationships" xmlns:p="http://schemas.openxmlformats.org/presentationml/2006/main">
   <p:cSld>
     <p:spTree>
@@ -2498,90 +2440,6 @@
           <a:bodyPr/>
           <a:lstStyle/>
           <a:p>
-            <a:endParaRPr lang="en-US" dirty="0"/>
-          </a:p>
-        </p:txBody>
-      </p:sp>
-      <p:sp>
-        <p:nvSpPr>
-          <p:cNvPr id="4" name="Slide Number Placeholder 3"/>
-          <p:cNvSpPr>
-            <a:spLocks noGrp="1"/>
-          </p:cNvSpPr>
-          <p:nvPr>
-            <p:ph type="sldNum" sz="quarter" idx="5"/>
-          </p:nvPr>
-        </p:nvSpPr>
-        <p:spPr/>
-        <p:txBody>
-          <a:bodyPr/>
-          <a:lstStyle/>
-          <a:p>
-            <a:fld id="{769943EA-69D9-7E49-97CD-A49926F617C9}" type="slidenum">
-              <a:rPr lang="en-US" smtClean="0"/>
-              <a:t>37</a:t>
-            </a:fld>
-            <a:endParaRPr lang="en-US" dirty="0"/>
-          </a:p>
-        </p:txBody>
-      </p:sp>
-    </p:spTree>
-    <p:extLst>
-      <p:ext uri="{BB962C8B-B14F-4D97-AF65-F5344CB8AC3E}">
-        <p14:creationId xmlns:p14="http://schemas.microsoft.com/office/powerpoint/2010/main" val="3767655042"/>
-      </p:ext>
-    </p:extLst>
-  </p:cSld>
-  <p:clrMapOvr>
-    <a:masterClrMapping/>
-  </p:clrMapOvr>
-</p:notes>
-</file>
-
-<file path=ppt/notesSlides/notesSlide23.xml><?xml version="1.0" encoding="utf-8"?>
-<p:notes xmlns:a="http://schemas.openxmlformats.org/drawingml/2006/main" xmlns:r="http://schemas.openxmlformats.org/officeDocument/2006/relationships" xmlns:p="http://schemas.openxmlformats.org/presentationml/2006/main">
-  <p:cSld>
-    <p:spTree>
-      <p:nvGrpSpPr>
-        <p:cNvPr id="1" name=""/>
-        <p:cNvGrpSpPr/>
-        <p:nvPr/>
-      </p:nvGrpSpPr>
-      <p:grpSpPr>
-        <a:xfrm>
-          <a:off x="0" y="0"/>
-          <a:ext cx="0" cy="0"/>
-          <a:chOff x="0" y="0"/>
-          <a:chExt cx="0" cy="0"/>
-        </a:xfrm>
-      </p:grpSpPr>
-      <p:sp>
-        <p:nvSpPr>
-          <p:cNvPr id="2" name="Slide Image Placeholder 1"/>
-          <p:cNvSpPr>
-            <a:spLocks noGrp="1" noRot="1" noChangeAspect="1"/>
-          </p:cNvSpPr>
-          <p:nvPr>
-            <p:ph type="sldImg"/>
-          </p:nvPr>
-        </p:nvSpPr>
-        <p:spPr/>
-      </p:sp>
-      <p:sp>
-        <p:nvSpPr>
-          <p:cNvPr id="3" name="Notes Placeholder 2"/>
-          <p:cNvSpPr>
-            <a:spLocks noGrp="1"/>
-          </p:cNvSpPr>
-          <p:nvPr>
-            <p:ph type="body" idx="1"/>
-          </p:nvPr>
-        </p:nvSpPr>
-        <p:spPr/>
-        <p:txBody>
-          <a:bodyPr/>
-          <a:lstStyle/>
-          <a:p>
             <a:pPr marL="0" marR="0" lvl="0" indent="0" algn="l" defTabSz="914400" rtl="0" eaLnBrk="1" fontAlgn="auto" latinLnBrk="0" hangingPunct="1">
               <a:lnSpc>
                 <a:spcPct val="100000"/>
@@ -2940,7 +2798,7 @@
           <a:p>
             <a:fld id="{769943EA-69D9-7E49-97CD-A49926F617C9}" type="slidenum">
               <a:rPr lang="en-US" smtClean="0"/>
-              <a:t>38</a:t>
+              <a:t>36</a:t>
             </a:fld>
             <a:endParaRPr lang="en-US" dirty="0"/>
           </a:p>
@@ -2959,7 +2817,7 @@
 </p:notes>
 </file>
 
-<file path=ppt/notesSlides/notesSlide24.xml><?xml version="1.0" encoding="utf-8"?>
+<file path=ppt/notesSlides/notesSlide22.xml><?xml version="1.0" encoding="utf-8"?>
 <p:notes xmlns:a="http://schemas.openxmlformats.org/drawingml/2006/main" xmlns:r="http://schemas.openxmlformats.org/officeDocument/2006/relationships" xmlns:p="http://schemas.openxmlformats.org/presentationml/2006/main">
   <p:cSld>
     <p:spTree>
@@ -3385,7 +3243,7 @@
           <a:p>
             <a:fld id="{769943EA-69D9-7E49-97CD-A49926F617C9}" type="slidenum">
               <a:rPr lang="en-US" smtClean="0"/>
-              <a:t>39</a:t>
+              <a:t>37</a:t>
             </a:fld>
             <a:endParaRPr lang="en-US" dirty="0"/>
           </a:p>
@@ -3404,7 +3262,7 @@
 </p:notes>
 </file>
 
-<file path=ppt/notesSlides/notesSlide25.xml><?xml version="1.0" encoding="utf-8"?>
+<file path=ppt/notesSlides/notesSlide23.xml><?xml version="1.0" encoding="utf-8"?>
 <p:notes xmlns:a="http://schemas.openxmlformats.org/drawingml/2006/main" xmlns:r="http://schemas.openxmlformats.org/officeDocument/2006/relationships" xmlns:p="http://schemas.openxmlformats.org/presentationml/2006/main">
   <p:cSld>
     <p:spTree>
@@ -3605,7 +3463,7 @@
           <a:p>
             <a:fld id="{769943EA-69D9-7E49-97CD-A49926F617C9}" type="slidenum">
               <a:rPr lang="en-US" smtClean="0"/>
-              <a:t>40</a:t>
+              <a:t>38</a:t>
             </a:fld>
             <a:endParaRPr lang="en-US" dirty="0"/>
           </a:p>
@@ -3615,6 +3473,338 @@
     <p:extLst>
       <p:ext uri="{BB962C8B-B14F-4D97-AF65-F5344CB8AC3E}">
         <p14:creationId xmlns:p14="http://schemas.microsoft.com/office/powerpoint/2010/main" val="2733865984"/>
+      </p:ext>
+    </p:extLst>
+  </p:cSld>
+  <p:clrMapOvr>
+    <a:masterClrMapping/>
+  </p:clrMapOvr>
+</p:notes>
+</file>
+
+<file path=ppt/notesSlides/notesSlide24.xml><?xml version="1.0" encoding="utf-8"?>
+<p:notes xmlns:a="http://schemas.openxmlformats.org/drawingml/2006/main" xmlns:r="http://schemas.openxmlformats.org/officeDocument/2006/relationships" xmlns:p="http://schemas.openxmlformats.org/presentationml/2006/main">
+  <p:cSld>
+    <p:spTree>
+      <p:nvGrpSpPr>
+        <p:cNvPr id="1" name=""/>
+        <p:cNvGrpSpPr/>
+        <p:nvPr/>
+      </p:nvGrpSpPr>
+      <p:grpSpPr>
+        <a:xfrm>
+          <a:off x="0" y="0"/>
+          <a:ext cx="0" cy="0"/>
+          <a:chOff x="0" y="0"/>
+          <a:chExt cx="0" cy="0"/>
+        </a:xfrm>
+      </p:grpSpPr>
+      <p:sp>
+        <p:nvSpPr>
+          <p:cNvPr id="2" name="Slide Image Placeholder 1"/>
+          <p:cNvSpPr>
+            <a:spLocks noGrp="1" noRot="1" noChangeAspect="1"/>
+          </p:cNvSpPr>
+          <p:nvPr>
+            <p:ph type="sldImg"/>
+          </p:nvPr>
+        </p:nvSpPr>
+        <p:spPr/>
+      </p:sp>
+      <p:sp>
+        <p:nvSpPr>
+          <p:cNvPr id="3" name="Notes Placeholder 2"/>
+          <p:cNvSpPr>
+            <a:spLocks noGrp="1"/>
+          </p:cNvSpPr>
+          <p:nvPr>
+            <p:ph type="body" idx="1"/>
+          </p:nvPr>
+        </p:nvSpPr>
+        <p:spPr/>
+        <p:txBody>
+          <a:bodyPr/>
+          <a:lstStyle/>
+          <a:p>
+            <a:r>
+              <a:rPr lang="en-US" dirty="0"/>
+              <a:t>KEY TAKEAWAY:</a:t>
+            </a:r>
+          </a:p>
+          <a:p>
+            <a:pPr marL="171450" indent="-171450">
+              <a:buFontTx/>
+              <a:buChar char="-"/>
+            </a:pPr>
+            <a:r>
+              <a:rPr lang="en-US" dirty="0"/>
+              <a:t>SMT-U performs the best among all approaches, however it is orders of magnitude slower than all other algorithms.</a:t>
+            </a:r>
+          </a:p>
+          <a:p>
+            <a:pPr marL="171450" indent="-171450">
+              <a:buFontTx/>
+              <a:buChar char="-"/>
+            </a:pPr>
+            <a:endParaRPr lang="en-US" dirty="0"/>
+          </a:p>
+          <a:p>
+            <a:r>
+              <a:rPr lang="en-US" dirty="0"/>
+              <a:t>SUPPORTING POINTS:</a:t>
+            </a:r>
+          </a:p>
+          <a:p>
+            <a:pPr marL="171450" indent="-171450">
+              <a:buFontTx/>
+              <a:buChar char="-"/>
+            </a:pPr>
+            <a:r>
+              <a:rPr lang="en-US" dirty="0"/>
+              <a:t>Solutions that have single configurations per TF have lower flexibility than its unlimited opponents. This results in lower </a:t>
+            </a:r>
+            <a:r>
+              <a:rPr lang="en-US" dirty="0" err="1"/>
+              <a:t>schedulability</a:t>
+            </a:r>
+            <a:r>
+              <a:rPr lang="en-US" dirty="0"/>
+              <a:t> ratio compared to unlimited approaches.</a:t>
+            </a:r>
+          </a:p>
+          <a:p>
+            <a:pPr marL="171450" indent="-171450">
+              <a:buFontTx/>
+              <a:buChar char="-"/>
+            </a:pPr>
+            <a:endParaRPr lang="en-US" dirty="0"/>
+          </a:p>
+        </p:txBody>
+      </p:sp>
+      <p:sp>
+        <p:nvSpPr>
+          <p:cNvPr id="4" name="Slide Number Placeholder 3"/>
+          <p:cNvSpPr>
+            <a:spLocks noGrp="1"/>
+          </p:cNvSpPr>
+          <p:nvPr>
+            <p:ph type="sldNum" sz="quarter" idx="5"/>
+          </p:nvPr>
+        </p:nvSpPr>
+        <p:spPr/>
+        <p:txBody>
+          <a:bodyPr/>
+          <a:lstStyle/>
+          <a:p>
+            <a:fld id="{769943EA-69D9-7E49-97CD-A49926F617C9}" type="slidenum">
+              <a:rPr lang="en-US" smtClean="0"/>
+              <a:t>39</a:t>
+            </a:fld>
+            <a:endParaRPr lang="en-US" dirty="0"/>
+          </a:p>
+        </p:txBody>
+      </p:sp>
+    </p:spTree>
+    <p:extLst>
+      <p:ext uri="{BB962C8B-B14F-4D97-AF65-F5344CB8AC3E}">
+        <p14:creationId xmlns:p14="http://schemas.microsoft.com/office/powerpoint/2010/main" val="1859235541"/>
+      </p:ext>
+    </p:extLst>
+  </p:cSld>
+  <p:clrMapOvr>
+    <a:masterClrMapping/>
+  </p:clrMapOvr>
+</p:notes>
+</file>
+
+<file path=ppt/notesSlides/notesSlide25.xml><?xml version="1.0" encoding="utf-8"?>
+<p:notes xmlns:a="http://schemas.openxmlformats.org/drawingml/2006/main" xmlns:r="http://schemas.openxmlformats.org/officeDocument/2006/relationships" xmlns:p="http://schemas.openxmlformats.org/presentationml/2006/main">
+  <p:cSld>
+    <p:spTree>
+      <p:nvGrpSpPr>
+        <p:cNvPr id="1" name=""/>
+        <p:cNvGrpSpPr/>
+        <p:nvPr/>
+      </p:nvGrpSpPr>
+      <p:grpSpPr>
+        <a:xfrm>
+          <a:off x="0" y="0"/>
+          <a:ext cx="0" cy="0"/>
+          <a:chOff x="0" y="0"/>
+          <a:chExt cx="0" cy="0"/>
+        </a:xfrm>
+      </p:grpSpPr>
+      <p:sp>
+        <p:nvSpPr>
+          <p:cNvPr id="2" name="Slide Image Placeholder 1"/>
+          <p:cNvSpPr>
+            <a:spLocks noGrp="1" noRot="1" noChangeAspect="1"/>
+          </p:cNvSpPr>
+          <p:nvPr>
+            <p:ph type="sldImg"/>
+          </p:nvPr>
+        </p:nvSpPr>
+        <p:spPr/>
+      </p:sp>
+      <p:sp>
+        <p:nvSpPr>
+          <p:cNvPr id="3" name="Notes Placeholder 2"/>
+          <p:cNvSpPr>
+            <a:spLocks noGrp="1"/>
+          </p:cNvSpPr>
+          <p:nvPr>
+            <p:ph type="body" idx="1"/>
+          </p:nvPr>
+        </p:nvSpPr>
+        <p:spPr/>
+        <p:txBody>
+          <a:bodyPr/>
+          <a:lstStyle/>
+          <a:p>
+            <a:r>
+              <a:rPr lang="en-US" sz="1200" b="0" i="0" kern="1200" dirty="0">
+                <a:solidFill>
+                  <a:schemeClr val="tx1"/>
+                </a:solidFill>
+                <a:effectLst/>
+                <a:latin typeface="+mn-lt"/>
+                <a:ea typeface="+mn-ea"/>
+                <a:cs typeface="+mn-cs"/>
+              </a:rPr>
+              <a:t>KEEP IN MIND THIS IS ONLY FOR 3 FLOWS!!!!</a:t>
+            </a:r>
+          </a:p>
+          <a:p>
+            <a:endParaRPr lang="en-US" sz="1200" b="0" i="0" kern="1200" dirty="0">
+              <a:solidFill>
+                <a:schemeClr val="tx1"/>
+              </a:solidFill>
+              <a:effectLst/>
+              <a:latin typeface="+mn-lt"/>
+              <a:ea typeface="+mn-ea"/>
+              <a:cs typeface="+mn-cs"/>
+            </a:endParaRPr>
+          </a:p>
+          <a:p>
+            <a:r>
+              <a:rPr lang="en-US" sz="1200" b="0" i="0" kern="1200" dirty="0">
+                <a:solidFill>
+                  <a:schemeClr val="tx1"/>
+                </a:solidFill>
+                <a:effectLst/>
+                <a:latin typeface="+mn-lt"/>
+                <a:ea typeface="+mn-ea"/>
+                <a:cs typeface="+mn-cs"/>
+              </a:rPr>
+              <a:t>Why not SMT:</a:t>
+            </a:r>
+          </a:p>
+          <a:p>
+            <a:r>
+              <a:rPr lang="en-US" sz="1200" b="0" i="0" kern="1200" dirty="0">
+                <a:solidFill>
+                  <a:schemeClr val="tx1"/>
+                </a:solidFill>
+                <a:effectLst/>
+                <a:latin typeface="+mn-lt"/>
+                <a:ea typeface="+mn-ea"/>
+                <a:cs typeface="+mn-cs"/>
+              </a:rPr>
+              <a:t>- Runtime Explosion due to search space growing exponentially. </a:t>
+            </a:r>
+          </a:p>
+          <a:p>
+            <a:r>
+              <a:rPr lang="en-US" sz="1200" b="0" i="0" kern="1200" dirty="0">
+                <a:solidFill>
+                  <a:schemeClr val="tx1"/>
+                </a:solidFill>
+                <a:effectLst/>
+                <a:latin typeface="+mn-lt"/>
+                <a:ea typeface="+mn-ea"/>
+                <a:cs typeface="+mn-cs"/>
+              </a:rPr>
+              <a:t>- There is no bound that keeps the model within a reasonable budget for computation time</a:t>
+            </a:r>
+          </a:p>
+          <a:p>
+            <a:endParaRPr lang="en-US" sz="1200" b="0" i="0" kern="1200" dirty="0">
+              <a:solidFill>
+                <a:schemeClr val="tx1"/>
+              </a:solidFill>
+              <a:effectLst/>
+              <a:latin typeface="+mn-lt"/>
+              <a:ea typeface="+mn-ea"/>
+              <a:cs typeface="+mn-cs"/>
+            </a:endParaRPr>
+          </a:p>
+          <a:p>
+            <a:endParaRPr lang="en-US" sz="1200" b="0" i="0" kern="1200" dirty="0">
+              <a:solidFill>
+                <a:schemeClr val="tx1"/>
+              </a:solidFill>
+              <a:effectLst/>
+              <a:latin typeface="+mn-lt"/>
+              <a:ea typeface="+mn-ea"/>
+              <a:cs typeface="+mn-cs"/>
+            </a:endParaRPr>
+          </a:p>
+          <a:p>
+            <a:r>
+              <a:rPr lang="en-US" sz="1200" b="0" i="0" kern="1200" dirty="0" err="1">
+                <a:solidFill>
+                  <a:schemeClr val="tx1"/>
+                </a:solidFill>
+                <a:effectLst/>
+                <a:latin typeface="+mn-lt"/>
+                <a:ea typeface="+mn-ea"/>
+                <a:cs typeface="+mn-cs"/>
+              </a:rPr>
+              <a:t>CoU</a:t>
+            </a:r>
+            <a:r>
+              <a:rPr lang="en-US" sz="1200" b="0" i="0" kern="1200" dirty="0">
+                <a:solidFill>
+                  <a:schemeClr val="tx1"/>
+                </a:solidFill>
+                <a:effectLst/>
+                <a:latin typeface="+mn-lt"/>
+                <a:ea typeface="+mn-ea"/>
+                <a:cs typeface="+mn-cs"/>
+              </a:rPr>
+              <a:t> is 3×10⁷× faster than SMT-U</a:t>
+            </a:r>
+            <a:endParaRPr lang="en-US" dirty="0"/>
+          </a:p>
+        </p:txBody>
+      </p:sp>
+      <p:sp>
+        <p:nvSpPr>
+          <p:cNvPr id="4" name="Slide Number Placeholder 3"/>
+          <p:cNvSpPr>
+            <a:spLocks noGrp="1"/>
+          </p:cNvSpPr>
+          <p:nvPr>
+            <p:ph type="sldNum" sz="quarter" idx="5"/>
+          </p:nvPr>
+        </p:nvSpPr>
+        <p:spPr/>
+        <p:txBody>
+          <a:bodyPr/>
+          <a:lstStyle/>
+          <a:p>
+            <a:fld id="{769943EA-69D9-7E49-97CD-A49926F617C9}" type="slidenum">
+              <a:rPr lang="en-US" smtClean="0"/>
+              <a:t>40</a:t>
+            </a:fld>
+            <a:endParaRPr lang="en-US" dirty="0"/>
+          </a:p>
+        </p:txBody>
+      </p:sp>
+    </p:spTree>
+    <p:extLst>
+      <p:ext uri="{BB962C8B-B14F-4D97-AF65-F5344CB8AC3E}">
+        <p14:creationId xmlns:p14="http://schemas.microsoft.com/office/powerpoint/2010/main" val="1721310746"/>
       </p:ext>
     </p:extLst>
   </p:cSld>
@@ -3670,55 +3860,21 @@
           <a:p>
             <a:r>
               <a:rPr lang="en-US" dirty="0"/>
-              <a:t>KEY TAKEAWAY:</a:t>
-            </a:r>
-          </a:p>
-          <a:p>
-            <a:pPr marL="171450" indent="-171450">
-              <a:buFontTx/>
-              <a:buChar char="-"/>
-            </a:pPr>
-            <a:r>
-              <a:rPr lang="en-US" dirty="0"/>
-              <a:t>SMT-U performs the best among all approaches, however it is orders of magnitude slower than all other algorithms.</a:t>
-            </a:r>
-          </a:p>
-          <a:p>
-            <a:pPr marL="171450" indent="-171450">
-              <a:buFontTx/>
-              <a:buChar char="-"/>
-            </a:pPr>
+              <a:t>Stress testing the </a:t>
+            </a:r>
+            <a:r>
+              <a:rPr lang="en-US" dirty="0" err="1"/>
+              <a:t>CoU</a:t>
+            </a:r>
+            <a:r>
+              <a:rPr lang="en-US" dirty="0"/>
+              <a:t> and Co1 heuristic algorithms under realistic industrial load. </a:t>
+            </a:r>
+          </a:p>
+          <a:p>
             <a:endParaRPr lang="en-US" dirty="0"/>
           </a:p>
           <a:p>
-            <a:r>
-              <a:rPr lang="en-US" dirty="0"/>
-              <a:t>SUPPORTING POINTS:</a:t>
-            </a:r>
-          </a:p>
-          <a:p>
-            <a:pPr marL="171450" indent="-171450">
-              <a:buFontTx/>
-              <a:buChar char="-"/>
-            </a:pPr>
-            <a:r>
-              <a:rPr lang="en-US" dirty="0"/>
-              <a:t>Solutions that have single configurations per TF have lower flexibility than its unlimited opponents. This results in lower </a:t>
-            </a:r>
-            <a:r>
-              <a:rPr lang="en-US" dirty="0" err="1"/>
-              <a:t>schedulability</a:t>
-            </a:r>
-            <a:r>
-              <a:rPr lang="en-US" dirty="0"/>
-              <a:t> ratio compared to unlimited approaches.</a:t>
-            </a:r>
-          </a:p>
-          <a:p>
-            <a:pPr marL="171450" indent="-171450">
-              <a:buFontTx/>
-              <a:buChar char="-"/>
-            </a:pPr>
             <a:endParaRPr lang="en-US" dirty="0"/>
           </a:p>
         </p:txBody>
@@ -3749,7 +3905,7 @@
     </p:spTree>
     <p:extLst>
       <p:ext uri="{BB962C8B-B14F-4D97-AF65-F5344CB8AC3E}">
-        <p14:creationId xmlns:p14="http://schemas.microsoft.com/office/powerpoint/2010/main" val="1859235541"/>
+        <p14:creationId xmlns:p14="http://schemas.microsoft.com/office/powerpoint/2010/main" val="3171845967"/>
       </p:ext>
     </p:extLst>
   </p:cSld>
@@ -3764,7 +3920,13 @@
   <p:cSld>
     <p:spTree>
       <p:nvGrpSpPr>
-        <p:cNvPr id="1" name=""/>
+        <p:cNvPr id="1" name="">
+          <a:extLst>
+            <a:ext uri="{FF2B5EF4-FFF2-40B4-BE49-F238E27FC236}">
+              <a16:creationId xmlns:a16="http://schemas.microsoft.com/office/drawing/2014/main" id="{E4890B4F-4794-D81C-5800-440567148E05}"/>
+            </a:ext>
+          </a:extLst>
+        </p:cNvPr>
         <p:cNvGrpSpPr/>
         <p:nvPr/>
       </p:nvGrpSpPr>
@@ -3778,7 +3940,13 @@
       </p:grpSpPr>
       <p:sp>
         <p:nvSpPr>
-          <p:cNvPr id="2" name="Slide Image Placeholder 1"/>
+          <p:cNvPr id="2" name="Slide Image Placeholder 1">
+            <a:extLst>
+              <a:ext uri="{FF2B5EF4-FFF2-40B4-BE49-F238E27FC236}">
+                <a16:creationId xmlns:a16="http://schemas.microsoft.com/office/drawing/2014/main" id="{F87D0C0A-101F-8F36-9B55-63F2FDC76A04}"/>
+              </a:ext>
+            </a:extLst>
+          </p:cNvPr>
           <p:cNvSpPr>
             <a:spLocks noGrp="1" noRot="1" noChangeAspect="1"/>
           </p:cNvSpPr>
@@ -3790,7 +3958,13 @@
       </p:sp>
       <p:sp>
         <p:nvSpPr>
-          <p:cNvPr id="3" name="Notes Placeholder 2"/>
+          <p:cNvPr id="3" name="Notes Placeholder 2">
+            <a:extLst>
+              <a:ext uri="{FF2B5EF4-FFF2-40B4-BE49-F238E27FC236}">
+                <a16:creationId xmlns:a16="http://schemas.microsoft.com/office/drawing/2014/main" id="{8BCC6BD8-88F5-8A4B-8E01-7228E5B63050}"/>
+              </a:ext>
+            </a:extLst>
+          </p:cNvPr>
           <p:cNvSpPr>
             <a:spLocks noGrp="1"/>
           </p:cNvSpPr>
@@ -3804,150 +3978,49 @@
           <a:lstStyle/>
           <a:p>
             <a:r>
-              <a:rPr lang="en-US" sz="1200" b="0" i="0" kern="1200" dirty="0">
-                <a:solidFill>
-                  <a:schemeClr val="tx1"/>
-                </a:solidFill>
-                <a:effectLst/>
-                <a:latin typeface="+mn-lt"/>
-                <a:ea typeface="+mn-ea"/>
-                <a:cs typeface="+mn-cs"/>
-              </a:rPr>
-              <a:t>KEEP IN MIND THIS IS ONLY FOR 3 FLOWS!!!!</a:t>
-            </a:r>
-          </a:p>
-          <a:p>
-            <a:endParaRPr lang="en-US" sz="1200" b="0" i="0" kern="1200" dirty="0">
-              <a:solidFill>
-                <a:schemeClr val="tx1"/>
-              </a:solidFill>
-              <a:effectLst/>
-              <a:latin typeface="+mn-lt"/>
-              <a:ea typeface="+mn-ea"/>
-              <a:cs typeface="+mn-cs"/>
-            </a:endParaRPr>
-          </a:p>
-          <a:p>
-            <a:r>
-              <a:rPr lang="en-US" sz="1200" b="0" i="0" kern="1200" dirty="0">
-                <a:solidFill>
-                  <a:schemeClr val="tx1"/>
-                </a:solidFill>
-                <a:effectLst/>
-                <a:latin typeface="+mn-lt"/>
-                <a:ea typeface="+mn-ea"/>
-                <a:cs typeface="+mn-cs"/>
-              </a:rPr>
-              <a:t>Computation must be kept minimal to satisfy stringent latency requirements of 5g. 10s and 50min exceeds the requirements so SMT can be ruled out.</a:t>
-            </a:r>
-          </a:p>
-          <a:p>
-            <a:endParaRPr lang="en-US" sz="1200" b="0" i="0" kern="1200" dirty="0">
-              <a:solidFill>
-                <a:schemeClr val="tx1"/>
-              </a:solidFill>
-              <a:effectLst/>
-              <a:latin typeface="+mn-lt"/>
-              <a:ea typeface="+mn-ea"/>
-              <a:cs typeface="+mn-cs"/>
-            </a:endParaRPr>
-          </a:p>
-          <a:p>
-            <a:r>
-              <a:rPr lang="en-US" sz="1200" b="0" i="0" kern="1200" dirty="0">
-                <a:solidFill>
-                  <a:schemeClr val="tx1"/>
-                </a:solidFill>
-                <a:effectLst/>
-                <a:latin typeface="+mn-lt"/>
-                <a:ea typeface="+mn-ea"/>
-                <a:cs typeface="+mn-cs"/>
-              </a:rPr>
-              <a:t>Why not SMT:</a:t>
-            </a:r>
-          </a:p>
-          <a:p>
-            <a:r>
-              <a:rPr lang="en-US" sz="1200" b="0" i="0" kern="1200" dirty="0">
-                <a:solidFill>
-                  <a:schemeClr val="tx1"/>
-                </a:solidFill>
-                <a:effectLst/>
-                <a:latin typeface="+mn-lt"/>
-                <a:ea typeface="+mn-ea"/>
-                <a:cs typeface="+mn-cs"/>
-              </a:rPr>
-              <a:t>- Runtime Explosion due to search space growing exponentially. </a:t>
-            </a:r>
-          </a:p>
-          <a:p>
-            <a:r>
-              <a:rPr lang="en-US" sz="1200" b="0" i="0" kern="1200" dirty="0">
-                <a:solidFill>
-                  <a:schemeClr val="tx1"/>
-                </a:solidFill>
-                <a:effectLst/>
-                <a:latin typeface="+mn-lt"/>
-                <a:ea typeface="+mn-ea"/>
-                <a:cs typeface="+mn-cs"/>
-              </a:rPr>
-              <a:t>- There is no bound that keeps the model within a reasonable budget for computation time</a:t>
-            </a:r>
-          </a:p>
-          <a:p>
-            <a:endParaRPr lang="en-US" sz="1200" b="0" i="0" kern="1200" dirty="0">
-              <a:solidFill>
-                <a:schemeClr val="tx1"/>
-              </a:solidFill>
-              <a:effectLst/>
-              <a:latin typeface="+mn-lt"/>
-              <a:ea typeface="+mn-ea"/>
-              <a:cs typeface="+mn-cs"/>
-            </a:endParaRPr>
-          </a:p>
-          <a:p>
-            <a:endParaRPr lang="en-US" sz="1200" b="0" i="0" kern="1200" dirty="0">
-              <a:solidFill>
-                <a:schemeClr val="tx1"/>
-              </a:solidFill>
-              <a:effectLst/>
-              <a:latin typeface="+mn-lt"/>
-              <a:ea typeface="+mn-ea"/>
-              <a:cs typeface="+mn-cs"/>
-            </a:endParaRPr>
-          </a:p>
-          <a:p>
-            <a:r>
-              <a:rPr lang="en-US" sz="1200" b="0" i="0" kern="1200" dirty="0" err="1">
-                <a:solidFill>
-                  <a:schemeClr val="tx1"/>
-                </a:solidFill>
-                <a:effectLst/>
-                <a:latin typeface="+mn-lt"/>
-                <a:ea typeface="+mn-ea"/>
-                <a:cs typeface="+mn-cs"/>
-              </a:rPr>
-              <a:t>CoU</a:t>
-            </a:r>
-            <a:r>
-              <a:rPr lang="en-US" sz="1200" b="0" i="0" kern="1200" dirty="0">
-                <a:solidFill>
-                  <a:schemeClr val="tx1"/>
-                </a:solidFill>
-                <a:effectLst/>
-                <a:latin typeface="+mn-lt"/>
-                <a:ea typeface="+mn-ea"/>
-                <a:cs typeface="+mn-cs"/>
-              </a:rPr>
-              <a:t> is 3×10⁷× faster than SMT-U</a:t>
-            </a:r>
-            <a:endParaRPr lang="en-US" dirty="0"/>
-          </a:p>
-        </p:txBody>
-      </p:sp>
-      <p:sp>
-        <p:nvSpPr>
-          <p:cNvPr id="4" name="Slide Number Placeholder 3"/>
+              <a:rPr lang="en-US" dirty="0" err="1"/>
+              <a:t>Experiements</a:t>
+            </a:r>
+            <a:r>
+              <a:rPr lang="en-US" dirty="0"/>
+              <a:t>:</a:t>
+            </a:r>
+          </a:p>
+          <a:p>
+            <a:r>
+              <a:rPr lang="en-US" dirty="0"/>
+              <a:t>1. Default Scenario</a:t>
+            </a:r>
+          </a:p>
+          <a:p>
+            <a:r>
+              <a:rPr lang="en-US" dirty="0"/>
+              <a:t>2. Latency Requirements</a:t>
+            </a:r>
+          </a:p>
+          <a:p>
+            <a:r>
+              <a:rPr lang="en-US" dirty="0"/>
+              <a:t>3. Diversity of Transmission Periods</a:t>
+            </a:r>
+          </a:p>
+          <a:p>
+            <a:r>
+              <a:rPr lang="en-US" dirty="0"/>
+              <a:t>4. Payload Sizes</a:t>
+            </a:r>
+          </a:p>
+        </p:txBody>
+      </p:sp>
+      <p:sp>
+        <p:nvSpPr>
+          <p:cNvPr id="4" name="Slide Number Placeholder 3">
+            <a:extLst>
+              <a:ext uri="{FF2B5EF4-FFF2-40B4-BE49-F238E27FC236}">
+                <a16:creationId xmlns:a16="http://schemas.microsoft.com/office/drawing/2014/main" id="{5E9E096A-FBBB-BA10-18BC-B81A4C0FD59D}"/>
+              </a:ext>
+            </a:extLst>
+          </p:cNvPr>
           <p:cNvSpPr>
             <a:spLocks noGrp="1"/>
           </p:cNvSpPr>
@@ -3971,7 +4044,7 @@
     </p:spTree>
     <p:extLst>
       <p:ext uri="{BB962C8B-B14F-4D97-AF65-F5344CB8AC3E}">
-        <p14:creationId xmlns:p14="http://schemas.microsoft.com/office/powerpoint/2010/main" val="1721310746"/>
+        <p14:creationId xmlns:p14="http://schemas.microsoft.com/office/powerpoint/2010/main" val="1618889627"/>
       </p:ext>
     </p:extLst>
   </p:cSld>
@@ -4027,21 +4100,108 @@
           <a:p>
             <a:r>
               <a:rPr lang="en-US" dirty="0"/>
-              <a:t>Stress testing the </a:t>
-            </a:r>
+              <a:t>KEY TAKEAWAY:</a:t>
+            </a:r>
+          </a:p>
+          <a:p>
+            <a:pPr marL="171450" indent="-171450">
+              <a:buFontTx/>
+              <a:buChar char="-"/>
+            </a:pPr>
             <a:r>
               <a:rPr lang="en-US" dirty="0" err="1"/>
               <a:t>CoU</a:t>
             </a:r>
             <a:r>
               <a:rPr lang="en-US" dirty="0"/>
-              <a:t> and Co1 heuristic algorithms under realistic industrial load. </a:t>
-            </a:r>
-          </a:p>
-          <a:p>
+              <a:t> consistently outperforms Co1 by reducing the NRB usage, increasing the </a:t>
+            </a:r>
+            <a:r>
+              <a:rPr lang="en-US" dirty="0" err="1"/>
+              <a:t>scheduability</a:t>
+            </a:r>
+            <a:r>
+              <a:rPr lang="en-US" dirty="0"/>
+              <a:t> ratio</a:t>
+            </a:r>
+          </a:p>
+          <a:p>
+            <a:pPr marL="171450" indent="-171450">
+              <a:buFontTx/>
+              <a:buChar char="-"/>
+            </a:pPr>
             <a:endParaRPr lang="en-US" dirty="0"/>
           </a:p>
           <a:p>
+            <a:r>
+              <a:rPr lang="en-US" dirty="0"/>
+              <a:t>SUPPORTING POINTS:</a:t>
+            </a:r>
+          </a:p>
+          <a:p>
+            <a:pPr marL="171450" indent="-171450">
+              <a:buFontTx/>
+              <a:buChar char="-"/>
+            </a:pPr>
+            <a:r>
+              <a:rPr lang="en-US" dirty="0" err="1"/>
+              <a:t>CoU</a:t>
+            </a:r>
+            <a:r>
+              <a:rPr lang="en-US" dirty="0"/>
+              <a:t> NRB savings 7-14% more than Co1</a:t>
+            </a:r>
+          </a:p>
+          <a:p>
+            <a:pPr marL="171450" indent="-171450">
+              <a:buFontTx/>
+              <a:buChar char="-"/>
+            </a:pPr>
+            <a:r>
+              <a:rPr lang="en-US" dirty="0" err="1"/>
+              <a:t>CoU</a:t>
+            </a:r>
+            <a:r>
+              <a:rPr lang="en-US" dirty="0"/>
+              <a:t> </a:t>
+            </a:r>
+            <a:r>
+              <a:rPr lang="en-US" dirty="0" err="1"/>
+              <a:t>Schedulability</a:t>
+            </a:r>
+            <a:r>
+              <a:rPr lang="en-US" dirty="0"/>
+              <a:t> ratio up to 50% more than Co1 at the same amount of resource blocks =&gt; MORE FLEXIBILITY</a:t>
+            </a:r>
+          </a:p>
+          <a:p>
+            <a:pPr marL="171450" marR="0" lvl="0" indent="-171450" algn="l" defTabSz="914400" rtl="0" eaLnBrk="1" fontAlgn="auto" latinLnBrk="0" hangingPunct="1">
+              <a:lnSpc>
+                <a:spcPct val="100000"/>
+              </a:lnSpc>
+              <a:spcBef>
+                <a:spcPts val="0"/>
+              </a:spcBef>
+              <a:spcAft>
+                <a:spcPts val="0"/>
+              </a:spcAft>
+              <a:buClrTx/>
+              <a:buSzTx/>
+              <a:buFontTx/>
+              <a:buChar char="-"/>
+              <a:tabLst/>
+              <a:defRPr/>
+            </a:pPr>
+            <a:r>
+              <a:rPr lang="en-US" dirty="0"/>
+              <a:t>Co1 is a ~1 order of magnitude faster</a:t>
+            </a:r>
+          </a:p>
+          <a:p>
+            <a:pPr marL="171450" indent="-171450">
+              <a:buFontTx/>
+              <a:buChar char="-"/>
+            </a:pPr>
             <a:endParaRPr lang="en-US" dirty="0"/>
           </a:p>
         </p:txBody>
@@ -4063,7 +4223,7 @@
           <a:p>
             <a:fld id="{769943EA-69D9-7E49-97CD-A49926F617C9}" type="slidenum">
               <a:rPr lang="en-US" smtClean="0"/>
-              <a:t>43</a:t>
+              <a:t>44</a:t>
             </a:fld>
             <a:endParaRPr lang="en-US" dirty="0"/>
           </a:p>
@@ -4072,7 +4232,7 @@
     </p:spTree>
     <p:extLst>
       <p:ext uri="{BB962C8B-B14F-4D97-AF65-F5344CB8AC3E}">
-        <p14:creationId xmlns:p14="http://schemas.microsoft.com/office/powerpoint/2010/main" val="3171845967"/>
+        <p14:creationId xmlns:p14="http://schemas.microsoft.com/office/powerpoint/2010/main" val="2994155079"/>
       </p:ext>
     </p:extLst>
   </p:cSld>
@@ -4087,13 +4247,7 @@
   <p:cSld>
     <p:spTree>
       <p:nvGrpSpPr>
-        <p:cNvPr id="1" name="">
-          <a:extLst>
-            <a:ext uri="{FF2B5EF4-FFF2-40B4-BE49-F238E27FC236}">
-              <a16:creationId xmlns:a16="http://schemas.microsoft.com/office/drawing/2014/main" id="{E4890B4F-4794-D81C-5800-440567148E05}"/>
-            </a:ext>
-          </a:extLst>
-        </p:cNvPr>
+        <p:cNvPr id="1" name=""/>
         <p:cNvGrpSpPr/>
         <p:nvPr/>
       </p:nvGrpSpPr>
@@ -4107,13 +4261,7 @@
       </p:grpSpPr>
       <p:sp>
         <p:nvSpPr>
-          <p:cNvPr id="2" name="Slide Image Placeholder 1">
-            <a:extLst>
-              <a:ext uri="{FF2B5EF4-FFF2-40B4-BE49-F238E27FC236}">
-                <a16:creationId xmlns:a16="http://schemas.microsoft.com/office/drawing/2014/main" id="{F87D0C0A-101F-8F36-9B55-63F2FDC76A04}"/>
-              </a:ext>
-            </a:extLst>
-          </p:cNvPr>
+          <p:cNvPr id="2" name="Slide Image Placeholder 1"/>
           <p:cNvSpPr>
             <a:spLocks noGrp="1" noRot="1" noChangeAspect="1"/>
           </p:cNvSpPr>
@@ -4125,13 +4273,7 @@
       </p:sp>
       <p:sp>
         <p:nvSpPr>
-          <p:cNvPr id="3" name="Notes Placeholder 2">
-            <a:extLst>
-              <a:ext uri="{FF2B5EF4-FFF2-40B4-BE49-F238E27FC236}">
-                <a16:creationId xmlns:a16="http://schemas.microsoft.com/office/drawing/2014/main" id="{8BCC6BD8-88F5-8A4B-8E01-7228E5B63050}"/>
-              </a:ext>
-            </a:extLst>
-          </p:cNvPr>
+          <p:cNvPr id="3" name="Notes Placeholder 2"/>
           <p:cNvSpPr>
             <a:spLocks noGrp="1"/>
           </p:cNvSpPr>
@@ -4145,49 +4287,110 @@
           <a:lstStyle/>
           <a:p>
             <a:r>
+              <a:rPr lang="en-US" dirty="0"/>
+              <a:t>KEY TAKEAWAYS:</a:t>
+            </a:r>
+          </a:p>
+          <a:p>
+            <a:pPr marL="171450" indent="-171450">
+              <a:buFontTx/>
+              <a:buChar char="-"/>
+            </a:pPr>
+            <a:r>
+              <a:rPr lang="en-US" dirty="0"/>
+              <a:t>Performance is equal at both extremes of the latency requirements</a:t>
+            </a:r>
+          </a:p>
+          <a:p>
+            <a:pPr marL="171450" indent="-171450">
+              <a:buFontTx/>
+              <a:buChar char="-"/>
+            </a:pPr>
+            <a:r>
               <a:rPr lang="en-US" dirty="0" err="1"/>
-              <a:t>Experiements</a:t>
-            </a:r>
-            <a:r>
-              <a:rPr lang="en-US" dirty="0"/>
-              <a:t>:</a:t>
-            </a:r>
-          </a:p>
-          <a:p>
-            <a:r>
-              <a:rPr lang="en-US" dirty="0"/>
-              <a:t>1. Default Scenario</a:t>
-            </a:r>
-          </a:p>
-          <a:p>
-            <a:r>
-              <a:rPr lang="en-US" dirty="0"/>
-              <a:t>2. Latency Requirements</a:t>
-            </a:r>
-          </a:p>
-          <a:p>
-            <a:r>
-              <a:rPr lang="en-US" dirty="0"/>
-              <a:t>3. Diversity of Transmission Periods</a:t>
-            </a:r>
-          </a:p>
-          <a:p>
-            <a:r>
-              <a:rPr lang="en-US" dirty="0"/>
-              <a:t>4. Payload Sizes</a:t>
-            </a:r>
-          </a:p>
-        </p:txBody>
-      </p:sp>
-      <p:sp>
-        <p:nvSpPr>
-          <p:cNvPr id="4" name="Slide Number Placeholder 3">
-            <a:extLst>
-              <a:ext uri="{FF2B5EF4-FFF2-40B4-BE49-F238E27FC236}">
-                <a16:creationId xmlns:a16="http://schemas.microsoft.com/office/drawing/2014/main" id="{5E9E096A-FBBB-BA10-18BC-B81A4C0FD59D}"/>
-              </a:ext>
-            </a:extLst>
-          </p:cNvPr>
+              <a:t>CoU’s</a:t>
+            </a:r>
+            <a:r>
+              <a:rPr lang="en-US" dirty="0"/>
+              <a:t> advantage over Co1 is greatest when latency requirements are neither too tight nor too loose</a:t>
+            </a:r>
+          </a:p>
+          <a:p>
+            <a:pPr marL="171450" indent="-171450">
+              <a:buFontTx/>
+              <a:buChar char="-"/>
+            </a:pPr>
+            <a:endParaRPr lang="en-US" dirty="0"/>
+          </a:p>
+          <a:p>
+            <a:r>
+              <a:rPr lang="en-US" dirty="0"/>
+              <a:t>SUPPORTING POINTS:</a:t>
+            </a:r>
+          </a:p>
+          <a:p>
+            <a:pPr marL="171450" indent="-171450">
+              <a:buFontTx/>
+              <a:buChar char="-"/>
+            </a:pPr>
+            <a:r>
+              <a:rPr lang="en-US" dirty="0"/>
+              <a:t>NRB &amp; </a:t>
+            </a:r>
+            <a:r>
+              <a:rPr lang="en-US" dirty="0" err="1"/>
+              <a:t>schedualability</a:t>
+            </a:r>
+            <a:r>
+              <a:rPr lang="en-US" dirty="0"/>
+              <a:t> gaps between </a:t>
+            </a:r>
+            <a:r>
+              <a:rPr lang="en-US" dirty="0" err="1"/>
+              <a:t>CoU</a:t>
+            </a:r>
+            <a:r>
+              <a:rPr lang="en-US" dirty="0"/>
+              <a:t> and Co1 are only ~7% at stringent and loose requirements (extremes)</a:t>
+            </a:r>
+          </a:p>
+          <a:p>
+            <a:pPr marL="171450" indent="-171450">
+              <a:buFontTx/>
+              <a:buChar char="-"/>
+            </a:pPr>
+            <a:r>
+              <a:rPr lang="en-US" dirty="0"/>
+              <a:t>Mid range intervals </a:t>
+            </a:r>
+            <a:r>
+              <a:rPr lang="en-US" dirty="0" err="1"/>
+              <a:t>CoU</a:t>
+            </a:r>
+            <a:r>
+              <a:rPr lang="en-US" dirty="0"/>
+              <a:t> outperforms Co1 by up to 20%</a:t>
+            </a:r>
+          </a:p>
+          <a:p>
+            <a:pPr marL="171450" indent="-171450">
+              <a:buFontTx/>
+              <a:buChar char="-"/>
+            </a:pPr>
+            <a:endParaRPr lang="en-US" dirty="0"/>
+          </a:p>
+          <a:p>
+            <a:pPr marL="171450" indent="-171450">
+              <a:buFontTx/>
+              <a:buChar char="-"/>
+            </a:pPr>
+            <a:endParaRPr lang="en-US" dirty="0"/>
+          </a:p>
+        </p:txBody>
+      </p:sp>
+      <p:sp>
+        <p:nvSpPr>
+          <p:cNvPr id="4" name="Slide Number Placeholder 3"/>
           <p:cNvSpPr>
             <a:spLocks noGrp="1"/>
           </p:cNvSpPr>
@@ -4202,7 +4405,7 @@
           <a:p>
             <a:fld id="{769943EA-69D9-7E49-97CD-A49926F617C9}" type="slidenum">
               <a:rPr lang="en-US" smtClean="0"/>
-              <a:t>44</a:t>
+              <a:t>46</a:t>
             </a:fld>
             <a:endParaRPr lang="en-US" dirty="0"/>
           </a:p>
@@ -4211,7 +4414,7 @@
     </p:spTree>
     <p:extLst>
       <p:ext uri="{BB962C8B-B14F-4D97-AF65-F5344CB8AC3E}">
-        <p14:creationId xmlns:p14="http://schemas.microsoft.com/office/powerpoint/2010/main" val="1618889627"/>
+        <p14:creationId xmlns:p14="http://schemas.microsoft.com/office/powerpoint/2010/main" val="2303589992"/>
       </p:ext>
     </p:extLst>
   </p:cSld>
@@ -4435,7 +4638,7 @@
           <a:p>
             <a:r>
               <a:rPr lang="en-US" dirty="0"/>
-              <a:t>KEY TAKEAWAY:</a:t>
+              <a:t>KEY TAKEAWAYS:</a:t>
             </a:r>
           </a:p>
           <a:p>
@@ -4444,20 +4647,22 @@
               <a:buChar char="-"/>
             </a:pPr>
             <a:r>
+              <a:rPr lang="en-US" dirty="0"/>
+              <a:t>Performance is equal at both extremes of the latency requirements</a:t>
+            </a:r>
+          </a:p>
+          <a:p>
+            <a:pPr marL="171450" indent="-171450">
+              <a:buFontTx/>
+              <a:buChar char="-"/>
+            </a:pPr>
+            <a:r>
               <a:rPr lang="en-US" dirty="0" err="1"/>
-              <a:t>CoU</a:t>
-            </a:r>
-            <a:r>
-              <a:rPr lang="en-US" dirty="0"/>
-              <a:t> consistently outperforms Co1 by reducing the NRB usage, increasing the </a:t>
-            </a:r>
-            <a:r>
-              <a:rPr lang="en-US" dirty="0" err="1"/>
-              <a:t>scheduability</a:t>
-            </a:r>
-            <a:r>
-              <a:rPr lang="en-US" dirty="0"/>
-              <a:t> ratio</a:t>
+              <a:t>CoU’s</a:t>
+            </a:r>
+            <a:r>
+              <a:rPr lang="en-US" dirty="0"/>
+              <a:t> advantage over Co1 is greatest when latency requirements are neither too tight nor too loose</a:t>
             </a:r>
           </a:p>
           <a:p>
@@ -4479,12 +4684,24 @@
               <a:buChar char="-"/>
             </a:pPr>
             <a:r>
+              <a:rPr lang="en-US" dirty="0"/>
+              <a:t>NRB &amp; </a:t>
+            </a:r>
+            <a:r>
+              <a:rPr lang="en-US" dirty="0" err="1"/>
+              <a:t>schedualability</a:t>
+            </a:r>
+            <a:r>
+              <a:rPr lang="en-US" dirty="0"/>
+              <a:t> gaps between </a:t>
+            </a:r>
+            <a:r>
               <a:rPr lang="en-US" dirty="0" err="1"/>
               <a:t>CoU</a:t>
             </a:r>
             <a:r>
               <a:rPr lang="en-US" dirty="0"/>
-              <a:t> NRB savings 7-14% more than Co1</a:t>
+              <a:t> and Co1 are only ~7% at stringent and loose requirements (extremes)</a:t>
             </a:r>
           </a:p>
           <a:p>
@@ -4493,43 +4710,16 @@
               <a:buChar char="-"/>
             </a:pPr>
             <a:r>
+              <a:rPr lang="en-US" dirty="0"/>
+              <a:t>Mid range intervals </a:t>
+            </a:r>
+            <a:r>
               <a:rPr lang="en-US" dirty="0" err="1"/>
               <a:t>CoU</a:t>
             </a:r>
             <a:r>
               <a:rPr lang="en-US" dirty="0"/>
-              <a:t> </a:t>
-            </a:r>
-            <a:r>
-              <a:rPr lang="en-US" dirty="0" err="1"/>
-              <a:t>Schedulability</a:t>
-            </a:r>
-            <a:r>
-              <a:rPr lang="en-US" dirty="0"/>
-              <a:t> ratio up to 50% more than Co1 at the same amount of resource blocks =&gt; MORE FLEXIBILITY</a:t>
-            </a:r>
-          </a:p>
-          <a:p>
-            <a:pPr marL="171450" marR="0" lvl="0" indent="-171450" algn="l" defTabSz="914400" rtl="0" eaLnBrk="1" fontAlgn="auto" latinLnBrk="0" hangingPunct="1">
-              <a:lnSpc>
-                <a:spcPct val="100000"/>
-              </a:lnSpc>
-              <a:spcBef>
-                <a:spcPts val="0"/>
-              </a:spcBef>
-              <a:spcAft>
-                <a:spcPts val="0"/>
-              </a:spcAft>
-              <a:buClrTx/>
-              <a:buSzTx/>
-              <a:buFontTx/>
-              <a:buChar char="-"/>
-              <a:tabLst/>
-              <a:defRPr/>
-            </a:pPr>
-            <a:r>
-              <a:rPr lang="en-US" dirty="0"/>
-              <a:t>Co1 is a ~1 order of magnitude faster</a:t>
+              <a:t> outperforms Co1 by up to 20%</a:t>
             </a:r>
           </a:p>
           <a:p>
@@ -4539,6 +4729,13 @@
             </a:pPr>
             <a:endParaRPr lang="en-US" dirty="0"/>
           </a:p>
+          <a:p>
+            <a:pPr marL="171450" indent="-171450">
+              <a:buFontTx/>
+              <a:buChar char="-"/>
+            </a:pPr>
+            <a:endParaRPr lang="en-US" dirty="0"/>
+          </a:p>
         </p:txBody>
       </p:sp>
       <p:sp>
@@ -4558,7 +4755,7 @@
           <a:p>
             <a:fld id="{769943EA-69D9-7E49-97CD-A49926F617C9}" type="slidenum">
               <a:rPr lang="en-US" smtClean="0"/>
-              <a:t>46</a:t>
+              <a:t>47</a:t>
             </a:fld>
             <a:endParaRPr lang="en-US" dirty="0"/>
           </a:p>
@@ -4567,7 +4764,7 @@
     </p:spTree>
     <p:extLst>
       <p:ext uri="{BB962C8B-B14F-4D97-AF65-F5344CB8AC3E}">
-        <p14:creationId xmlns:p14="http://schemas.microsoft.com/office/powerpoint/2010/main" val="2994155079"/>
+        <p14:creationId xmlns:p14="http://schemas.microsoft.com/office/powerpoint/2010/main" val="4247123786"/>
       </p:ext>
     </p:extLst>
   </p:cSld>
@@ -4623,7 +4820,7 @@
           <a:p>
             <a:r>
               <a:rPr lang="en-US" dirty="0"/>
-              <a:t>KEY TAKEAWAYS:</a:t>
+              <a:t>KEY TAKEAWAY:</a:t>
             </a:r>
           </a:p>
           <a:p>
@@ -4632,8 +4829,12 @@
               <a:buChar char="-"/>
             </a:pPr>
             <a:r>
-              <a:rPr lang="en-US" dirty="0"/>
-              <a:t>Performance is equal at both extremes of the latency requirements</a:t>
+              <a:rPr lang="en-US" dirty="0" err="1"/>
+              <a:t>CoU</a:t>
+            </a:r>
+            <a:r>
+              <a:rPr lang="en-US" dirty="0"/>
+              <a:t> outperforms Co1 as transmission-period diversity rises</a:t>
             </a:r>
           </a:p>
           <a:p>
@@ -4642,13 +4843,14 @@
               <a:buChar char="-"/>
             </a:pPr>
             <a:r>
+              <a:rPr lang="en-US" dirty="0"/>
+              <a:t>Co1 execution time far better than </a:t>
+            </a:r>
+            <a:r>
               <a:rPr lang="en-US" dirty="0" err="1"/>
-              <a:t>CoU’s</a:t>
-            </a:r>
-            <a:r>
-              <a:rPr lang="en-US" dirty="0"/>
-              <a:t> advantage over Co1 is greatest when latency requirements are neither too tight nor too loose</a:t>
-            </a:r>
+              <a:t>CoU</a:t>
+            </a:r>
+            <a:endParaRPr lang="en-US" dirty="0"/>
           </a:p>
           <a:p>
             <a:pPr marL="171450" indent="-171450">
@@ -4669,24 +4871,20 @@
               <a:buChar char="-"/>
             </a:pPr>
             <a:r>
-              <a:rPr lang="en-US" dirty="0"/>
-              <a:t>NRB &amp; </a:t>
-            </a:r>
-            <a:r>
-              <a:rPr lang="en-US" dirty="0" err="1"/>
-              <a:t>schedualability</a:t>
-            </a:r>
-            <a:r>
-              <a:rPr lang="en-US" dirty="0"/>
-              <a:t> gaps between </a:t>
-            </a:r>
-            <a:r>
               <a:rPr lang="en-US" dirty="0" err="1"/>
               <a:t>CoU</a:t>
             </a:r>
             <a:r>
               <a:rPr lang="en-US" dirty="0"/>
-              <a:t> and Co1 are only ~7% at stringent and loose requirements (extremes)</a:t>
+              <a:t> outperforms Co1 as transmission-period diversity rises as there is more potential for TF interleaving. As </a:t>
+            </a:r>
+            <a:r>
+              <a:rPr lang="en-US" dirty="0" err="1"/>
+              <a:t>CoU</a:t>
+            </a:r>
+            <a:r>
+              <a:rPr lang="en-US" dirty="0"/>
+              <a:t> is more flexible than Co1 it performs better with a higher diversity of transmission periods</a:t>
             </a:r>
           </a:p>
           <a:p>
@@ -4696,16 +4894,13 @@
             </a:pPr>
             <a:r>
               <a:rPr lang="en-US" dirty="0"/>
-              <a:t>Mid range intervals </a:t>
+              <a:t>Co1 execution time far better than </a:t>
             </a:r>
             <a:r>
               <a:rPr lang="en-US" dirty="0" err="1"/>
               <a:t>CoU</a:t>
             </a:r>
-            <a:r>
-              <a:rPr lang="en-US" dirty="0"/>
-              <a:t> outperforms Co1 by up to 20%</a:t>
-            </a:r>
+            <a:endParaRPr lang="en-US" dirty="0"/>
           </a:p>
           <a:p>
             <a:pPr marL="171450" indent="-171450">
@@ -4721,6 +4916,9 @@
             </a:pPr>
             <a:endParaRPr lang="en-US" dirty="0"/>
           </a:p>
+          <a:p>
+            <a:endParaRPr lang="en-US" dirty="0"/>
+          </a:p>
         </p:txBody>
       </p:sp>
       <p:sp>
@@ -4740,7 +4938,7 @@
           <a:p>
             <a:fld id="{769943EA-69D9-7E49-97CD-A49926F617C9}" type="slidenum">
               <a:rPr lang="en-US" smtClean="0"/>
-              <a:t>48</a:t>
+              <a:t>49</a:t>
             </a:fld>
             <a:endParaRPr lang="en-US" dirty="0"/>
           </a:p>
@@ -4749,7 +4947,7 @@
     </p:spTree>
     <p:extLst>
       <p:ext uri="{BB962C8B-B14F-4D97-AF65-F5344CB8AC3E}">
-        <p14:creationId xmlns:p14="http://schemas.microsoft.com/office/powerpoint/2010/main" val="2303589992"/>
+        <p14:creationId xmlns:p14="http://schemas.microsoft.com/office/powerpoint/2010/main" val="620112314"/>
       </p:ext>
     </p:extLst>
   </p:cSld>
@@ -4805,7 +5003,7 @@
           <a:p>
             <a:r>
               <a:rPr lang="en-US" dirty="0"/>
-              <a:t>KEY TAKEAWAYS:</a:t>
+              <a:t>KEY TAKEAWAY:</a:t>
             </a:r>
           </a:p>
           <a:p>
@@ -4814,8 +5012,12 @@
               <a:buChar char="-"/>
             </a:pPr>
             <a:r>
-              <a:rPr lang="en-US" dirty="0"/>
-              <a:t>Performance is equal at both extremes of the latency requirements</a:t>
+              <a:rPr lang="en-US" dirty="0" err="1"/>
+              <a:t>CoU</a:t>
+            </a:r>
+            <a:r>
+              <a:rPr lang="en-US" dirty="0"/>
+              <a:t> outperforms Co1 as transmission-period diversity rises</a:t>
             </a:r>
           </a:p>
           <a:p>
@@ -4824,13 +5026,14 @@
               <a:buChar char="-"/>
             </a:pPr>
             <a:r>
+              <a:rPr lang="en-US" dirty="0"/>
+              <a:t>Co1 execution time far better than </a:t>
+            </a:r>
+            <a:r>
               <a:rPr lang="en-US" dirty="0" err="1"/>
-              <a:t>CoU’s</a:t>
-            </a:r>
-            <a:r>
-              <a:rPr lang="en-US" dirty="0"/>
-              <a:t> advantage over Co1 is greatest when latency requirements are neither too tight nor too loose</a:t>
-            </a:r>
+              <a:t>CoU</a:t>
+            </a:r>
+            <a:endParaRPr lang="en-US" dirty="0"/>
           </a:p>
           <a:p>
             <a:pPr marL="171450" indent="-171450">
@@ -4851,24 +5054,20 @@
               <a:buChar char="-"/>
             </a:pPr>
             <a:r>
-              <a:rPr lang="en-US" dirty="0"/>
-              <a:t>NRB &amp; </a:t>
-            </a:r>
-            <a:r>
-              <a:rPr lang="en-US" dirty="0" err="1"/>
-              <a:t>schedualability</a:t>
-            </a:r>
-            <a:r>
-              <a:rPr lang="en-US" dirty="0"/>
-              <a:t> gaps between </a:t>
-            </a:r>
-            <a:r>
               <a:rPr lang="en-US" dirty="0" err="1"/>
               <a:t>CoU</a:t>
             </a:r>
             <a:r>
               <a:rPr lang="en-US" dirty="0"/>
-              <a:t> and Co1 are only ~7% at stringent and loose requirements (extremes)</a:t>
+              <a:t> outperforms Co1 as transmission-period diversity rises as there is more potential for TF interleaving. As </a:t>
+            </a:r>
+            <a:r>
+              <a:rPr lang="en-US" dirty="0" err="1"/>
+              <a:t>CoU</a:t>
+            </a:r>
+            <a:r>
+              <a:rPr lang="en-US" dirty="0"/>
+              <a:t> is more flexible than Co1 it performs better with a higher diversity of transmission periods</a:t>
             </a:r>
           </a:p>
           <a:p>
@@ -4878,16 +5077,13 @@
             </a:pPr>
             <a:r>
               <a:rPr lang="en-US" dirty="0"/>
-              <a:t>Mid range intervals </a:t>
+              <a:t>Co1 execution time far better than </a:t>
             </a:r>
             <a:r>
               <a:rPr lang="en-US" dirty="0" err="1"/>
               <a:t>CoU</a:t>
             </a:r>
-            <a:r>
-              <a:rPr lang="en-US" dirty="0"/>
-              <a:t> outperforms Co1 by up to 20%</a:t>
-            </a:r>
+            <a:endParaRPr lang="en-US" dirty="0"/>
           </a:p>
           <a:p>
             <a:pPr marL="171450" indent="-171450">
@@ -4922,7 +5118,7 @@
           <a:p>
             <a:fld id="{769943EA-69D9-7E49-97CD-A49926F617C9}" type="slidenum">
               <a:rPr lang="en-US" smtClean="0"/>
-              <a:t>49</a:t>
+              <a:t>50</a:t>
             </a:fld>
             <a:endParaRPr lang="en-US" dirty="0"/>
           </a:p>
@@ -4931,7 +5127,7 @@
     </p:spTree>
     <p:extLst>
       <p:ext uri="{BB962C8B-B14F-4D97-AF65-F5344CB8AC3E}">
-        <p14:creationId xmlns:p14="http://schemas.microsoft.com/office/powerpoint/2010/main" val="4247123786"/>
+        <p14:creationId xmlns:p14="http://schemas.microsoft.com/office/powerpoint/2010/main" val="512716145"/>
       </p:ext>
     </p:extLst>
   </p:cSld>
@@ -4987,103 +5183,21 @@
           <a:p>
             <a:r>
               <a:rPr lang="en-US" dirty="0"/>
-              <a:t>KEY TAKEAWAY:</a:t>
-            </a:r>
-          </a:p>
-          <a:p>
-            <a:pPr marL="171450" indent="-171450">
-              <a:buFontTx/>
-              <a:buChar char="-"/>
-            </a:pPr>
+              <a:t>THERE ARE TWO TESTS PERFORMED. </a:t>
+            </a:r>
+          </a:p>
+          <a:p>
+            <a:endParaRPr lang="en-US" dirty="0"/>
+          </a:p>
+          <a:p>
+            <a:r>
+              <a:rPr lang="en-US" dirty="0"/>
+              <a:t>First test which looks at the diversity of payloads has ~5% variance when comparing the results of Co1 and </a:t>
+            </a:r>
             <a:r>
               <a:rPr lang="en-US" dirty="0" err="1"/>
               <a:t>CoU</a:t>
             </a:r>
-            <a:r>
-              <a:rPr lang="en-US" dirty="0"/>
-              <a:t> outperforms Co1 as transmission-period diversity rises</a:t>
-            </a:r>
-          </a:p>
-          <a:p>
-            <a:pPr marL="171450" indent="-171450">
-              <a:buFontTx/>
-              <a:buChar char="-"/>
-            </a:pPr>
-            <a:r>
-              <a:rPr lang="en-US" dirty="0"/>
-              <a:t>Co1 execution time far better than </a:t>
-            </a:r>
-            <a:r>
-              <a:rPr lang="en-US" dirty="0" err="1"/>
-              <a:t>CoU</a:t>
-            </a:r>
-            <a:endParaRPr lang="en-US" dirty="0"/>
-          </a:p>
-          <a:p>
-            <a:pPr marL="171450" indent="-171450">
-              <a:buFontTx/>
-              <a:buChar char="-"/>
-            </a:pPr>
-            <a:endParaRPr lang="en-US" dirty="0"/>
-          </a:p>
-          <a:p>
-            <a:r>
-              <a:rPr lang="en-US" dirty="0"/>
-              <a:t>SUPPORTING POINTS:</a:t>
-            </a:r>
-          </a:p>
-          <a:p>
-            <a:pPr marL="171450" indent="-171450">
-              <a:buFontTx/>
-              <a:buChar char="-"/>
-            </a:pPr>
-            <a:r>
-              <a:rPr lang="en-US" dirty="0" err="1"/>
-              <a:t>CoU</a:t>
-            </a:r>
-            <a:r>
-              <a:rPr lang="en-US" dirty="0"/>
-              <a:t> outperforms Co1 as transmission-period diversity rises as there is more potential for TF interleaving. As </a:t>
-            </a:r>
-            <a:r>
-              <a:rPr lang="en-US" dirty="0" err="1"/>
-              <a:t>CoU</a:t>
-            </a:r>
-            <a:r>
-              <a:rPr lang="en-US" dirty="0"/>
-              <a:t> is more flexible than Co1 it performs better with a higher diversity of transmission periods</a:t>
-            </a:r>
-          </a:p>
-          <a:p>
-            <a:pPr marL="171450" indent="-171450">
-              <a:buFontTx/>
-              <a:buChar char="-"/>
-            </a:pPr>
-            <a:r>
-              <a:rPr lang="en-US" dirty="0"/>
-              <a:t>Co1 execution time far better than </a:t>
-            </a:r>
-            <a:r>
-              <a:rPr lang="en-US" dirty="0" err="1"/>
-              <a:t>CoU</a:t>
-            </a:r>
-            <a:endParaRPr lang="en-US" dirty="0"/>
-          </a:p>
-          <a:p>
-            <a:pPr marL="171450" indent="-171450">
-              <a:buFontTx/>
-              <a:buChar char="-"/>
-            </a:pPr>
-            <a:endParaRPr lang="en-US" dirty="0"/>
-          </a:p>
-          <a:p>
-            <a:pPr marL="171450" indent="-171450">
-              <a:buFontTx/>
-              <a:buChar char="-"/>
-            </a:pPr>
-            <a:endParaRPr lang="en-US" dirty="0"/>
-          </a:p>
-          <a:p>
             <a:endParaRPr lang="en-US" dirty="0"/>
           </a:p>
         </p:txBody>
@@ -5114,7 +5228,7 @@
     </p:spTree>
     <p:extLst>
       <p:ext uri="{BB962C8B-B14F-4D97-AF65-F5344CB8AC3E}">
-        <p14:creationId xmlns:p14="http://schemas.microsoft.com/office/powerpoint/2010/main" val="620112314"/>
+        <p14:creationId xmlns:p14="http://schemas.microsoft.com/office/powerpoint/2010/main" val="576525516"/>
       </p:ext>
     </p:extLst>
   </p:cSld>
@@ -5180,11 +5294,19 @@
             </a:pPr>
             <a:r>
               <a:rPr lang="en-US" dirty="0" err="1"/>
-              <a:t>CoU</a:t>
-            </a:r>
-            <a:r>
-              <a:rPr lang="en-US" dirty="0"/>
-              <a:t> outperforms Co1 as transmission-period diversity rises</a:t>
+              <a:t>CoU’s</a:t>
+            </a:r>
+            <a:r>
+              <a:rPr lang="en-US" dirty="0"/>
+              <a:t> scheduling advantage grows as payload size increases as the control overhead to payload ratio shrinks. </a:t>
+            </a:r>
+            <a:r>
+              <a:rPr lang="en-US" dirty="0" err="1"/>
+              <a:t>CoU’s</a:t>
+            </a:r>
+            <a:r>
+              <a:rPr lang="en-US" dirty="0"/>
+              <a:t> flexibility wins</a:t>
             </a:r>
           </a:p>
           <a:p>
@@ -5221,20 +5343,8 @@
               <a:buChar char="-"/>
             </a:pPr>
             <a:r>
-              <a:rPr lang="en-US" dirty="0" err="1"/>
-              <a:t>CoU</a:t>
-            </a:r>
-            <a:r>
-              <a:rPr lang="en-US" dirty="0"/>
-              <a:t> outperforms Co1 as transmission-period diversity rises as there is more potential for TF interleaving. As </a:t>
-            </a:r>
-            <a:r>
-              <a:rPr lang="en-US" dirty="0" err="1"/>
-              <a:t>CoU</a:t>
-            </a:r>
-            <a:r>
-              <a:rPr lang="en-US" dirty="0"/>
-              <a:t> is more flexible than Co1 it performs better with a higher diversity of transmission periods</a:t>
+              <a:rPr lang="en-US" dirty="0"/>
+              <a:t>Extreme sizes only slightly hurt because both schemes adapt the RB/slot allocations</a:t>
             </a:r>
           </a:p>
           <a:p>
@@ -5244,27 +5354,8 @@
             </a:pPr>
             <a:r>
               <a:rPr lang="en-US" dirty="0"/>
-              <a:t>Co1 execution time far better than </a:t>
-            </a:r>
-            <a:r>
-              <a:rPr lang="en-US" dirty="0" err="1"/>
-              <a:t>CoU</a:t>
-            </a:r>
-            <a:endParaRPr lang="en-US" dirty="0"/>
-          </a:p>
-          <a:p>
-            <a:pPr marL="171450" indent="-171450">
-              <a:buFontTx/>
-              <a:buChar char="-"/>
-            </a:pPr>
-            <a:endParaRPr lang="en-US" dirty="0"/>
-          </a:p>
-          <a:p>
-            <a:pPr marL="171450" indent="-171450">
-              <a:buFontTx/>
-              <a:buChar char="-"/>
-            </a:pPr>
-            <a:endParaRPr lang="en-US" dirty="0"/>
+              <a:t>Larger payloads increase the execution time however the payoff in throughput outweighs the cost</a:t>
+            </a:r>
           </a:p>
         </p:txBody>
       </p:sp>
@@ -5294,7 +5385,7 @@
     </p:spTree>
     <p:extLst>
       <p:ext uri="{BB962C8B-B14F-4D97-AF65-F5344CB8AC3E}">
-        <p14:creationId xmlns:p14="http://schemas.microsoft.com/office/powerpoint/2010/main" val="512716145"/>
+        <p14:creationId xmlns:p14="http://schemas.microsoft.com/office/powerpoint/2010/main" val="182533628"/>
       </p:ext>
     </p:extLst>
   </p:cSld>
@@ -5309,7 +5400,13 @@
   <p:cSld>
     <p:spTree>
       <p:nvGrpSpPr>
-        <p:cNvPr id="1" name=""/>
+        <p:cNvPr id="1" name="">
+          <a:extLst>
+            <a:ext uri="{FF2B5EF4-FFF2-40B4-BE49-F238E27FC236}">
+              <a16:creationId xmlns:a16="http://schemas.microsoft.com/office/drawing/2014/main" id="{D31170E6-977D-400B-2E90-008CDEB4C7F8}"/>
+            </a:ext>
+          </a:extLst>
+        </p:cNvPr>
         <p:cNvGrpSpPr/>
         <p:nvPr/>
       </p:nvGrpSpPr>
@@ -5323,7 +5420,13 @@
       </p:grpSpPr>
       <p:sp>
         <p:nvSpPr>
-          <p:cNvPr id="2" name="Slide Image Placeholder 1"/>
+          <p:cNvPr id="2" name="Slide Image Placeholder 1">
+            <a:extLst>
+              <a:ext uri="{FF2B5EF4-FFF2-40B4-BE49-F238E27FC236}">
+                <a16:creationId xmlns:a16="http://schemas.microsoft.com/office/drawing/2014/main" id="{2072CA38-3BEC-FCA3-EC20-F857A83B83A1}"/>
+              </a:ext>
+            </a:extLst>
+          </p:cNvPr>
           <p:cNvSpPr>
             <a:spLocks noGrp="1" noRot="1" noChangeAspect="1"/>
           </p:cNvSpPr>
@@ -5335,7 +5438,13 @@
       </p:sp>
       <p:sp>
         <p:nvSpPr>
-          <p:cNvPr id="3" name="Notes Placeholder 2"/>
+          <p:cNvPr id="3" name="Notes Placeholder 2">
+            <a:extLst>
+              <a:ext uri="{FF2B5EF4-FFF2-40B4-BE49-F238E27FC236}">
+                <a16:creationId xmlns:a16="http://schemas.microsoft.com/office/drawing/2014/main" id="{06182BB2-4B4F-4A38-A056-75ACF67B9E00}"/>
+              </a:ext>
+            </a:extLst>
+          </p:cNvPr>
           <p:cNvSpPr>
             <a:spLocks noGrp="1"/>
           </p:cNvSpPr>
@@ -5350,28 +5459,34 @@
           <a:p>
             <a:r>
               <a:rPr lang="en-US" dirty="0"/>
-              <a:t>THERE ARE TWO TESTS PERFORMED. </a:t>
-            </a:r>
-          </a:p>
-          <a:p>
-            <a:endParaRPr lang="en-US" dirty="0"/>
-          </a:p>
-          <a:p>
-            <a:r>
-              <a:rPr lang="en-US" dirty="0"/>
-              <a:t>First test which looks at the diversity of payloads has ~5% variance when comparing the results of Co1 and </a:t>
+              <a:t>Stress testing the </a:t>
             </a:r>
             <a:r>
               <a:rPr lang="en-US" dirty="0" err="1"/>
               <a:t>CoU</a:t>
             </a:r>
+            <a:r>
+              <a:rPr lang="en-US" dirty="0"/>
+              <a:t> and Co1 heuristic algorithms under realistic industrial load. </a:t>
+            </a:r>
+          </a:p>
+          <a:p>
             <a:endParaRPr lang="en-US" dirty="0"/>
           </a:p>
-        </p:txBody>
-      </p:sp>
-      <p:sp>
-        <p:nvSpPr>
-          <p:cNvPr id="4" name="Slide Number Placeholder 3"/>
+          <a:p>
+            <a:endParaRPr lang="en-US" dirty="0"/>
+          </a:p>
+        </p:txBody>
+      </p:sp>
+      <p:sp>
+        <p:nvSpPr>
+          <p:cNvPr id="4" name="Slide Number Placeholder 3">
+            <a:extLst>
+              <a:ext uri="{FF2B5EF4-FFF2-40B4-BE49-F238E27FC236}">
+                <a16:creationId xmlns:a16="http://schemas.microsoft.com/office/drawing/2014/main" id="{9C4B71DE-2853-D442-7CAE-10A48E934BF4}"/>
+              </a:ext>
+            </a:extLst>
+          </p:cNvPr>
           <p:cNvSpPr>
             <a:spLocks noGrp="1"/>
           </p:cNvSpPr>
@@ -5386,7 +5501,7 @@
           <a:p>
             <a:fld id="{769943EA-69D9-7E49-97CD-A49926F617C9}" type="slidenum">
               <a:rPr lang="en-US" smtClean="0"/>
-              <a:t>53</a:t>
+              <a:t>54</a:t>
             </a:fld>
             <a:endParaRPr lang="en-US" dirty="0"/>
           </a:p>
@@ -5395,7 +5510,7 @@
     </p:spTree>
     <p:extLst>
       <p:ext uri="{BB962C8B-B14F-4D97-AF65-F5344CB8AC3E}">
-        <p14:creationId xmlns:p14="http://schemas.microsoft.com/office/powerpoint/2010/main" val="576525516"/>
+        <p14:creationId xmlns:p14="http://schemas.microsoft.com/office/powerpoint/2010/main" val="4079669937"/>
       </p:ext>
     </p:extLst>
   </p:cSld>
@@ -5449,80 +5564,10 @@
           <a:bodyPr/>
           <a:lstStyle/>
           <a:p>
-            <a:r>
-              <a:rPr lang="en-US" dirty="0"/>
-              <a:t>KEY TAKEAWAY:</a:t>
-            </a:r>
-          </a:p>
-          <a:p>
-            <a:pPr marL="171450" indent="-171450">
-              <a:buFontTx/>
-              <a:buChar char="-"/>
-            </a:pPr>
-            <a:r>
-              <a:rPr lang="en-US" dirty="0" err="1"/>
-              <a:t>CoU’s</a:t>
-            </a:r>
-            <a:r>
-              <a:rPr lang="en-US" dirty="0"/>
-              <a:t> scheduling advantage grows as payload size increases as the control overhead to payload ratio shrinks. </a:t>
-            </a:r>
-            <a:r>
-              <a:rPr lang="en-US" dirty="0" err="1"/>
-              <a:t>CoU’s</a:t>
-            </a:r>
-            <a:r>
-              <a:rPr lang="en-US" dirty="0"/>
-              <a:t> flexibility wins</a:t>
-            </a:r>
-          </a:p>
-          <a:p>
-            <a:pPr marL="171450" indent="-171450">
-              <a:buFontTx/>
-              <a:buChar char="-"/>
-            </a:pPr>
-            <a:r>
-              <a:rPr lang="en-US" dirty="0"/>
-              <a:t>Co1 execution time far better than </a:t>
-            </a:r>
-            <a:r>
-              <a:rPr lang="en-US" dirty="0" err="1"/>
-              <a:t>CoU</a:t>
-            </a:r>
             <a:endParaRPr lang="en-US" dirty="0"/>
           </a:p>
           <a:p>
-            <a:pPr marL="171450" indent="-171450">
-              <a:buFontTx/>
-              <a:buChar char="-"/>
-            </a:pPr>
             <a:endParaRPr lang="en-US" dirty="0"/>
-          </a:p>
-          <a:p>
-            <a:r>
-              <a:rPr lang="en-US" dirty="0"/>
-              <a:t>SUPPORTING POINTS:</a:t>
-            </a:r>
-          </a:p>
-          <a:p>
-            <a:pPr marL="171450" indent="-171450">
-              <a:buFontTx/>
-              <a:buChar char="-"/>
-            </a:pPr>
-            <a:r>
-              <a:rPr lang="en-US" dirty="0"/>
-              <a:t>Extreme sizes only slightly hurt because both schemes adapt the RB/slot allocations</a:t>
-            </a:r>
-          </a:p>
-          <a:p>
-            <a:pPr marL="171450" indent="-171450">
-              <a:buFontTx/>
-              <a:buChar char="-"/>
-            </a:pPr>
-            <a:r>
-              <a:rPr lang="en-US" dirty="0"/>
-              <a:t>Larger payloads increase the execution time however the payoff in throughput outweighs the cost</a:t>
-            </a:r>
           </a:p>
         </p:txBody>
       </p:sp>
@@ -5543,7 +5588,7 @@
           <a:p>
             <a:fld id="{769943EA-69D9-7E49-97CD-A49926F617C9}" type="slidenum">
               <a:rPr lang="en-US" smtClean="0"/>
-              <a:t>54</a:t>
+              <a:t>55</a:t>
             </a:fld>
             <a:endParaRPr lang="en-US" dirty="0"/>
           </a:p>
@@ -5552,7 +5597,7 @@
     </p:spTree>
     <p:extLst>
       <p:ext uri="{BB962C8B-B14F-4D97-AF65-F5344CB8AC3E}">
-        <p14:creationId xmlns:p14="http://schemas.microsoft.com/office/powerpoint/2010/main" val="182533628"/>
+        <p14:creationId xmlns:p14="http://schemas.microsoft.com/office/powerpoint/2010/main" val="1785221264"/>
       </p:ext>
     </p:extLst>
   </p:cSld>
@@ -5567,13 +5612,7 @@
   <p:cSld>
     <p:spTree>
       <p:nvGrpSpPr>
-        <p:cNvPr id="1" name="">
-          <a:extLst>
-            <a:ext uri="{FF2B5EF4-FFF2-40B4-BE49-F238E27FC236}">
-              <a16:creationId xmlns:a16="http://schemas.microsoft.com/office/drawing/2014/main" id="{D31170E6-977D-400B-2E90-008CDEB4C7F8}"/>
-            </a:ext>
-          </a:extLst>
-        </p:cNvPr>
+        <p:cNvPr id="1" name=""/>
         <p:cNvGrpSpPr/>
         <p:nvPr/>
       </p:nvGrpSpPr>
@@ -5587,13 +5626,7 @@
       </p:grpSpPr>
       <p:sp>
         <p:nvSpPr>
-          <p:cNvPr id="2" name="Slide Image Placeholder 1">
-            <a:extLst>
-              <a:ext uri="{FF2B5EF4-FFF2-40B4-BE49-F238E27FC236}">
-                <a16:creationId xmlns:a16="http://schemas.microsoft.com/office/drawing/2014/main" id="{2072CA38-3BEC-FCA3-EC20-F857A83B83A1}"/>
-              </a:ext>
-            </a:extLst>
-          </p:cNvPr>
+          <p:cNvPr id="2" name="Slide Image Placeholder 1"/>
           <p:cNvSpPr>
             <a:spLocks noGrp="1" noRot="1" noChangeAspect="1"/>
           </p:cNvSpPr>
@@ -5605,13 +5638,7 @@
       </p:sp>
       <p:sp>
         <p:nvSpPr>
-          <p:cNvPr id="3" name="Notes Placeholder 2">
-            <a:extLst>
-              <a:ext uri="{FF2B5EF4-FFF2-40B4-BE49-F238E27FC236}">
-                <a16:creationId xmlns:a16="http://schemas.microsoft.com/office/drawing/2014/main" id="{06182BB2-4B4F-4A38-A056-75ACF67B9E00}"/>
-              </a:ext>
-            </a:extLst>
-          </p:cNvPr>
+          <p:cNvPr id="3" name="Notes Placeholder 2"/>
           <p:cNvSpPr>
             <a:spLocks noGrp="1"/>
           </p:cNvSpPr>
@@ -5626,34 +5653,69 @@
           <a:p>
             <a:r>
               <a:rPr lang="en-US" dirty="0"/>
-              <a:t>Stress testing the </a:t>
-            </a:r>
+              <a:t>KEY TAKEAWAYS:</a:t>
+            </a:r>
+          </a:p>
+          <a:p>
+            <a:endParaRPr lang="en-US" dirty="0"/>
+          </a:p>
+          <a:p>
+            <a:r>
+              <a:rPr lang="en-US" dirty="0"/>
+              <a:t>SUPPORTING POINTS:</a:t>
+            </a:r>
+          </a:p>
+          <a:p>
+            <a:pPr marL="171450" indent="-171450">
+              <a:buFontTx/>
+              <a:buChar char="-"/>
+            </a:pPr>
+            <a:r>
+              <a:rPr lang="en-US" dirty="0"/>
+              <a:t>11% NRB improvement compared to Co1</a:t>
+            </a:r>
+          </a:p>
+          <a:p>
+            <a:pPr marL="171450" indent="-171450">
+              <a:buFontTx/>
+              <a:buChar char="-"/>
+            </a:pPr>
             <a:r>
               <a:rPr lang="en-US" dirty="0" err="1"/>
-              <a:t>CoU</a:t>
-            </a:r>
-            <a:r>
-              <a:rPr lang="en-US" dirty="0"/>
-              <a:t> and Co1 heuristic algorithms under realistic industrial load. </a:t>
-            </a:r>
-          </a:p>
-          <a:p>
-            <a:endParaRPr lang="en-US" dirty="0"/>
-          </a:p>
-          <a:p>
-            <a:endParaRPr lang="en-US" dirty="0"/>
-          </a:p>
-        </p:txBody>
-      </p:sp>
-      <p:sp>
-        <p:nvSpPr>
-          <p:cNvPr id="4" name="Slide Number Placeholder 3">
-            <a:extLst>
-              <a:ext uri="{FF2B5EF4-FFF2-40B4-BE49-F238E27FC236}">
-                <a16:creationId xmlns:a16="http://schemas.microsoft.com/office/drawing/2014/main" id="{9C4B71DE-2853-D442-7CAE-10A48E934BF4}"/>
-              </a:ext>
-            </a:extLst>
-          </p:cNvPr>
+              <a:t>CoU’s</a:t>
+            </a:r>
+            <a:r>
+              <a:rPr lang="en-US" dirty="0"/>
+              <a:t> </a:t>
+            </a:r>
+            <a:r>
+              <a:rPr lang="en-US" dirty="0" err="1"/>
+              <a:t>chedualability</a:t>
+            </a:r>
+            <a:r>
+              <a:rPr lang="en-US" dirty="0"/>
+              <a:t> ratio up to 54% greater than Co1</a:t>
+            </a:r>
+          </a:p>
+          <a:p>
+            <a:r>
+              <a:rPr lang="en-US" dirty="0"/>
+              <a:t>-  </a:t>
+            </a:r>
+            <a:r>
+              <a:rPr lang="en-US" dirty="0" err="1"/>
+              <a:t>CoU’s</a:t>
+            </a:r>
+            <a:r>
+              <a:rPr lang="en-US" dirty="0"/>
+              <a:t> execution time 2x slower than Co1</a:t>
+            </a:r>
+          </a:p>
+        </p:txBody>
+      </p:sp>
+      <p:sp>
+        <p:nvSpPr>
+          <p:cNvPr id="4" name="Slide Number Placeholder 3"/>
           <p:cNvSpPr>
             <a:spLocks noGrp="1"/>
           </p:cNvSpPr>
@@ -5677,7 +5739,7 @@
     </p:spTree>
     <p:extLst>
       <p:ext uri="{BB962C8B-B14F-4D97-AF65-F5344CB8AC3E}">
-        <p14:creationId xmlns:p14="http://schemas.microsoft.com/office/powerpoint/2010/main" val="4079669937"/>
+        <p14:creationId xmlns:p14="http://schemas.microsoft.com/office/powerpoint/2010/main" val="2834338310"/>
       </p:ext>
     </p:extLst>
   </p:cSld>
@@ -5731,10 +5793,10 @@
           <a:bodyPr/>
           <a:lstStyle/>
           <a:p>
-            <a:endParaRPr lang="en-US" dirty="0"/>
-          </a:p>
-          <a:p>
-            <a:endParaRPr lang="en-US" dirty="0"/>
+            <a:r>
+              <a:rPr lang="en-US" dirty="0"/>
+              <a:t>Paper provides SMT and heuristic algorithms that aim to optimize the configured grant scheduling problem</a:t>
+            </a:r>
           </a:p>
         </p:txBody>
       </p:sp>
@@ -5764,149 +5826,7 @@
     </p:spTree>
     <p:extLst>
       <p:ext uri="{BB962C8B-B14F-4D97-AF65-F5344CB8AC3E}">
-        <p14:creationId xmlns:p14="http://schemas.microsoft.com/office/powerpoint/2010/main" val="1785221264"/>
-      </p:ext>
-    </p:extLst>
-  </p:cSld>
-  <p:clrMapOvr>
-    <a:masterClrMapping/>
-  </p:clrMapOvr>
-</p:notes>
-</file>
-
-<file path=ppt/notesSlides/notesSlide39.xml><?xml version="1.0" encoding="utf-8"?>
-<p:notes xmlns:a="http://schemas.openxmlformats.org/drawingml/2006/main" xmlns:r="http://schemas.openxmlformats.org/officeDocument/2006/relationships" xmlns:p="http://schemas.openxmlformats.org/presentationml/2006/main">
-  <p:cSld>
-    <p:spTree>
-      <p:nvGrpSpPr>
-        <p:cNvPr id="1" name=""/>
-        <p:cNvGrpSpPr/>
-        <p:nvPr/>
-      </p:nvGrpSpPr>
-      <p:grpSpPr>
-        <a:xfrm>
-          <a:off x="0" y="0"/>
-          <a:ext cx="0" cy="0"/>
-          <a:chOff x="0" y="0"/>
-          <a:chExt cx="0" cy="0"/>
-        </a:xfrm>
-      </p:grpSpPr>
-      <p:sp>
-        <p:nvSpPr>
-          <p:cNvPr id="2" name="Slide Image Placeholder 1"/>
-          <p:cNvSpPr>
-            <a:spLocks noGrp="1" noRot="1" noChangeAspect="1"/>
-          </p:cNvSpPr>
-          <p:nvPr>
-            <p:ph type="sldImg"/>
-          </p:nvPr>
-        </p:nvSpPr>
-        <p:spPr/>
-      </p:sp>
-      <p:sp>
-        <p:nvSpPr>
-          <p:cNvPr id="3" name="Notes Placeholder 2"/>
-          <p:cNvSpPr>
-            <a:spLocks noGrp="1"/>
-          </p:cNvSpPr>
-          <p:nvPr>
-            <p:ph type="body" idx="1"/>
-          </p:nvPr>
-        </p:nvSpPr>
-        <p:spPr/>
-        <p:txBody>
-          <a:bodyPr/>
-          <a:lstStyle/>
-          <a:p>
-            <a:r>
-              <a:rPr lang="en-US" dirty="0"/>
-              <a:t>KEY TAKEAWAYS:</a:t>
-            </a:r>
-          </a:p>
-          <a:p>
-            <a:endParaRPr lang="en-US" dirty="0"/>
-          </a:p>
-          <a:p>
-            <a:r>
-              <a:rPr lang="en-US" dirty="0"/>
-              <a:t>SUPPORTING POINTS:</a:t>
-            </a:r>
-          </a:p>
-          <a:p>
-            <a:pPr marL="171450" indent="-171450">
-              <a:buFontTx/>
-              <a:buChar char="-"/>
-            </a:pPr>
-            <a:r>
-              <a:rPr lang="en-US" dirty="0"/>
-              <a:t>11% NRB improvement compared to Co1</a:t>
-            </a:r>
-          </a:p>
-          <a:p>
-            <a:pPr marL="171450" indent="-171450">
-              <a:buFontTx/>
-              <a:buChar char="-"/>
-            </a:pPr>
-            <a:r>
-              <a:rPr lang="en-US" dirty="0" err="1"/>
-              <a:t>CoU’s</a:t>
-            </a:r>
-            <a:r>
-              <a:rPr lang="en-US" dirty="0"/>
-              <a:t> </a:t>
-            </a:r>
-            <a:r>
-              <a:rPr lang="en-US" dirty="0" err="1"/>
-              <a:t>chedualability</a:t>
-            </a:r>
-            <a:r>
-              <a:rPr lang="en-US" dirty="0"/>
-              <a:t> ratio up to 54% greater than Co1</a:t>
-            </a:r>
-          </a:p>
-          <a:p>
-            <a:r>
-              <a:rPr lang="en-US" dirty="0"/>
-              <a:t>-  </a:t>
-            </a:r>
-            <a:r>
-              <a:rPr lang="en-US" dirty="0" err="1"/>
-              <a:t>CoU’s</a:t>
-            </a:r>
-            <a:r>
-              <a:rPr lang="en-US" dirty="0"/>
-              <a:t> execution time 2x slower than Co1</a:t>
-            </a:r>
-          </a:p>
-        </p:txBody>
-      </p:sp>
-      <p:sp>
-        <p:nvSpPr>
-          <p:cNvPr id="4" name="Slide Number Placeholder 3"/>
-          <p:cNvSpPr>
-            <a:spLocks noGrp="1"/>
-          </p:cNvSpPr>
-          <p:nvPr>
-            <p:ph type="sldNum" sz="quarter" idx="5"/>
-          </p:nvPr>
-        </p:nvSpPr>
-        <p:spPr/>
-        <p:txBody>
-          <a:bodyPr/>
-          <a:lstStyle/>
-          <a:p>
-            <a:fld id="{769943EA-69D9-7E49-97CD-A49926F617C9}" type="slidenum">
-              <a:rPr lang="en-US" smtClean="0"/>
-              <a:t>58</a:t>
-            </a:fld>
-            <a:endParaRPr lang="en-US" dirty="0"/>
-          </a:p>
-        </p:txBody>
-      </p:sp>
-    </p:spTree>
-    <p:extLst>
-      <p:ext uri="{BB962C8B-B14F-4D97-AF65-F5344CB8AC3E}">
-        <p14:creationId xmlns:p14="http://schemas.microsoft.com/office/powerpoint/2010/main" val="2834338310"/>
+        <p14:creationId xmlns:p14="http://schemas.microsoft.com/office/powerpoint/2010/main" val="320656"/>
       </p:ext>
     </p:extLst>
   </p:cSld>
@@ -6075,93 +5995,6 @@
     <p:extLst>
       <p:ext uri="{BB962C8B-B14F-4D97-AF65-F5344CB8AC3E}">
         <p14:creationId xmlns:p14="http://schemas.microsoft.com/office/powerpoint/2010/main" val="1756059919"/>
-      </p:ext>
-    </p:extLst>
-  </p:cSld>
-  <p:clrMapOvr>
-    <a:masterClrMapping/>
-  </p:clrMapOvr>
-</p:notes>
-</file>
-
-<file path=ppt/notesSlides/notesSlide40.xml><?xml version="1.0" encoding="utf-8"?>
-<p:notes xmlns:a="http://schemas.openxmlformats.org/drawingml/2006/main" xmlns:r="http://schemas.openxmlformats.org/officeDocument/2006/relationships" xmlns:p="http://schemas.openxmlformats.org/presentationml/2006/main">
-  <p:cSld>
-    <p:spTree>
-      <p:nvGrpSpPr>
-        <p:cNvPr id="1" name=""/>
-        <p:cNvGrpSpPr/>
-        <p:nvPr/>
-      </p:nvGrpSpPr>
-      <p:grpSpPr>
-        <a:xfrm>
-          <a:off x="0" y="0"/>
-          <a:ext cx="0" cy="0"/>
-          <a:chOff x="0" y="0"/>
-          <a:chExt cx="0" cy="0"/>
-        </a:xfrm>
-      </p:grpSpPr>
-      <p:sp>
-        <p:nvSpPr>
-          <p:cNvPr id="2" name="Slide Image Placeholder 1"/>
-          <p:cNvSpPr>
-            <a:spLocks noGrp="1" noRot="1" noChangeAspect="1"/>
-          </p:cNvSpPr>
-          <p:nvPr>
-            <p:ph type="sldImg"/>
-          </p:nvPr>
-        </p:nvSpPr>
-        <p:spPr/>
-      </p:sp>
-      <p:sp>
-        <p:nvSpPr>
-          <p:cNvPr id="3" name="Notes Placeholder 2"/>
-          <p:cNvSpPr>
-            <a:spLocks noGrp="1"/>
-          </p:cNvSpPr>
-          <p:nvPr>
-            <p:ph type="body" idx="1"/>
-          </p:nvPr>
-        </p:nvSpPr>
-        <p:spPr/>
-        <p:txBody>
-          <a:bodyPr/>
-          <a:lstStyle/>
-          <a:p>
-            <a:r>
-              <a:rPr lang="en-US" dirty="0"/>
-              <a:t>Paper provides SMT and heuristic algorithms that aim to optimize the configured grant scheduling problem</a:t>
-            </a:r>
-          </a:p>
-        </p:txBody>
-      </p:sp>
-      <p:sp>
-        <p:nvSpPr>
-          <p:cNvPr id="4" name="Slide Number Placeholder 3"/>
-          <p:cNvSpPr>
-            <a:spLocks noGrp="1"/>
-          </p:cNvSpPr>
-          <p:nvPr>
-            <p:ph type="sldNum" sz="quarter" idx="5"/>
-          </p:nvPr>
-        </p:nvSpPr>
-        <p:spPr/>
-        <p:txBody>
-          <a:bodyPr/>
-          <a:lstStyle/>
-          <a:p>
-            <a:fld id="{769943EA-69D9-7E49-97CD-A49926F617C9}" type="slidenum">
-              <a:rPr lang="en-US" smtClean="0"/>
-              <a:t>59</a:t>
-            </a:fld>
-            <a:endParaRPr lang="en-US" dirty="0"/>
-          </a:p>
-        </p:txBody>
-      </p:sp>
-    </p:spTree>
-    <p:extLst>
-      <p:ext uri="{BB962C8B-B14F-4D97-AF65-F5344CB8AC3E}">
-        <p14:creationId xmlns:p14="http://schemas.microsoft.com/office/powerpoint/2010/main" val="320656"/>
       </p:ext>
     </p:extLst>
   </p:cSld>
@@ -32295,8 +32128,8 @@
         </p:blipFill>
         <p:spPr>
           <a:xfrm>
-            <a:off x="6827122" y="3815178"/>
-            <a:ext cx="4412378" cy="2171446"/>
+            <a:off x="6473953" y="3550343"/>
+            <a:ext cx="5279136" cy="2598000"/>
           </a:xfrm>
           <a:prstGeom prst="rect">
             <a:avLst/>
@@ -32427,9 +32260,7 @@
             <a:r>
               <a:rPr lang="en-US" b="1" dirty="0">
                 <a:solidFill>
-                  <a:schemeClr val="accent5">
-                    <a:lumMod val="50000"/>
-                  </a:schemeClr>
+                  <a:srgbClr val="00B050"/>
                 </a:solidFill>
               </a:rPr>
               <a:t>Many</a:t>
@@ -32463,7 +32294,7 @@
         </p:blipFill>
         <p:spPr>
           <a:xfrm>
-            <a:off x="1554747" y="2073895"/>
+            <a:off x="1554747" y="2317753"/>
             <a:ext cx="9082504" cy="3869705"/>
           </a:xfrm>
           <a:prstGeom prst="rect">
@@ -32471,6 +32302,88 @@
           </a:prstGeom>
         </p:spPr>
       </p:pic>
+      <p:cxnSp>
+        <p:nvCxnSpPr>
+          <p:cNvPr id="6" name="Straight Connector 5">
+            <a:extLst>
+              <a:ext uri="{FF2B5EF4-FFF2-40B4-BE49-F238E27FC236}">
+                <a16:creationId xmlns:a16="http://schemas.microsoft.com/office/drawing/2014/main" id="{99D60761-F62F-E1FC-24D9-5B2F50466703}"/>
+              </a:ext>
+            </a:extLst>
+          </p:cNvPr>
+          <p:cNvCxnSpPr>
+            <a:cxnSpLocks/>
+          </p:cNvCxnSpPr>
+          <p:nvPr/>
+        </p:nvCxnSpPr>
+        <p:spPr>
+          <a:xfrm flipV="1">
+            <a:off x="2340864" y="2317753"/>
+            <a:ext cx="0" cy="2107961"/>
+          </a:xfrm>
+          <a:prstGeom prst="line">
+            <a:avLst/>
+          </a:prstGeom>
+          <a:ln w="19050" cap="flat" cmpd="sng" algn="ctr">
+            <a:solidFill>
+              <a:schemeClr val="dk1"/>
+            </a:solidFill>
+            <a:prstDash val="solid"/>
+            <a:round/>
+            <a:headEnd type="none" w="med" len="med"/>
+            <a:tailEnd type="arrow" w="med" len="med"/>
+          </a:ln>
+        </p:spPr>
+        <p:style>
+          <a:lnRef idx="0">
+            <a:scrgbClr r="0" g="0" b="0"/>
+          </a:lnRef>
+          <a:fillRef idx="0">
+            <a:scrgbClr r="0" g="0" b="0"/>
+          </a:fillRef>
+          <a:effectRef idx="0">
+            <a:scrgbClr r="0" g="0" b="0"/>
+          </a:effectRef>
+          <a:fontRef idx="minor">
+            <a:schemeClr val="tx1"/>
+          </a:fontRef>
+        </p:style>
+      </p:cxnSp>
+      <p:sp>
+        <p:nvSpPr>
+          <p:cNvPr id="14" name="TextBox 13">
+            <a:extLst>
+              <a:ext uri="{FF2B5EF4-FFF2-40B4-BE49-F238E27FC236}">
+                <a16:creationId xmlns:a16="http://schemas.microsoft.com/office/drawing/2014/main" id="{1896BA56-54EF-D5DF-5A48-97293B2C0AA2}"/>
+              </a:ext>
+            </a:extLst>
+          </p:cNvPr>
+          <p:cNvSpPr txBox="1"/>
+          <p:nvPr/>
+        </p:nvSpPr>
+        <p:spPr>
+          <a:xfrm rot="16200000">
+            <a:off x="1804339" y="3260822"/>
+            <a:ext cx="811441" cy="261610"/>
+          </a:xfrm>
+          <a:prstGeom prst="rect">
+            <a:avLst/>
+          </a:prstGeom>
+          <a:noFill/>
+        </p:spPr>
+        <p:txBody>
+          <a:bodyPr wrap="none" rtlCol="0">
+            <a:spAutoFit/>
+          </a:bodyPr>
+          <a:lstStyle/>
+          <a:p>
+            <a:r>
+              <a:rPr lang="en-US" sz="1100" dirty="0"/>
+              <a:t>frequency</a:t>
+            </a:r>
+          </a:p>
+        </p:txBody>
+      </p:sp>
     </p:spTree>
     <p:extLst>
       <p:ext uri="{BB962C8B-B14F-4D97-AF65-F5344CB8AC3E}">
@@ -32955,7 +32868,7 @@
             </a:r>
             <a:r>
               <a:rPr lang="en-US" sz="2400" dirty="0"/>
-              <a:t>, Payload: 2 RUs, Latency Req.: 1 </a:t>
+              <a:t>, Payload: 2 RUs, Latency Req: 1 </a:t>
             </a:r>
             <a:r>
               <a:rPr lang="en-US" sz="2400" dirty="0" err="1"/>
@@ -32984,7 +32897,7 @@
             </a:r>
             <a:r>
               <a:rPr lang="en-US" sz="2400" dirty="0"/>
-              <a:t>, Payload: 3 RUs, Latency Req.: 2 </a:t>
+              <a:t>, Payload: 3 RUs, Latency Req: 2 </a:t>
             </a:r>
             <a:r>
               <a:rPr lang="en-US" sz="2400" dirty="0" err="1"/>
@@ -34072,12 +33985,9 @@
                   <a:srgbClr val="C00000"/>
                 </a:solidFill>
               </a:rPr>
-              <a:t>control overhead</a:t>
-            </a:r>
-            <a:r>
-              <a:rPr lang="en-US" sz="2400" b="1" dirty="0"/>
-              <a:t>…</a:t>
-            </a:r>
+              <a:t>control overhead </a:t>
+            </a:r>
+            <a:endParaRPr lang="en-US" sz="2400" b="1" dirty="0"/>
           </a:p>
           <a:p>
             <a:pPr marL="0" indent="0">
@@ -34139,7 +34049,7 @@
         </p:blipFill>
         <p:spPr>
           <a:xfrm>
-            <a:off x="1588009" y="2596895"/>
+            <a:off x="1575817" y="2353055"/>
             <a:ext cx="8684172" cy="3499105"/>
           </a:xfrm>
           <a:prstGeom prst="rect">
@@ -34147,6 +34057,111 @@
           </a:prstGeom>
         </p:spPr>
       </p:pic>
+      <p:sp>
+        <p:nvSpPr>
+          <p:cNvPr id="7" name="TextBox 6">
+            <a:extLst>
+              <a:ext uri="{FF2B5EF4-FFF2-40B4-BE49-F238E27FC236}">
+                <a16:creationId xmlns:a16="http://schemas.microsoft.com/office/drawing/2014/main" id="{7A8CC818-80C2-8A43-6E6F-0D86E0A1A3E5}"/>
+              </a:ext>
+            </a:extLst>
+          </p:cNvPr>
+          <p:cNvSpPr txBox="1"/>
+          <p:nvPr/>
+        </p:nvSpPr>
+        <p:spPr>
+          <a:xfrm>
+            <a:off x="10457293" y="2651760"/>
+            <a:ext cx="1099981" cy="369332"/>
+          </a:xfrm>
+          <a:prstGeom prst="rect">
+            <a:avLst/>
+          </a:prstGeom>
+          <a:noFill/>
+        </p:spPr>
+        <p:txBody>
+          <a:bodyPr wrap="none" rtlCol="0">
+            <a:spAutoFit/>
+          </a:bodyPr>
+          <a:lstStyle/>
+          <a:p>
+            <a:r>
+              <a:rPr lang="en-US" dirty="0"/>
+              <a:t>5 RB, 1 C</a:t>
+            </a:r>
+          </a:p>
+        </p:txBody>
+      </p:sp>
+      <p:sp>
+        <p:nvSpPr>
+          <p:cNvPr id="8" name="TextBox 7">
+            <a:extLst>
+              <a:ext uri="{FF2B5EF4-FFF2-40B4-BE49-F238E27FC236}">
+                <a16:creationId xmlns:a16="http://schemas.microsoft.com/office/drawing/2014/main" id="{3F430368-1FE2-E99E-D675-4345AAE44581}"/>
+              </a:ext>
+            </a:extLst>
+          </p:cNvPr>
+          <p:cNvSpPr txBox="1"/>
+          <p:nvPr/>
+        </p:nvSpPr>
+        <p:spPr>
+          <a:xfrm>
+            <a:off x="10443577" y="3731490"/>
+            <a:ext cx="1099981" cy="369332"/>
+          </a:xfrm>
+          <a:prstGeom prst="rect">
+            <a:avLst/>
+          </a:prstGeom>
+          <a:noFill/>
+        </p:spPr>
+        <p:txBody>
+          <a:bodyPr wrap="none" rtlCol="0">
+            <a:spAutoFit/>
+          </a:bodyPr>
+          <a:lstStyle/>
+          <a:p>
+            <a:r>
+              <a:rPr lang="en-US" dirty="0"/>
+              <a:t>4 RB, 1 C</a:t>
+            </a:r>
+          </a:p>
+        </p:txBody>
+      </p:sp>
+      <p:sp>
+        <p:nvSpPr>
+          <p:cNvPr id="9" name="TextBox 8">
+            <a:extLst>
+              <a:ext uri="{FF2B5EF4-FFF2-40B4-BE49-F238E27FC236}">
+                <a16:creationId xmlns:a16="http://schemas.microsoft.com/office/drawing/2014/main" id="{45FB3E8E-8088-93FB-3670-F079D7007F36}"/>
+              </a:ext>
+            </a:extLst>
+          </p:cNvPr>
+          <p:cNvSpPr txBox="1"/>
+          <p:nvPr/>
+        </p:nvSpPr>
+        <p:spPr>
+          <a:xfrm>
+            <a:off x="10457293" y="4598414"/>
+            <a:ext cx="1099981" cy="369332"/>
+          </a:xfrm>
+          <a:prstGeom prst="rect">
+            <a:avLst/>
+          </a:prstGeom>
+          <a:noFill/>
+        </p:spPr>
+        <p:txBody>
+          <a:bodyPr wrap="none" rtlCol="0">
+            <a:spAutoFit/>
+          </a:bodyPr>
+          <a:lstStyle/>
+          <a:p>
+            <a:r>
+              <a:rPr lang="en-US" dirty="0"/>
+              <a:t>3 RB, 2 C</a:t>
+            </a:r>
+          </a:p>
+        </p:txBody>
+      </p:sp>
     </p:spTree>
     <p:extLst>
       <p:ext uri="{BB962C8B-B14F-4D97-AF65-F5344CB8AC3E}">
@@ -34264,7 +34279,7 @@
             </a:pPr>
             <a:r>
               <a:rPr lang="en-US" dirty="0"/>
-              <a:t>Explore transmission flexibility vs control overhead tradeoff</a:t>
+              <a:t>Explore trade-off between transmission flexibility vs control overhead</a:t>
             </a:r>
           </a:p>
           <a:p>
@@ -34498,15 +34513,8 @@
           <a:p>
             <a:r>
               <a:rPr lang="en-US" dirty="0"/>
-              <a:t>Note before continuing </a:t>
-            </a:r>
-            <a:r>
-              <a:rPr lang="en-US" dirty="0">
-                <a:sym typeface="Wingdings" pitchFamily="2" charset="2"/>
-              </a:rPr>
-              <a:t></a:t>
-            </a:r>
-            <a:endParaRPr lang="en-US" dirty="0"/>
+              <a:t>Note before continuing</a:t>
+            </a:r>
           </a:p>
         </p:txBody>
       </p:sp>
@@ -34542,7 +34550,7 @@
               <a:buNone/>
             </a:pPr>
             <a:r>
-              <a:rPr lang="en-US" dirty="0"/>
+              <a:rPr lang="en-US" b="1" dirty="0"/>
               <a:t>Opting for a high-level approach</a:t>
             </a:r>
           </a:p>
@@ -35244,15 +35252,15 @@
               <a:buNone/>
             </a:pPr>
             <a:r>
-              <a:rPr lang="en-US" dirty="0"/>
+              <a:rPr lang="en-US" b="1" dirty="0"/>
               <a:t>Assume </a:t>
             </a:r>
             <a:r>
-              <a:rPr lang="en-US" u="sng" dirty="0"/>
+              <a:rPr lang="en-US" b="1" u="sng" dirty="0"/>
               <a:t>multiple periodic traffic flows </a:t>
             </a:r>
             <a:r>
-              <a:rPr lang="en-US" dirty="0"/>
+              <a:rPr lang="en-US" b="1" dirty="0"/>
               <a:t>(TF) exist</a:t>
             </a:r>
           </a:p>
@@ -35358,36 +35366,6 @@
           </a:p>
         </p:txBody>
       </p:sp>
-      <p:pic>
-        <p:nvPicPr>
-          <p:cNvPr id="6" name="Picture 5">
-            <a:extLst>
-              <a:ext uri="{FF2B5EF4-FFF2-40B4-BE49-F238E27FC236}">
-                <a16:creationId xmlns:a16="http://schemas.microsoft.com/office/drawing/2014/main" id="{D1EF4596-EC31-5B0F-92BF-8B5B461BDEC0}"/>
-              </a:ext>
-            </a:extLst>
-          </p:cNvPr>
-          <p:cNvPicPr>
-            <a:picLocks noChangeAspect="1"/>
-          </p:cNvPicPr>
-          <p:nvPr/>
-        </p:nvPicPr>
-        <p:blipFill>
-          <a:blip r:embed="rId3"/>
-          <a:stretch>
-            <a:fillRect/>
-          </a:stretch>
-        </p:blipFill>
-        <p:spPr>
-          <a:xfrm>
-            <a:off x="7385039" y="2197997"/>
-            <a:ext cx="4355857" cy="2462006"/>
-          </a:xfrm>
-          <a:prstGeom prst="rect">
-            <a:avLst/>
-          </a:prstGeom>
-        </p:spPr>
-      </p:pic>
     </p:spTree>
     <p:extLst>
       <p:ext uri="{BB962C8B-B14F-4D97-AF65-F5344CB8AC3E}">
@@ -35402,246 +35380,6 @@
 </file>
 
 <file path=ppt/slides/slide28.xml><?xml version="1.0" encoding="utf-8"?>
-<p:sld xmlns:a="http://schemas.openxmlformats.org/drawingml/2006/main" xmlns:r="http://schemas.openxmlformats.org/officeDocument/2006/relationships" xmlns:p="http://schemas.openxmlformats.org/presentationml/2006/main">
-  <p:cSld>
-    <p:spTree>
-      <p:nvGrpSpPr>
-        <p:cNvPr id="1" name="">
-          <a:extLst>
-            <a:ext uri="{FF2B5EF4-FFF2-40B4-BE49-F238E27FC236}">
-              <a16:creationId xmlns:a16="http://schemas.microsoft.com/office/drawing/2014/main" id="{6B1A2165-E05C-8355-F8DE-2981AE59FFB5}"/>
-            </a:ext>
-          </a:extLst>
-        </p:cNvPr>
-        <p:cNvGrpSpPr/>
-        <p:nvPr/>
-      </p:nvGrpSpPr>
-      <p:grpSpPr>
-        <a:xfrm>
-          <a:off x="0" y="0"/>
-          <a:ext cx="0" cy="0"/>
-          <a:chOff x="0" y="0"/>
-          <a:chExt cx="0" cy="0"/>
-        </a:xfrm>
-      </p:grpSpPr>
-      <p:sp>
-        <p:nvSpPr>
-          <p:cNvPr id="2" name="Title 1">
-            <a:extLst>
-              <a:ext uri="{FF2B5EF4-FFF2-40B4-BE49-F238E27FC236}">
-                <a16:creationId xmlns:a16="http://schemas.microsoft.com/office/drawing/2014/main" id="{5928E7D4-FA2D-4D41-3905-9AEBFC475E24}"/>
-              </a:ext>
-            </a:extLst>
-          </p:cNvPr>
-          <p:cNvSpPr>
-            <a:spLocks noGrp="1"/>
-          </p:cNvSpPr>
-          <p:nvPr>
-            <p:ph type="title"/>
-          </p:nvPr>
-        </p:nvSpPr>
-        <p:spPr/>
-        <p:txBody>
-          <a:bodyPr/>
-          <a:lstStyle/>
-          <a:p>
-            <a:r>
-              <a:rPr lang="en-US" dirty="0"/>
-              <a:t>Network Model</a:t>
-            </a:r>
-          </a:p>
-        </p:txBody>
-      </p:sp>
-      <p:sp>
-        <p:nvSpPr>
-          <p:cNvPr id="3" name="Content Placeholder 2">
-            <a:extLst>
-              <a:ext uri="{FF2B5EF4-FFF2-40B4-BE49-F238E27FC236}">
-                <a16:creationId xmlns:a16="http://schemas.microsoft.com/office/drawing/2014/main" id="{ACC52B26-B98E-4184-8A3D-11766F7DC294}"/>
-              </a:ext>
-            </a:extLst>
-          </p:cNvPr>
-          <p:cNvSpPr>
-            <a:spLocks noGrp="1"/>
-          </p:cNvSpPr>
-          <p:nvPr>
-            <p:ph idx="10"/>
-          </p:nvPr>
-        </p:nvSpPr>
-        <p:spPr>
-          <a:xfrm>
-            <a:off x="952498" y="1686757"/>
-            <a:ext cx="10287001" cy="4256843"/>
-          </a:xfrm>
-        </p:spPr>
-        <p:txBody>
-          <a:bodyPr>
-            <a:normAutofit fontScale="92500" lnSpcReduction="10000"/>
-          </a:bodyPr>
-          <a:lstStyle/>
-          <a:p>
-            <a:pPr marL="0" indent="0">
-              <a:buNone/>
-            </a:pPr>
-            <a:r>
-              <a:rPr lang="en-US" dirty="0"/>
-              <a:t>Assume </a:t>
-            </a:r>
-            <a:r>
-              <a:rPr lang="en-US" u="sng" dirty="0"/>
-              <a:t>multiple periodic traffic flows </a:t>
-            </a:r>
-            <a:r>
-              <a:rPr lang="en-US" dirty="0"/>
-              <a:t>(TF) exist</a:t>
-            </a:r>
-          </a:p>
-          <a:p>
-            <a:pPr marL="0" indent="0">
-              <a:buNone/>
-            </a:pPr>
-            <a:endParaRPr lang="en-US" dirty="0"/>
-          </a:p>
-          <a:p>
-            <a:pPr marL="0" indent="0">
-              <a:buNone/>
-            </a:pPr>
-            <a:r>
-              <a:rPr lang="en-US" b="1" dirty="0"/>
-              <a:t>TF Structure:</a:t>
-            </a:r>
-          </a:p>
-          <a:p>
-            <a:pPr lvl="1">
-              <a:buFont typeface="Arial" panose="020B0604020202020204" pitchFamily="34" charset="0"/>
-              <a:buChar char="•"/>
-            </a:pPr>
-            <a:r>
-              <a:rPr lang="en-US" dirty="0"/>
-              <a:t>Initial Offset</a:t>
-            </a:r>
-          </a:p>
-          <a:p>
-            <a:pPr lvl="1">
-              <a:buFont typeface="Arial" panose="020B0604020202020204" pitchFamily="34" charset="0"/>
-              <a:buChar char="•"/>
-            </a:pPr>
-            <a:r>
-              <a:rPr lang="en-US" dirty="0"/>
-              <a:t>Transmission Period</a:t>
-            </a:r>
-          </a:p>
-          <a:p>
-            <a:pPr lvl="1">
-              <a:buFont typeface="Arial" panose="020B0604020202020204" pitchFamily="34" charset="0"/>
-              <a:buChar char="•"/>
-            </a:pPr>
-            <a:r>
-              <a:rPr lang="en-US" dirty="0"/>
-              <a:t>Payload</a:t>
-            </a:r>
-          </a:p>
-          <a:p>
-            <a:pPr lvl="1">
-              <a:buFont typeface="Arial" panose="020B0604020202020204" pitchFamily="34" charset="0"/>
-              <a:buChar char="•"/>
-            </a:pPr>
-            <a:r>
-              <a:rPr lang="en-US" dirty="0"/>
-              <a:t>Latency Requirement</a:t>
-            </a:r>
-          </a:p>
-          <a:p>
-            <a:pPr lvl="1">
-              <a:buFont typeface="Arial" panose="020B0604020202020204" pitchFamily="34" charset="0"/>
-              <a:buChar char="•"/>
-            </a:pPr>
-            <a:endParaRPr lang="en-US" dirty="0"/>
-          </a:p>
-          <a:p>
-            <a:pPr marL="0" indent="0">
-              <a:buNone/>
-            </a:pPr>
-            <a:r>
-              <a:rPr lang="en-US" dirty="0"/>
-              <a:t>All Time periods are normalized to the time duration of a single time slot </a:t>
-            </a:r>
-          </a:p>
-        </p:txBody>
-      </p:sp>
-      <p:sp>
-        <p:nvSpPr>
-          <p:cNvPr id="4" name="Footer Placeholder 3">
-            <a:extLst>
-              <a:ext uri="{FF2B5EF4-FFF2-40B4-BE49-F238E27FC236}">
-                <a16:creationId xmlns:a16="http://schemas.microsoft.com/office/drawing/2014/main" id="{D46BC8FC-1CFF-481B-4B51-5CBED37DA7D0}"/>
-              </a:ext>
-            </a:extLst>
-          </p:cNvPr>
-          <p:cNvSpPr>
-            <a:spLocks noGrp="1"/>
-          </p:cNvSpPr>
-          <p:nvPr>
-            <p:ph type="ftr" sz="quarter" idx="3"/>
-          </p:nvPr>
-        </p:nvSpPr>
-        <p:spPr/>
-        <p:txBody>
-          <a:bodyPr/>
-          <a:lstStyle/>
-          <a:p>
-            <a:r>
-              <a:rPr lang="en-US"/>
-              <a:t>Topics In Computer Science II: Real-Time Cyber-Physical Systems | Fall 2025</a:t>
-            </a:r>
-            <a:endParaRPr lang="en-US" b="0" dirty="0"/>
-          </a:p>
-        </p:txBody>
-      </p:sp>
-      <p:pic>
-        <p:nvPicPr>
-          <p:cNvPr id="6" name="Picture 5">
-            <a:extLst>
-              <a:ext uri="{FF2B5EF4-FFF2-40B4-BE49-F238E27FC236}">
-                <a16:creationId xmlns:a16="http://schemas.microsoft.com/office/drawing/2014/main" id="{1D694EFD-74EA-4F4B-03DD-5BB7748E899B}"/>
-              </a:ext>
-            </a:extLst>
-          </p:cNvPr>
-          <p:cNvPicPr>
-            <a:picLocks noChangeAspect="1"/>
-          </p:cNvPicPr>
-          <p:nvPr/>
-        </p:nvPicPr>
-        <p:blipFill>
-          <a:blip r:embed="rId3"/>
-          <a:stretch>
-            <a:fillRect/>
-          </a:stretch>
-        </p:blipFill>
-        <p:spPr>
-          <a:xfrm>
-            <a:off x="7385039" y="2197997"/>
-            <a:ext cx="4355857" cy="2462006"/>
-          </a:xfrm>
-          <a:prstGeom prst="rect">
-            <a:avLst/>
-          </a:prstGeom>
-        </p:spPr>
-      </p:pic>
-    </p:spTree>
-    <p:extLst>
-      <p:ext uri="{BB962C8B-B14F-4D97-AF65-F5344CB8AC3E}">
-        <p14:creationId xmlns:p14="http://schemas.microsoft.com/office/powerpoint/2010/main" val="3824857967"/>
-      </p:ext>
-    </p:extLst>
-  </p:cSld>
-  <p:clrMapOvr>
-    <a:masterClrMapping/>
-  </p:clrMapOvr>
-</p:sld>
-</file>
-
-<file path=ppt/slides/slide29.xml><?xml version="1.0" encoding="utf-8"?>
 <p:sld xmlns:a="http://schemas.openxmlformats.org/drawingml/2006/main" xmlns:r="http://schemas.openxmlformats.org/officeDocument/2006/relationships" xmlns:p="http://schemas.openxmlformats.org/presentationml/2006/main">
   <p:cSld>
     <p:spTree>
@@ -35884,101 +35622,7 @@
 </p:sld>
 </file>
 
-<file path=ppt/slides/slide3.xml><?xml version="1.0" encoding="utf-8"?>
-<p:sld xmlns:a="http://schemas.openxmlformats.org/drawingml/2006/main" xmlns:r="http://schemas.openxmlformats.org/officeDocument/2006/relationships" xmlns:p="http://schemas.openxmlformats.org/presentationml/2006/main">
-  <p:cSld>
-    <p:spTree>
-      <p:nvGrpSpPr>
-        <p:cNvPr id="1" name="">
-          <a:extLst>
-            <a:ext uri="{FF2B5EF4-FFF2-40B4-BE49-F238E27FC236}">
-              <a16:creationId xmlns:a16="http://schemas.microsoft.com/office/drawing/2014/main" id="{4DF746E4-16F3-FF77-3CF3-63A92B4D9E9A}"/>
-            </a:ext>
-          </a:extLst>
-        </p:cNvPr>
-        <p:cNvGrpSpPr/>
-        <p:nvPr/>
-      </p:nvGrpSpPr>
-      <p:grpSpPr>
-        <a:xfrm>
-          <a:off x="0" y="0"/>
-          <a:ext cx="0" cy="0"/>
-          <a:chOff x="0" y="0"/>
-          <a:chExt cx="0" cy="0"/>
-        </a:xfrm>
-      </p:grpSpPr>
-      <p:sp>
-        <p:nvSpPr>
-          <p:cNvPr id="2" name="Picture Placeholder 1">
-            <a:extLst>
-              <a:ext uri="{FF2B5EF4-FFF2-40B4-BE49-F238E27FC236}">
-                <a16:creationId xmlns:a16="http://schemas.microsoft.com/office/drawing/2014/main" id="{BF293B40-A20E-06B3-2B7F-A717C5DB21C2}"/>
-              </a:ext>
-            </a:extLst>
-          </p:cNvPr>
-          <p:cNvSpPr>
-            <a:spLocks noGrp="1"/>
-          </p:cNvSpPr>
-          <p:nvPr>
-            <p:ph type="pic" sz="quarter" idx="11"/>
-          </p:nvPr>
-        </p:nvSpPr>
-        <p:spPr>
-          <a:xfrm>
-            <a:off x="0" y="377952"/>
-            <a:ext cx="12192000" cy="6858000"/>
-          </a:xfrm>
-        </p:spPr>
-        <p:txBody>
-          <a:bodyPr/>
-          <a:lstStyle/>
-          <a:p>
-            <a:endParaRPr lang="en-US" dirty="0"/>
-          </a:p>
-        </p:txBody>
-      </p:sp>
-      <p:sp>
-        <p:nvSpPr>
-          <p:cNvPr id="3" name="Title 2">
-            <a:extLst>
-              <a:ext uri="{FF2B5EF4-FFF2-40B4-BE49-F238E27FC236}">
-                <a16:creationId xmlns:a16="http://schemas.microsoft.com/office/drawing/2014/main" id="{BF666989-3623-EB47-DF56-7AEB805BCD71}"/>
-              </a:ext>
-            </a:extLst>
-          </p:cNvPr>
-          <p:cNvSpPr>
-            <a:spLocks noGrp="1"/>
-          </p:cNvSpPr>
-          <p:nvPr>
-            <p:ph type="title"/>
-          </p:nvPr>
-        </p:nvSpPr>
-        <p:spPr/>
-        <p:txBody>
-          <a:bodyPr/>
-          <a:lstStyle/>
-          <a:p>
-            <a:r>
-              <a:rPr lang="en-US" dirty="0"/>
-              <a:t>BACKGROUND</a:t>
-            </a:r>
-          </a:p>
-        </p:txBody>
-      </p:sp>
-    </p:spTree>
-    <p:extLst>
-      <p:ext uri="{BB962C8B-B14F-4D97-AF65-F5344CB8AC3E}">
-        <p14:creationId xmlns:p14="http://schemas.microsoft.com/office/powerpoint/2010/main" val="2986942191"/>
-      </p:ext>
-    </p:extLst>
-  </p:cSld>
-  <p:clrMapOvr>
-    <a:masterClrMapping/>
-  </p:clrMapOvr>
-</p:sld>
-</file>
-
-<file path=ppt/slides/slide30.xml><?xml version="1.0" encoding="utf-8"?>
+<file path=ppt/slides/slide29.xml><?xml version="1.0" encoding="utf-8"?>
 <p:sld xmlns:a="http://schemas.openxmlformats.org/drawingml/2006/main" xmlns:r="http://schemas.openxmlformats.org/officeDocument/2006/relationships" xmlns:p="http://schemas.openxmlformats.org/presentationml/2006/main">
   <p:cSld>
     <p:spTree>
@@ -36242,8 +35886,8 @@
             <a:chExt cx="117720" cy="159120"/>
           </a:xfrm>
         </p:grpSpPr>
-        <mc:AlternateContent xmlns:mc="http://schemas.openxmlformats.org/markup-compatibility/2006">
-          <mc:Choice xmlns:p14="http://schemas.microsoft.com/office/powerpoint/2010/main" Requires="p14">
+        <mc:AlternateContent xmlns:mc="http://schemas.openxmlformats.org/markup-compatibility/2006" xmlns:p14="http://schemas.microsoft.com/office/powerpoint/2010/main">
+          <mc:Choice Requires="p14">
             <p:contentPart p14:bwMode="auto" r:id="rId6">
               <p14:nvContentPartPr>
                 <p14:cNvPr id="9" name="Ink 8">
@@ -36262,7 +35906,7 @@
               </p14:xfrm>
             </p:contentPart>
           </mc:Choice>
-          <mc:Fallback>
+          <mc:Fallback xmlns="">
             <p:pic>
               <p:nvPicPr>
                 <p:cNvPr id="9" name="Ink 8">
@@ -36293,8 +35937,8 @@
             </p:pic>
           </mc:Fallback>
         </mc:AlternateContent>
-        <mc:AlternateContent xmlns:mc="http://schemas.openxmlformats.org/markup-compatibility/2006">
-          <mc:Choice xmlns:p14="http://schemas.microsoft.com/office/powerpoint/2010/main" Requires="p14">
+        <mc:AlternateContent xmlns:mc="http://schemas.openxmlformats.org/markup-compatibility/2006" xmlns:p14="http://schemas.microsoft.com/office/powerpoint/2010/main">
+          <mc:Choice Requires="p14">
             <p:contentPart p14:bwMode="auto" r:id="rId8">
               <p14:nvContentPartPr>
                 <p14:cNvPr id="10" name="Ink 9">
@@ -36313,7 +35957,7 @@
               </p14:xfrm>
             </p:contentPart>
           </mc:Choice>
-          <mc:Fallback>
+          <mc:Fallback xmlns="">
             <p:pic>
               <p:nvPicPr>
                 <p:cNvPr id="10" name="Ink 9">
@@ -36344,8 +35988,8 @@
             </p:pic>
           </mc:Fallback>
         </mc:AlternateContent>
-        <mc:AlternateContent xmlns:mc="http://schemas.openxmlformats.org/markup-compatibility/2006">
-          <mc:Choice xmlns:p14="http://schemas.microsoft.com/office/powerpoint/2010/main" Requires="p14">
+        <mc:AlternateContent xmlns:mc="http://schemas.openxmlformats.org/markup-compatibility/2006" xmlns:p14="http://schemas.microsoft.com/office/powerpoint/2010/main">
+          <mc:Choice Requires="p14">
             <p:contentPart p14:bwMode="auto" r:id="rId10">
               <p14:nvContentPartPr>
                 <p14:cNvPr id="16" name="Ink 15">
@@ -36364,7 +36008,7 @@
               </p14:xfrm>
             </p:contentPart>
           </mc:Choice>
-          <mc:Fallback>
+          <mc:Fallback xmlns="">
             <p:pic>
               <p:nvPicPr>
                 <p:cNvPr id="16" name="Ink 15">
@@ -36456,8 +36100,8 @@
           </a:prstGeom>
         </p:spPr>
       </p:pic>
-      <mc:AlternateContent xmlns:mc="http://schemas.openxmlformats.org/markup-compatibility/2006">
-        <mc:Choice xmlns:p14="http://schemas.microsoft.com/office/powerpoint/2010/main" Requires="p14">
+      <mc:AlternateContent xmlns:mc="http://schemas.openxmlformats.org/markup-compatibility/2006" xmlns:p14="http://schemas.microsoft.com/office/powerpoint/2010/main">
+        <mc:Choice Requires="p14">
           <p:contentPart p14:bwMode="auto" r:id="rId14">
             <p14:nvContentPartPr>
               <p14:cNvPr id="21" name="Ink 20">
@@ -36476,7 +36120,7 @@
             </p14:xfrm>
           </p:contentPart>
         </mc:Choice>
-        <mc:Fallback>
+        <mc:Fallback xmlns="">
           <p:pic>
             <p:nvPicPr>
               <p:cNvPr id="21" name="Ink 20">
@@ -36821,7 +36465,101 @@
 </p:sld>
 </file>
 
-<file path=ppt/slides/slide31.xml><?xml version="1.0" encoding="utf-8"?>
+<file path=ppt/slides/slide3.xml><?xml version="1.0" encoding="utf-8"?>
+<p:sld xmlns:a="http://schemas.openxmlformats.org/drawingml/2006/main" xmlns:r="http://schemas.openxmlformats.org/officeDocument/2006/relationships" xmlns:p="http://schemas.openxmlformats.org/presentationml/2006/main">
+  <p:cSld>
+    <p:spTree>
+      <p:nvGrpSpPr>
+        <p:cNvPr id="1" name="">
+          <a:extLst>
+            <a:ext uri="{FF2B5EF4-FFF2-40B4-BE49-F238E27FC236}">
+              <a16:creationId xmlns:a16="http://schemas.microsoft.com/office/drawing/2014/main" id="{4DF746E4-16F3-FF77-3CF3-63A92B4D9E9A}"/>
+            </a:ext>
+          </a:extLst>
+        </p:cNvPr>
+        <p:cNvGrpSpPr/>
+        <p:nvPr/>
+      </p:nvGrpSpPr>
+      <p:grpSpPr>
+        <a:xfrm>
+          <a:off x="0" y="0"/>
+          <a:ext cx="0" cy="0"/>
+          <a:chOff x="0" y="0"/>
+          <a:chExt cx="0" cy="0"/>
+        </a:xfrm>
+      </p:grpSpPr>
+      <p:sp>
+        <p:nvSpPr>
+          <p:cNvPr id="2" name="Picture Placeholder 1">
+            <a:extLst>
+              <a:ext uri="{FF2B5EF4-FFF2-40B4-BE49-F238E27FC236}">
+                <a16:creationId xmlns:a16="http://schemas.microsoft.com/office/drawing/2014/main" id="{BF293B40-A20E-06B3-2B7F-A717C5DB21C2}"/>
+              </a:ext>
+            </a:extLst>
+          </p:cNvPr>
+          <p:cNvSpPr>
+            <a:spLocks noGrp="1"/>
+          </p:cNvSpPr>
+          <p:nvPr>
+            <p:ph type="pic" sz="quarter" idx="11"/>
+          </p:nvPr>
+        </p:nvSpPr>
+        <p:spPr>
+          <a:xfrm>
+            <a:off x="0" y="377952"/>
+            <a:ext cx="12192000" cy="6858000"/>
+          </a:xfrm>
+        </p:spPr>
+        <p:txBody>
+          <a:bodyPr/>
+          <a:lstStyle/>
+          <a:p>
+            <a:endParaRPr lang="en-US" dirty="0"/>
+          </a:p>
+        </p:txBody>
+      </p:sp>
+      <p:sp>
+        <p:nvSpPr>
+          <p:cNvPr id="3" name="Title 2">
+            <a:extLst>
+              <a:ext uri="{FF2B5EF4-FFF2-40B4-BE49-F238E27FC236}">
+                <a16:creationId xmlns:a16="http://schemas.microsoft.com/office/drawing/2014/main" id="{BF666989-3623-EB47-DF56-7AEB805BCD71}"/>
+              </a:ext>
+            </a:extLst>
+          </p:cNvPr>
+          <p:cNvSpPr>
+            <a:spLocks noGrp="1"/>
+          </p:cNvSpPr>
+          <p:nvPr>
+            <p:ph type="title"/>
+          </p:nvPr>
+        </p:nvSpPr>
+        <p:spPr/>
+        <p:txBody>
+          <a:bodyPr/>
+          <a:lstStyle/>
+          <a:p>
+            <a:r>
+              <a:rPr lang="en-US" dirty="0"/>
+              <a:t>BACKGROUND</a:t>
+            </a:r>
+          </a:p>
+        </p:txBody>
+      </p:sp>
+    </p:spTree>
+    <p:extLst>
+      <p:ext uri="{BB962C8B-B14F-4D97-AF65-F5344CB8AC3E}">
+        <p14:creationId xmlns:p14="http://schemas.microsoft.com/office/powerpoint/2010/main" val="2986942191"/>
+      </p:ext>
+    </p:extLst>
+  </p:cSld>
+  <p:clrMapOvr>
+    <a:masterClrMapping/>
+  </p:clrMapOvr>
+</p:sld>
+</file>
+
+<file path=ppt/slides/slide30.xml><?xml version="1.0" encoding="utf-8"?>
 <p:sld xmlns:a="http://schemas.openxmlformats.org/drawingml/2006/main" xmlns:r="http://schemas.openxmlformats.org/officeDocument/2006/relationships" xmlns:p="http://schemas.openxmlformats.org/presentationml/2006/main">
   <p:cSld>
     <p:spTree>
@@ -36946,7 +36684,7 @@
             </a:pPr>
             <a:r>
               <a:rPr lang="en-US" dirty="0"/>
-              <a:t>Data Transmission Constraint</a:t>
+              <a:t>Data Transmission</a:t>
             </a:r>
           </a:p>
           <a:p>
@@ -36956,7 +36694,7 @@
             </a:pPr>
             <a:r>
               <a:rPr lang="en-US" dirty="0"/>
-              <a:t>Resource Unit Collision Constraint</a:t>
+              <a:t>Resource Unit Collision</a:t>
             </a:r>
           </a:p>
           <a:p>
@@ -37009,209 +36747,7 @@
 </p:sld>
 </file>
 
-<file path=ppt/slides/slide32.xml><?xml version="1.0" encoding="utf-8"?>
-<p:sld xmlns:a="http://schemas.openxmlformats.org/drawingml/2006/main" xmlns:r="http://schemas.openxmlformats.org/officeDocument/2006/relationships" xmlns:p="http://schemas.openxmlformats.org/presentationml/2006/main">
-  <p:cSld>
-    <p:spTree>
-      <p:nvGrpSpPr>
-        <p:cNvPr id="1" name="">
-          <a:extLst>
-            <a:ext uri="{FF2B5EF4-FFF2-40B4-BE49-F238E27FC236}">
-              <a16:creationId xmlns:a16="http://schemas.microsoft.com/office/drawing/2014/main" id="{820DFD0E-A8F4-08CE-8E46-882D675A6FF2}"/>
-            </a:ext>
-          </a:extLst>
-        </p:cNvPr>
-        <p:cNvGrpSpPr/>
-        <p:nvPr/>
-      </p:nvGrpSpPr>
-      <p:grpSpPr>
-        <a:xfrm>
-          <a:off x="0" y="0"/>
-          <a:ext cx="0" cy="0"/>
-          <a:chOff x="0" y="0"/>
-          <a:chExt cx="0" cy="0"/>
-        </a:xfrm>
-      </p:grpSpPr>
-      <p:sp>
-        <p:nvSpPr>
-          <p:cNvPr id="2" name="Title 1">
-            <a:extLst>
-              <a:ext uri="{FF2B5EF4-FFF2-40B4-BE49-F238E27FC236}">
-                <a16:creationId xmlns:a16="http://schemas.microsoft.com/office/drawing/2014/main" id="{B6B30B73-621C-E2C4-C45D-A1CE7AD7A81A}"/>
-              </a:ext>
-            </a:extLst>
-          </p:cNvPr>
-          <p:cNvSpPr>
-            <a:spLocks noGrp="1"/>
-          </p:cNvSpPr>
-          <p:nvPr>
-            <p:ph type="title"/>
-          </p:nvPr>
-        </p:nvSpPr>
-        <p:spPr/>
-        <p:txBody>
-          <a:bodyPr/>
-          <a:lstStyle/>
-          <a:p>
-            <a:r>
-              <a:rPr lang="en-US" dirty="0"/>
-              <a:t>Optimization Techniques</a:t>
-            </a:r>
-          </a:p>
-        </p:txBody>
-      </p:sp>
-      <p:sp>
-        <p:nvSpPr>
-          <p:cNvPr id="3" name="Content Placeholder 2">
-            <a:extLst>
-              <a:ext uri="{FF2B5EF4-FFF2-40B4-BE49-F238E27FC236}">
-                <a16:creationId xmlns:a16="http://schemas.microsoft.com/office/drawing/2014/main" id="{12E72629-15C9-8ACF-F49F-7472ABE53BBF}"/>
-              </a:ext>
-            </a:extLst>
-          </p:cNvPr>
-          <p:cNvSpPr>
-            <a:spLocks noGrp="1"/>
-          </p:cNvSpPr>
-          <p:nvPr>
-            <p:ph idx="10"/>
-          </p:nvPr>
-        </p:nvSpPr>
-        <p:spPr>
-          <a:xfrm>
-            <a:off x="952498" y="1686757"/>
-            <a:ext cx="10287001" cy="4256843"/>
-          </a:xfrm>
-        </p:spPr>
-        <p:txBody>
-          <a:bodyPr>
-            <a:normAutofit/>
-          </a:bodyPr>
-          <a:lstStyle/>
-          <a:p>
-            <a:pPr marL="0" indent="0">
-              <a:buNone/>
-            </a:pPr>
-            <a:r>
-              <a:rPr lang="en-US" b="1" dirty="0"/>
-              <a:t>Optimal: </a:t>
-            </a:r>
-            <a:r>
-              <a:rPr lang="en-US" dirty="0"/>
-              <a:t>satisfied all TF deadlines in smallest number of RBs</a:t>
-            </a:r>
-          </a:p>
-          <a:p>
-            <a:pPr marL="0" indent="0">
-              <a:buNone/>
-            </a:pPr>
-            <a:r>
-              <a:rPr lang="en-US" b="1" dirty="0"/>
-              <a:t>NP-HARD:</a:t>
-            </a:r>
-            <a:r>
-              <a:rPr lang="en-US" sz="2400" b="1" dirty="0"/>
-              <a:t> </a:t>
-            </a:r>
-            <a:r>
-              <a:rPr lang="en-US" sz="2000" dirty="0"/>
-              <a:t>Reduces to Strip Packing Problem (finite width, infinite height packing)</a:t>
-            </a:r>
-          </a:p>
-          <a:p>
-            <a:pPr marL="0" indent="0">
-              <a:buNone/>
-            </a:pPr>
-            <a:endParaRPr lang="en-US" sz="2400" dirty="0"/>
-          </a:p>
-          <a:p>
-            <a:pPr marL="0" indent="0">
-              <a:buNone/>
-            </a:pPr>
-            <a:r>
-              <a:rPr lang="en-US" b="1" dirty="0"/>
-              <a:t>Techniques:</a:t>
-            </a:r>
-          </a:p>
-          <a:p>
-            <a:pPr marL="457200" lvl="1" indent="0">
-              <a:buNone/>
-            </a:pPr>
-            <a:r>
-              <a:rPr lang="en-US" dirty="0"/>
-              <a:t>1. Single Configuration: SMT-1, Co1</a:t>
-            </a:r>
-          </a:p>
-          <a:p>
-            <a:pPr marL="457200" lvl="1" indent="0">
-              <a:buNone/>
-            </a:pPr>
-            <a:r>
-              <a:rPr lang="en-US" dirty="0"/>
-              <a:t>2. Unlimited Configuration: SMT-U, </a:t>
-            </a:r>
-            <a:r>
-              <a:rPr lang="en-US" dirty="0" err="1"/>
-              <a:t>CoU</a:t>
-            </a:r>
-            <a:endParaRPr lang="en-US" dirty="0"/>
-          </a:p>
-          <a:p>
-            <a:pPr marL="0" indent="0">
-              <a:buNone/>
-            </a:pPr>
-            <a:endParaRPr lang="en-US" b="1" dirty="0"/>
-          </a:p>
-          <a:p>
-            <a:pPr marL="0" indent="0">
-              <a:buNone/>
-            </a:pPr>
-            <a:endParaRPr lang="en-US" sz="3200" b="1" dirty="0"/>
-          </a:p>
-        </p:txBody>
-      </p:sp>
-      <p:sp>
-        <p:nvSpPr>
-          <p:cNvPr id="4" name="Footer Placeholder 3">
-            <a:extLst>
-              <a:ext uri="{FF2B5EF4-FFF2-40B4-BE49-F238E27FC236}">
-                <a16:creationId xmlns:a16="http://schemas.microsoft.com/office/drawing/2014/main" id="{22B1D7AB-B332-C130-9EFF-0575F4C8494B}"/>
-              </a:ext>
-            </a:extLst>
-          </p:cNvPr>
-          <p:cNvSpPr>
-            <a:spLocks noGrp="1"/>
-          </p:cNvSpPr>
-          <p:nvPr>
-            <p:ph type="ftr" sz="quarter" idx="3"/>
-          </p:nvPr>
-        </p:nvSpPr>
-        <p:spPr/>
-        <p:txBody>
-          <a:bodyPr/>
-          <a:lstStyle/>
-          <a:p>
-            <a:r>
-              <a:rPr lang="en-US"/>
-              <a:t>Topics In Computer Science II: Real-Time Cyber-Physical Systems | Fall 2025</a:t>
-            </a:r>
-            <a:endParaRPr lang="en-US" b="0" dirty="0"/>
-          </a:p>
-        </p:txBody>
-      </p:sp>
-    </p:spTree>
-    <p:extLst>
-      <p:ext uri="{BB962C8B-B14F-4D97-AF65-F5344CB8AC3E}">
-        <p14:creationId xmlns:p14="http://schemas.microsoft.com/office/powerpoint/2010/main" val="377339076"/>
-      </p:ext>
-    </p:extLst>
-  </p:cSld>
-  <p:clrMapOvr>
-    <a:masterClrMapping/>
-  </p:clrMapOvr>
-</p:sld>
-</file>
-
-<file path=ppt/slides/slide33.xml><?xml version="1.0" encoding="utf-8"?>
+<file path=ppt/slides/slide31.xml><?xml version="1.0" encoding="utf-8"?>
 <p:sld xmlns:a="http://schemas.openxmlformats.org/drawingml/2006/main" xmlns:r="http://schemas.openxmlformats.org/officeDocument/2006/relationships" xmlns:p="http://schemas.openxmlformats.org/presentationml/2006/main">
   <p:cSld>
     <p:spTree>
@@ -37286,7 +36822,7 @@
         </p:spPr>
         <p:txBody>
           <a:bodyPr>
-            <a:normAutofit fontScale="92500" lnSpcReduction="20000"/>
+            <a:normAutofit fontScale="92500" lnSpcReduction="10000"/>
           </a:bodyPr>
           <a:lstStyle/>
           <a:p>
@@ -37332,15 +36868,6 @@
             <a:r>
               <a:rPr lang="en-US" sz="2600" b="1" dirty="0"/>
               <a:t>Satisfiability Modulo Theories (SMT):</a:t>
-            </a:r>
-          </a:p>
-          <a:p>
-            <a:pPr marL="0" indent="0">
-              <a:buNone/>
-            </a:pPr>
-            <a:r>
-              <a:rPr lang="en-US" sz="2600" dirty="0"/>
-              <a:t>These solve in polynomial time</a:t>
             </a:r>
           </a:p>
           <a:p>
@@ -37455,7 +36982,7 @@
 </p:sld>
 </file>
 
-<file path=ppt/slides/slide34.xml><?xml version="1.0" encoding="utf-8"?>
+<file path=ppt/slides/slide32.xml><?xml version="1.0" encoding="utf-8"?>
 <p:sld xmlns:a="http://schemas.openxmlformats.org/drawingml/2006/main" xmlns:r="http://schemas.openxmlformats.org/officeDocument/2006/relationships" xmlns:p="http://schemas.openxmlformats.org/presentationml/2006/main">
   <p:cSld>
     <p:spTree>
@@ -37508,18 +37035,18 @@
       </p:sp>
       <p:sp>
         <p:nvSpPr>
-          <p:cNvPr id="4" name="Footer Placeholder 3">
-            <a:extLst>
-              <a:ext uri="{FF2B5EF4-FFF2-40B4-BE49-F238E27FC236}">
-                <a16:creationId xmlns:a16="http://schemas.microsoft.com/office/drawing/2014/main" id="{1B915178-A30F-F48A-E9F4-94D6489595FC}"/>
-              </a:ext>
-            </a:extLst>
-          </p:cNvPr>
-          <p:cNvSpPr>
-            <a:spLocks noGrp="1"/>
-          </p:cNvSpPr>
-          <p:nvPr>
-            <p:ph type="ftr" sz="quarter" idx="3"/>
+          <p:cNvPr id="3" name="Content Placeholder 2">
+            <a:extLst>
+              <a:ext uri="{FF2B5EF4-FFF2-40B4-BE49-F238E27FC236}">
+                <a16:creationId xmlns:a16="http://schemas.microsoft.com/office/drawing/2014/main" id="{C9EC5D2D-D52E-E8D6-C82C-9466C8621661}"/>
+              </a:ext>
+            </a:extLst>
+          </p:cNvPr>
+          <p:cNvSpPr>
+            <a:spLocks noGrp="1"/>
+          </p:cNvSpPr>
+          <p:nvPr>
+            <p:ph idx="1"/>
           </p:nvPr>
         </p:nvSpPr>
         <p:spPr/>
@@ -37528,6 +37055,123 @@
           <a:lstStyle/>
           <a:p>
             <a:r>
+              <a:rPr lang="en-US" dirty="0"/>
+              <a:t>Single Configuration: Co1</a:t>
+            </a:r>
+          </a:p>
+        </p:txBody>
+      </p:sp>
+      <p:sp>
+        <p:nvSpPr>
+          <p:cNvPr id="6" name="Content Placeholder 5">
+            <a:extLst>
+              <a:ext uri="{FF2B5EF4-FFF2-40B4-BE49-F238E27FC236}">
+                <a16:creationId xmlns:a16="http://schemas.microsoft.com/office/drawing/2014/main" id="{4AB60EF3-5381-C643-8036-D66B4A457B16}"/>
+              </a:ext>
+            </a:extLst>
+          </p:cNvPr>
+          <p:cNvSpPr>
+            <a:spLocks noGrp="1"/>
+          </p:cNvSpPr>
+          <p:nvPr>
+            <p:ph idx="10"/>
+          </p:nvPr>
+        </p:nvSpPr>
+        <p:spPr/>
+        <p:txBody>
+          <a:bodyPr/>
+          <a:lstStyle/>
+          <a:p>
+            <a:r>
+              <a:rPr lang="en-US" dirty="0"/>
+              <a:t>Runtime: </a:t>
+            </a:r>
+          </a:p>
+        </p:txBody>
+      </p:sp>
+      <p:sp>
+        <p:nvSpPr>
+          <p:cNvPr id="7" name="Content Placeholder 6">
+            <a:extLst>
+              <a:ext uri="{FF2B5EF4-FFF2-40B4-BE49-F238E27FC236}">
+                <a16:creationId xmlns:a16="http://schemas.microsoft.com/office/drawing/2014/main" id="{518D3FCA-BBFD-CAD9-D4C7-F289A7C14D5F}"/>
+              </a:ext>
+            </a:extLst>
+          </p:cNvPr>
+          <p:cNvSpPr>
+            <a:spLocks noGrp="1"/>
+          </p:cNvSpPr>
+          <p:nvPr>
+            <p:ph idx="15"/>
+          </p:nvPr>
+        </p:nvSpPr>
+        <p:spPr/>
+        <p:txBody>
+          <a:bodyPr/>
+          <a:lstStyle/>
+          <a:p>
+            <a:r>
+              <a:rPr lang="en-US" dirty="0"/>
+              <a:t>Unlimited Configurations: </a:t>
+            </a:r>
+            <a:r>
+              <a:rPr lang="en-US" dirty="0" err="1"/>
+              <a:t>CoU</a:t>
+            </a:r>
+            <a:endParaRPr lang="en-US" dirty="0"/>
+          </a:p>
+        </p:txBody>
+      </p:sp>
+      <p:sp>
+        <p:nvSpPr>
+          <p:cNvPr id="8" name="Content Placeholder 7">
+            <a:extLst>
+              <a:ext uri="{FF2B5EF4-FFF2-40B4-BE49-F238E27FC236}">
+                <a16:creationId xmlns:a16="http://schemas.microsoft.com/office/drawing/2014/main" id="{67412B64-F025-88B8-C171-B7567C562D32}"/>
+              </a:ext>
+            </a:extLst>
+          </p:cNvPr>
+          <p:cNvSpPr>
+            <a:spLocks noGrp="1"/>
+          </p:cNvSpPr>
+          <p:nvPr>
+            <p:ph idx="16"/>
+          </p:nvPr>
+        </p:nvSpPr>
+        <p:spPr/>
+        <p:txBody>
+          <a:bodyPr/>
+          <a:lstStyle/>
+          <a:p>
+            <a:r>
+              <a:rPr lang="en-US" dirty="0"/>
+              <a:t>Runtime: </a:t>
+            </a:r>
+          </a:p>
+        </p:txBody>
+      </p:sp>
+      <p:sp>
+        <p:nvSpPr>
+          <p:cNvPr id="4" name="Footer Placeholder 3">
+            <a:extLst>
+              <a:ext uri="{FF2B5EF4-FFF2-40B4-BE49-F238E27FC236}">
+                <a16:creationId xmlns:a16="http://schemas.microsoft.com/office/drawing/2014/main" id="{1B915178-A30F-F48A-E9F4-94D6489595FC}"/>
+              </a:ext>
+            </a:extLst>
+          </p:cNvPr>
+          <p:cNvSpPr>
+            <a:spLocks noGrp="1"/>
+          </p:cNvSpPr>
+          <p:nvPr>
+            <p:ph type="ftr" sz="quarter" idx="3"/>
+          </p:nvPr>
+        </p:nvSpPr>
+        <p:spPr/>
+        <p:txBody>
+          <a:bodyPr/>
+          <a:lstStyle/>
+          <a:p>
+            <a:r>
               <a:rPr lang="en-US"/>
               <a:t>Topics In Computer Science II: Real-Time Cyber-Physical Systems | Fall 2025</a:t>
             </a:r>
@@ -37537,10 +37181,10 @@
       </p:sp>
       <p:pic>
         <p:nvPicPr>
-          <p:cNvPr id="5" name="Picture 4">
-            <a:extLst>
-              <a:ext uri="{FF2B5EF4-FFF2-40B4-BE49-F238E27FC236}">
-                <a16:creationId xmlns:a16="http://schemas.microsoft.com/office/drawing/2014/main" id="{AEB51318-F04C-BD6B-7F4F-5803734503FC}"/>
+          <p:cNvPr id="10" name="Picture 9">
+            <a:extLst>
+              <a:ext uri="{FF2B5EF4-FFF2-40B4-BE49-F238E27FC236}">
+                <a16:creationId xmlns:a16="http://schemas.microsoft.com/office/drawing/2014/main" id="{01695CF8-5CD4-B4C8-13BB-038805B35FBA}"/>
               </a:ext>
             </a:extLst>
           </p:cNvPr>
@@ -37557,14 +37201,440 @@
         </p:blipFill>
         <p:spPr>
           <a:xfrm>
-            <a:off x="4521923" y="1983913"/>
-            <a:ext cx="7670077" cy="2890174"/>
+            <a:off x="2049060" y="2550559"/>
+            <a:ext cx="3098800" cy="419100"/>
           </a:xfrm>
           <a:prstGeom prst="rect">
             <a:avLst/>
           </a:prstGeom>
         </p:spPr>
       </p:pic>
+      <p:pic>
+        <p:nvPicPr>
+          <p:cNvPr id="11" name="Picture 10">
+            <a:extLst>
+              <a:ext uri="{FF2B5EF4-FFF2-40B4-BE49-F238E27FC236}">
+                <a16:creationId xmlns:a16="http://schemas.microsoft.com/office/drawing/2014/main" id="{AEB64C85-C2A1-3D87-F595-2EA8D808C4A6}"/>
+              </a:ext>
+            </a:extLst>
+          </p:cNvPr>
+          <p:cNvPicPr>
+            <a:picLocks noChangeAspect="1"/>
+          </p:cNvPicPr>
+          <p:nvPr/>
+        </p:nvPicPr>
+        <p:blipFill>
+          <a:blip r:embed="rId4"/>
+          <a:stretch>
+            <a:fillRect/>
+          </a:stretch>
+        </p:blipFill>
+        <p:spPr>
+          <a:xfrm>
+            <a:off x="7524496" y="2592102"/>
+            <a:ext cx="3556000" cy="419100"/>
+          </a:xfrm>
+          <a:prstGeom prst="rect">
+            <a:avLst/>
+          </a:prstGeom>
+        </p:spPr>
+      </p:pic>
+      <p:pic>
+        <p:nvPicPr>
+          <p:cNvPr id="12" name="Picture 11">
+            <a:extLst>
+              <a:ext uri="{FF2B5EF4-FFF2-40B4-BE49-F238E27FC236}">
+                <a16:creationId xmlns:a16="http://schemas.microsoft.com/office/drawing/2014/main" id="{47E7C009-9BB8-F325-D4EA-AB44659130D1}"/>
+              </a:ext>
+            </a:extLst>
+          </p:cNvPr>
+          <p:cNvPicPr>
+            <a:picLocks noChangeAspect="1"/>
+          </p:cNvPicPr>
+          <p:nvPr/>
+        </p:nvPicPr>
+        <p:blipFill>
+          <a:blip r:embed="rId5"/>
+          <a:stretch>
+            <a:fillRect/>
+          </a:stretch>
+        </p:blipFill>
+        <p:spPr>
+          <a:xfrm>
+            <a:off x="960660" y="3429000"/>
+            <a:ext cx="431800" cy="406400"/>
+          </a:xfrm>
+          <a:prstGeom prst="rect">
+            <a:avLst/>
+          </a:prstGeom>
+        </p:spPr>
+      </p:pic>
+      <p:pic>
+        <p:nvPicPr>
+          <p:cNvPr id="13" name="Picture 12">
+            <a:extLst>
+              <a:ext uri="{FF2B5EF4-FFF2-40B4-BE49-F238E27FC236}">
+                <a16:creationId xmlns:a16="http://schemas.microsoft.com/office/drawing/2014/main" id="{59468F0D-2E6C-C91C-4CA3-BB77B7C2A02B}"/>
+              </a:ext>
+            </a:extLst>
+          </p:cNvPr>
+          <p:cNvPicPr>
+            <a:picLocks noChangeAspect="1"/>
+          </p:cNvPicPr>
+          <p:nvPr/>
+        </p:nvPicPr>
+        <p:blipFill>
+          <a:blip r:embed="rId6"/>
+          <a:srcRect r="16142" b="750"/>
+          <a:stretch>
+            <a:fillRect/>
+          </a:stretch>
+        </p:blipFill>
+        <p:spPr>
+          <a:xfrm>
+            <a:off x="975171" y="3950111"/>
+            <a:ext cx="298196" cy="403352"/>
+          </a:xfrm>
+          <a:prstGeom prst="rect">
+            <a:avLst/>
+          </a:prstGeom>
+        </p:spPr>
+      </p:pic>
+      <p:pic>
+        <p:nvPicPr>
+          <p:cNvPr id="16" name="Picture 15">
+            <a:extLst>
+              <a:ext uri="{FF2B5EF4-FFF2-40B4-BE49-F238E27FC236}">
+                <a16:creationId xmlns:a16="http://schemas.microsoft.com/office/drawing/2014/main" id="{7CE2218D-31D4-468F-A8EA-A06F2DD7D302}"/>
+              </a:ext>
+            </a:extLst>
+          </p:cNvPr>
+          <p:cNvPicPr>
+            <a:picLocks noChangeAspect="1"/>
+          </p:cNvPicPr>
+          <p:nvPr/>
+        </p:nvPicPr>
+        <p:blipFill>
+          <a:blip r:embed="rId7"/>
+          <a:stretch>
+            <a:fillRect/>
+          </a:stretch>
+        </p:blipFill>
+        <p:spPr>
+          <a:xfrm>
+            <a:off x="981267" y="4480366"/>
+            <a:ext cx="292100" cy="355600"/>
+          </a:xfrm>
+          <a:prstGeom prst="rect">
+            <a:avLst/>
+          </a:prstGeom>
+        </p:spPr>
+      </p:pic>
+      <p:pic>
+        <p:nvPicPr>
+          <p:cNvPr id="17" name="Picture 16">
+            <a:extLst>
+              <a:ext uri="{FF2B5EF4-FFF2-40B4-BE49-F238E27FC236}">
+                <a16:creationId xmlns:a16="http://schemas.microsoft.com/office/drawing/2014/main" id="{A2458A78-33F7-F997-2DDD-89466C8525FB}"/>
+              </a:ext>
+            </a:extLst>
+          </p:cNvPr>
+          <p:cNvPicPr>
+            <a:picLocks noChangeAspect="1"/>
+          </p:cNvPicPr>
+          <p:nvPr/>
+        </p:nvPicPr>
+        <p:blipFill>
+          <a:blip r:embed="rId8"/>
+          <a:stretch>
+            <a:fillRect/>
+          </a:stretch>
+        </p:blipFill>
+        <p:spPr>
+          <a:xfrm>
+            <a:off x="975171" y="5477608"/>
+            <a:ext cx="419100" cy="355600"/>
+          </a:xfrm>
+          <a:prstGeom prst="rect">
+            <a:avLst/>
+          </a:prstGeom>
+        </p:spPr>
+      </p:pic>
+      <p:pic>
+        <p:nvPicPr>
+          <p:cNvPr id="18" name="Picture 17">
+            <a:extLst>
+              <a:ext uri="{FF2B5EF4-FFF2-40B4-BE49-F238E27FC236}">
+                <a16:creationId xmlns:a16="http://schemas.microsoft.com/office/drawing/2014/main" id="{B7C6E578-91CB-D27E-F093-DE74D55536BE}"/>
+              </a:ext>
+            </a:extLst>
+          </p:cNvPr>
+          <p:cNvPicPr>
+            <a:picLocks noChangeAspect="1"/>
+          </p:cNvPicPr>
+          <p:nvPr/>
+        </p:nvPicPr>
+        <p:blipFill>
+          <a:blip r:embed="rId9"/>
+          <a:stretch>
+            <a:fillRect/>
+          </a:stretch>
+        </p:blipFill>
+        <p:spPr>
+          <a:xfrm>
+            <a:off x="949325" y="4975757"/>
+            <a:ext cx="825500" cy="355600"/>
+          </a:xfrm>
+          <a:prstGeom prst="rect">
+            <a:avLst/>
+          </a:prstGeom>
+        </p:spPr>
+      </p:pic>
+      <p:pic>
+        <p:nvPicPr>
+          <p:cNvPr id="19" name="Picture 18">
+            <a:extLst>
+              <a:ext uri="{FF2B5EF4-FFF2-40B4-BE49-F238E27FC236}">
+                <a16:creationId xmlns:a16="http://schemas.microsoft.com/office/drawing/2014/main" id="{1F9BB111-A447-697F-C1DE-9396011FD837}"/>
+              </a:ext>
+            </a:extLst>
+          </p:cNvPr>
+          <p:cNvPicPr>
+            <a:picLocks noChangeAspect="1"/>
+          </p:cNvPicPr>
+          <p:nvPr/>
+        </p:nvPicPr>
+        <p:blipFill>
+          <a:blip r:embed="rId10"/>
+          <a:stretch>
+            <a:fillRect/>
+          </a:stretch>
+        </p:blipFill>
+        <p:spPr>
+          <a:xfrm>
+            <a:off x="6433724" y="3444651"/>
+            <a:ext cx="254000" cy="431800"/>
+          </a:xfrm>
+          <a:prstGeom prst="rect">
+            <a:avLst/>
+          </a:prstGeom>
+        </p:spPr>
+      </p:pic>
+      <p:sp>
+        <p:nvSpPr>
+          <p:cNvPr id="20" name="TextBox 19">
+            <a:extLst>
+              <a:ext uri="{FF2B5EF4-FFF2-40B4-BE49-F238E27FC236}">
+                <a16:creationId xmlns:a16="http://schemas.microsoft.com/office/drawing/2014/main" id="{17C0811D-EB24-235D-F0AF-184910009456}"/>
+              </a:ext>
+            </a:extLst>
+          </p:cNvPr>
+          <p:cNvSpPr txBox="1"/>
+          <p:nvPr/>
+        </p:nvSpPr>
+        <p:spPr>
+          <a:xfrm>
+            <a:off x="1362075" y="3440173"/>
+            <a:ext cx="1834156" cy="369332"/>
+          </a:xfrm>
+          <a:prstGeom prst="rect">
+            <a:avLst/>
+          </a:prstGeom>
+          <a:noFill/>
+        </p:spPr>
+        <p:txBody>
+          <a:bodyPr wrap="none" rtlCol="0">
+            <a:spAutoFit/>
+          </a:bodyPr>
+          <a:lstStyle/>
+          <a:p>
+            <a:r>
+              <a:rPr lang="en-US" dirty="0"/>
+              <a:t>: Number of TFs</a:t>
+            </a:r>
+          </a:p>
+        </p:txBody>
+      </p:sp>
+      <p:sp>
+        <p:nvSpPr>
+          <p:cNvPr id="21" name="TextBox 20">
+            <a:extLst>
+              <a:ext uri="{FF2B5EF4-FFF2-40B4-BE49-F238E27FC236}">
+                <a16:creationId xmlns:a16="http://schemas.microsoft.com/office/drawing/2014/main" id="{7CBC1310-CE63-1B35-1AC1-04D81C332586}"/>
+              </a:ext>
+            </a:extLst>
+          </p:cNvPr>
+          <p:cNvSpPr txBox="1"/>
+          <p:nvPr/>
+        </p:nvSpPr>
+        <p:spPr>
+          <a:xfrm>
+            <a:off x="1296037" y="3980050"/>
+            <a:ext cx="4371710" cy="369332"/>
+          </a:xfrm>
+          <a:prstGeom prst="rect">
+            <a:avLst/>
+          </a:prstGeom>
+          <a:noFill/>
+        </p:spPr>
+        <p:txBody>
+          <a:bodyPr wrap="none" rtlCol="0">
+            <a:spAutoFit/>
+          </a:bodyPr>
+          <a:lstStyle/>
+          <a:p>
+            <a:r>
+              <a:rPr lang="en-US" dirty="0"/>
+              <a:t>: Average Latency Requirement of all TFs</a:t>
+            </a:r>
+          </a:p>
+        </p:txBody>
+      </p:sp>
+      <p:sp>
+        <p:nvSpPr>
+          <p:cNvPr id="22" name="TextBox 21">
+            <a:extLst>
+              <a:ext uri="{FF2B5EF4-FFF2-40B4-BE49-F238E27FC236}">
+                <a16:creationId xmlns:a16="http://schemas.microsoft.com/office/drawing/2014/main" id="{AA5427FD-8815-1CE2-9606-F9DB90AB0EA2}"/>
+              </a:ext>
+            </a:extLst>
+          </p:cNvPr>
+          <p:cNvSpPr txBox="1"/>
+          <p:nvPr/>
+        </p:nvSpPr>
+        <p:spPr>
+          <a:xfrm>
+            <a:off x="1273367" y="4460174"/>
+            <a:ext cx="4323620" cy="369332"/>
+          </a:xfrm>
+          <a:prstGeom prst="rect">
+            <a:avLst/>
+          </a:prstGeom>
+          <a:noFill/>
+        </p:spPr>
+        <p:txBody>
+          <a:bodyPr wrap="none" rtlCol="0">
+            <a:spAutoFit/>
+          </a:bodyPr>
+          <a:lstStyle/>
+          <a:p>
+            <a:r>
+              <a:rPr lang="en-US" dirty="0"/>
+              <a:t>: Average Transmission Period of all TFs</a:t>
+            </a:r>
+          </a:p>
+        </p:txBody>
+      </p:sp>
+      <p:sp>
+        <p:nvSpPr>
+          <p:cNvPr id="23" name="TextBox 22">
+            <a:extLst>
+              <a:ext uri="{FF2B5EF4-FFF2-40B4-BE49-F238E27FC236}">
+                <a16:creationId xmlns:a16="http://schemas.microsoft.com/office/drawing/2014/main" id="{C046B444-FD5F-2721-6FE9-C582276575A8}"/>
+              </a:ext>
+            </a:extLst>
+          </p:cNvPr>
+          <p:cNvSpPr txBox="1"/>
+          <p:nvPr/>
+        </p:nvSpPr>
+        <p:spPr>
+          <a:xfrm>
+            <a:off x="1764304" y="4974156"/>
+            <a:ext cx="2903359" cy="369332"/>
+          </a:xfrm>
+          <a:prstGeom prst="rect">
+            <a:avLst/>
+          </a:prstGeom>
+          <a:noFill/>
+        </p:spPr>
+        <p:txBody>
+          <a:bodyPr wrap="none" rtlCol="0">
+            <a:spAutoFit/>
+          </a:bodyPr>
+          <a:lstStyle/>
+          <a:p>
+            <a:r>
+              <a:rPr lang="en-US" dirty="0"/>
+              <a:t>: Maximum number of RBs</a:t>
+            </a:r>
+          </a:p>
+        </p:txBody>
+      </p:sp>
+      <p:sp>
+        <p:nvSpPr>
+          <p:cNvPr id="24" name="TextBox 23">
+            <a:extLst>
+              <a:ext uri="{FF2B5EF4-FFF2-40B4-BE49-F238E27FC236}">
+                <a16:creationId xmlns:a16="http://schemas.microsoft.com/office/drawing/2014/main" id="{C9929806-CC4D-E253-82C0-66F998B09A54}"/>
+              </a:ext>
+            </a:extLst>
+          </p:cNvPr>
+          <p:cNvSpPr txBox="1"/>
+          <p:nvPr/>
+        </p:nvSpPr>
+        <p:spPr>
+          <a:xfrm>
+            <a:off x="1416941" y="5459617"/>
+            <a:ext cx="1550424" cy="369332"/>
+          </a:xfrm>
+          <a:prstGeom prst="rect">
+            <a:avLst/>
+          </a:prstGeom>
+          <a:noFill/>
+        </p:spPr>
+        <p:txBody>
+          <a:bodyPr wrap="none" rtlCol="0">
+            <a:spAutoFit/>
+          </a:bodyPr>
+          <a:lstStyle/>
+          <a:p>
+            <a:r>
+              <a:rPr lang="en-US" dirty="0"/>
+              <a:t>: </a:t>
+            </a:r>
+            <a:r>
+              <a:rPr lang="en-US" dirty="0" err="1"/>
+              <a:t>Hyperperiod</a:t>
+            </a:r>
+            <a:endParaRPr lang="en-US" dirty="0"/>
+          </a:p>
+        </p:txBody>
+      </p:sp>
+      <p:sp>
+        <p:nvSpPr>
+          <p:cNvPr id="25" name="TextBox 24">
+            <a:extLst>
+              <a:ext uri="{FF2B5EF4-FFF2-40B4-BE49-F238E27FC236}">
+                <a16:creationId xmlns:a16="http://schemas.microsoft.com/office/drawing/2014/main" id="{6CF8C67F-6028-A245-CBEE-D5CC8B1EB13F}"/>
+              </a:ext>
+            </a:extLst>
+          </p:cNvPr>
+          <p:cNvSpPr txBox="1"/>
+          <p:nvPr/>
+        </p:nvSpPr>
+        <p:spPr>
+          <a:xfrm>
+            <a:off x="6687724" y="3457199"/>
+            <a:ext cx="4440639" cy="369332"/>
+          </a:xfrm>
+          <a:prstGeom prst="rect">
+            <a:avLst/>
+          </a:prstGeom>
+          <a:noFill/>
+        </p:spPr>
+        <p:txBody>
+          <a:bodyPr wrap="none" rtlCol="0">
+            <a:spAutoFit/>
+          </a:bodyPr>
+          <a:lstStyle/>
+          <a:p>
+            <a:r>
+              <a:rPr lang="en-US" dirty="0"/>
+              <a:t>: Average number of packets for given HP</a:t>
+            </a:r>
+          </a:p>
+        </p:txBody>
+      </p:sp>
     </p:spTree>
     <p:extLst>
       <p:ext uri="{BB962C8B-B14F-4D97-AF65-F5344CB8AC3E}">
@@ -37578,7 +37648,7 @@
 </p:sld>
 </file>
 
-<file path=ppt/slides/slide35.xml><?xml version="1.0" encoding="utf-8"?>
+<file path=ppt/slides/slide33.xml><?xml version="1.0" encoding="utf-8"?>
 <p:sld xmlns:a="http://schemas.openxmlformats.org/drawingml/2006/main" xmlns:r="http://schemas.openxmlformats.org/officeDocument/2006/relationships" xmlns:p="http://schemas.openxmlformats.org/presentationml/2006/main">
   <p:cSld>
     <p:spTree>
@@ -37631,6 +37701,67 @@
       </p:sp>
       <p:sp>
         <p:nvSpPr>
+          <p:cNvPr id="8" name="Content Placeholder 7">
+            <a:extLst>
+              <a:ext uri="{FF2B5EF4-FFF2-40B4-BE49-F238E27FC236}">
+                <a16:creationId xmlns:a16="http://schemas.microsoft.com/office/drawing/2014/main" id="{4314CA90-94FB-039A-8203-AA8AAF866231}"/>
+              </a:ext>
+            </a:extLst>
+          </p:cNvPr>
+          <p:cNvSpPr>
+            <a:spLocks noGrp="1"/>
+          </p:cNvSpPr>
+          <p:nvPr>
+            <p:ph idx="1"/>
+          </p:nvPr>
+        </p:nvSpPr>
+        <p:spPr/>
+        <p:txBody>
+          <a:bodyPr/>
+          <a:lstStyle/>
+          <a:p>
+            <a:r>
+              <a:rPr lang="en-US" dirty="0"/>
+              <a:t>Single Configuration: Co1</a:t>
+            </a:r>
+          </a:p>
+        </p:txBody>
+      </p:sp>
+      <p:sp>
+        <p:nvSpPr>
+          <p:cNvPr id="10" name="Content Placeholder 9">
+            <a:extLst>
+              <a:ext uri="{FF2B5EF4-FFF2-40B4-BE49-F238E27FC236}">
+                <a16:creationId xmlns:a16="http://schemas.microsoft.com/office/drawing/2014/main" id="{F0F4F9FD-5B26-ED7B-1790-C8FE036DD82B}"/>
+              </a:ext>
+            </a:extLst>
+          </p:cNvPr>
+          <p:cNvSpPr>
+            <a:spLocks noGrp="1"/>
+          </p:cNvSpPr>
+          <p:nvPr>
+            <p:ph idx="15"/>
+          </p:nvPr>
+        </p:nvSpPr>
+        <p:spPr/>
+        <p:txBody>
+          <a:bodyPr/>
+          <a:lstStyle/>
+          <a:p>
+            <a:r>
+              <a:rPr lang="en-US" dirty="0"/>
+              <a:t>Unlimited Configurations: </a:t>
+            </a:r>
+            <a:r>
+              <a:rPr lang="en-US" dirty="0" err="1"/>
+              <a:t>CoU</a:t>
+            </a:r>
+            <a:endParaRPr lang="en-US" dirty="0"/>
+          </a:p>
+        </p:txBody>
+      </p:sp>
+      <p:sp>
+        <p:nvSpPr>
           <p:cNvPr id="4" name="Footer Placeholder 3">
             <a:extLst>
               <a:ext uri="{FF2B5EF4-FFF2-40B4-BE49-F238E27FC236}">
@@ -37680,8 +37811,38 @@
         </p:blipFill>
         <p:spPr>
           <a:xfrm>
-            <a:off x="6239620" y="1438538"/>
-            <a:ext cx="5643770" cy="4547734"/>
+            <a:off x="6765070" y="2615684"/>
+            <a:ext cx="4137532" cy="3334012"/>
+          </a:xfrm>
+          <a:prstGeom prst="rect">
+            <a:avLst/>
+          </a:prstGeom>
+        </p:spPr>
+      </p:pic>
+      <p:pic>
+        <p:nvPicPr>
+          <p:cNvPr id="5" name="Picture 4">
+            <a:extLst>
+              <a:ext uri="{FF2B5EF4-FFF2-40B4-BE49-F238E27FC236}">
+                <a16:creationId xmlns:a16="http://schemas.microsoft.com/office/drawing/2014/main" id="{E00D20D0-3A3B-61E4-C150-A2D5B786CFD8}"/>
+              </a:ext>
+            </a:extLst>
+          </p:cNvPr>
+          <p:cNvPicPr>
+            <a:picLocks noChangeAspect="1"/>
+          </p:cNvPicPr>
+          <p:nvPr/>
+        </p:nvPicPr>
+        <p:blipFill>
+          <a:blip r:embed="rId4"/>
+          <a:stretch>
+            <a:fillRect/>
+          </a:stretch>
+        </p:blipFill>
+        <p:spPr>
+          <a:xfrm>
+            <a:off x="230086" y="2973780"/>
+            <a:ext cx="5768377" cy="2178677"/>
           </a:xfrm>
           <a:prstGeom prst="rect">
             <a:avLst/>
@@ -37701,7 +37862,7 @@
 </p:sld>
 </file>
 
-<file path=ppt/slides/slide36.xml><?xml version="1.0" encoding="utf-8"?>
+<file path=ppt/slides/slide34.xml><?xml version="1.0" encoding="utf-8"?>
 <p:sld xmlns:a="http://schemas.openxmlformats.org/drawingml/2006/main" xmlns:r="http://schemas.openxmlformats.org/officeDocument/2006/relationships" xmlns:p="http://schemas.openxmlformats.org/presentationml/2006/main">
   <p:cSld>
     <p:spTree>
@@ -37790,7 +37951,7 @@
 </p:sld>
 </file>
 
-<file path=ppt/slides/slide37.xml><?xml version="1.0" encoding="utf-8"?>
+<file path=ppt/slides/slide35.xml><?xml version="1.0" encoding="utf-8"?>
 <p:sld xmlns:a="http://schemas.openxmlformats.org/drawingml/2006/main" xmlns:r="http://schemas.openxmlformats.org/officeDocument/2006/relationships" xmlns:p="http://schemas.openxmlformats.org/presentationml/2006/main">
   <p:cSld>
     <p:spTree>
@@ -38263,7 +38424,7 @@
 </p:sld>
 </file>
 
-<file path=ppt/slides/slide38.xml><?xml version="1.0" encoding="utf-8"?>
+<file path=ppt/slides/slide36.xml><?xml version="1.0" encoding="utf-8"?>
 <p:sld xmlns:a="http://schemas.openxmlformats.org/drawingml/2006/main" xmlns:r="http://schemas.openxmlformats.org/officeDocument/2006/relationships" xmlns:p="http://schemas.openxmlformats.org/presentationml/2006/main">
   <p:cSld>
     <p:spTree>
@@ -38499,7 +38660,7 @@
 </p:sld>
 </file>
 
-<file path=ppt/slides/slide39.xml><?xml version="1.0" encoding="utf-8"?>
+<file path=ppt/slides/slide37.xml><?xml version="1.0" encoding="utf-8"?>
 <p:sld xmlns:a="http://schemas.openxmlformats.org/drawingml/2006/main" xmlns:r="http://schemas.openxmlformats.org/officeDocument/2006/relationships" xmlns:p="http://schemas.openxmlformats.org/presentationml/2006/main">
   <p:cSld>
     <p:spTree>
@@ -38732,6 +38893,396 @@
     <p:extLst>
       <p:ext uri="{BB962C8B-B14F-4D97-AF65-F5344CB8AC3E}">
         <p14:creationId xmlns:p14="http://schemas.microsoft.com/office/powerpoint/2010/main" val="720904323"/>
+      </p:ext>
+    </p:extLst>
+  </p:cSld>
+  <p:clrMapOvr>
+    <a:masterClrMapping/>
+  </p:clrMapOvr>
+</p:sld>
+</file>
+
+<file path=ppt/slides/slide38.xml><?xml version="1.0" encoding="utf-8"?>
+<p:sld xmlns:a="http://schemas.openxmlformats.org/drawingml/2006/main" xmlns:r="http://schemas.openxmlformats.org/officeDocument/2006/relationships" xmlns:p="http://schemas.openxmlformats.org/presentationml/2006/main">
+  <p:cSld>
+    <p:spTree>
+      <p:nvGrpSpPr>
+        <p:cNvPr id="1" name="">
+          <a:extLst>
+            <a:ext uri="{FF2B5EF4-FFF2-40B4-BE49-F238E27FC236}">
+              <a16:creationId xmlns:a16="http://schemas.microsoft.com/office/drawing/2014/main" id="{9956DDF2-4460-13E9-0E9D-A8ADC6F5E4F0}"/>
+            </a:ext>
+          </a:extLst>
+        </p:cNvPr>
+        <p:cNvGrpSpPr/>
+        <p:nvPr/>
+      </p:nvGrpSpPr>
+      <p:grpSpPr>
+        <a:xfrm>
+          <a:off x="0" y="0"/>
+          <a:ext cx="0" cy="0"/>
+          <a:chOff x="0" y="0"/>
+          <a:chExt cx="0" cy="0"/>
+        </a:xfrm>
+      </p:grpSpPr>
+      <p:sp>
+        <p:nvSpPr>
+          <p:cNvPr id="2" name="Title 1">
+            <a:extLst>
+              <a:ext uri="{FF2B5EF4-FFF2-40B4-BE49-F238E27FC236}">
+                <a16:creationId xmlns:a16="http://schemas.microsoft.com/office/drawing/2014/main" id="{20CACFF8-381E-F5C1-0151-D5A6E776ADFB}"/>
+              </a:ext>
+            </a:extLst>
+          </p:cNvPr>
+          <p:cNvSpPr>
+            <a:spLocks noGrp="1"/>
+          </p:cNvSpPr>
+          <p:nvPr>
+            <p:ph type="title"/>
+          </p:nvPr>
+        </p:nvSpPr>
+        <p:spPr/>
+        <p:txBody>
+          <a:bodyPr/>
+          <a:lstStyle/>
+          <a:p>
+            <a:r>
+              <a:rPr lang="en-US" dirty="0"/>
+              <a:t>Small Scale Systems: Procedure</a:t>
+            </a:r>
+          </a:p>
+        </p:txBody>
+      </p:sp>
+      <p:sp>
+        <p:nvSpPr>
+          <p:cNvPr id="3" name="Content Placeholder 2">
+            <a:extLst>
+              <a:ext uri="{FF2B5EF4-FFF2-40B4-BE49-F238E27FC236}">
+                <a16:creationId xmlns:a16="http://schemas.microsoft.com/office/drawing/2014/main" id="{5DB6D063-E626-8464-E49A-5B6E3D010C7A}"/>
+              </a:ext>
+            </a:extLst>
+          </p:cNvPr>
+          <p:cNvSpPr>
+            <a:spLocks noGrp="1"/>
+          </p:cNvSpPr>
+          <p:nvPr>
+            <p:ph idx="10"/>
+          </p:nvPr>
+        </p:nvSpPr>
+        <p:spPr/>
+        <p:txBody>
+          <a:bodyPr>
+            <a:normAutofit fontScale="85000" lnSpcReduction="20000"/>
+          </a:bodyPr>
+          <a:lstStyle/>
+          <a:p>
+            <a:pPr marL="0" indent="0">
+              <a:buNone/>
+            </a:pPr>
+            <a:r>
+              <a:rPr lang="en-US" b="1" dirty="0"/>
+              <a:t>Traffic Flow 4 tuple: </a:t>
+            </a:r>
+          </a:p>
+          <a:p>
+            <a:pPr marL="0" indent="0">
+              <a:buNone/>
+            </a:pPr>
+            <a:r>
+              <a:rPr lang="en-US" sz="1400" dirty="0"/>
+              <a:t>&lt;[minimum initial offset (</a:t>
+            </a:r>
+            <a:r>
+              <a:rPr lang="en-US" sz="1400" dirty="0" err="1"/>
+              <a:t>ms</a:t>
+            </a:r>
+            <a:r>
+              <a:rPr lang="en-US" sz="1400" dirty="0"/>
+              <a:t>), maximum initial offset (</a:t>
+            </a:r>
+            <a:r>
+              <a:rPr lang="en-US" sz="1400" dirty="0" err="1"/>
+              <a:t>ms</a:t>
+            </a:r>
+            <a:r>
+              <a:rPr lang="en-US" sz="1400" dirty="0"/>
+              <a:t>)], transmission period (</a:t>
+            </a:r>
+            <a:r>
+              <a:rPr lang="en-US" sz="1400" dirty="0" err="1"/>
+              <a:t>ms</a:t>
+            </a:r>
+            <a:r>
+              <a:rPr lang="en-US" sz="1400" dirty="0"/>
+              <a:t>), payload (bytes), latency requirement (</a:t>
+            </a:r>
+            <a:r>
+              <a:rPr lang="en-US" sz="1400" dirty="0" err="1"/>
+              <a:t>ms</a:t>
+            </a:r>
+            <a:r>
+              <a:rPr lang="en-US" sz="1400" dirty="0"/>
+              <a:t>)&gt;</a:t>
+            </a:r>
+          </a:p>
+          <a:p>
+            <a:pPr marL="0" indent="0">
+              <a:buNone/>
+            </a:pPr>
+            <a:endParaRPr lang="en-US" sz="1400" dirty="0"/>
+          </a:p>
+          <a:p>
+            <a:pPr marL="0" indent="0">
+              <a:buNone/>
+            </a:pPr>
+            <a:r>
+              <a:rPr lang="en-US" b="1" dirty="0"/>
+              <a:t>Three random selections</a:t>
+            </a:r>
+            <a:r>
+              <a:rPr lang="en-US" dirty="0"/>
+              <a:t>:</a:t>
+            </a:r>
+          </a:p>
+          <a:p>
+            <a:pPr lvl="1"/>
+            <a:r>
+              <a:rPr lang="en-US" dirty="0"/>
+              <a:t>&lt;[0, 1], 1, 20, 1&gt;</a:t>
+            </a:r>
+          </a:p>
+          <a:p>
+            <a:pPr lvl="1"/>
+            <a:r>
+              <a:rPr lang="en-US" dirty="0"/>
+              <a:t>&lt;[0, 1], 2, 30, 1&gt;</a:t>
+            </a:r>
+          </a:p>
+          <a:p>
+            <a:pPr lvl="1"/>
+            <a:r>
+              <a:rPr lang="en-US" dirty="0"/>
+              <a:t>&lt;[0, 2], 3, 50, 1&gt;</a:t>
+            </a:r>
+          </a:p>
+          <a:p>
+            <a:pPr lvl="1"/>
+            <a:r>
+              <a:rPr lang="en-US" dirty="0"/>
+              <a:t>&lt;[0, 2], 5, 80, 1&gt;</a:t>
+            </a:r>
+          </a:p>
+          <a:p>
+            <a:pPr marL="0" indent="0">
+              <a:buNone/>
+            </a:pPr>
+            <a:endParaRPr lang="en-US" dirty="0"/>
+          </a:p>
+          <a:p>
+            <a:pPr marL="0" indent="0">
+              <a:buNone/>
+            </a:pPr>
+            <a:r>
+              <a:rPr lang="en-US" b="1" dirty="0"/>
+              <a:t>MARB: </a:t>
+            </a:r>
+            <a:r>
+              <a:rPr lang="en-US" dirty="0"/>
+              <a:t>200</a:t>
+            </a:r>
+          </a:p>
+          <a:p>
+            <a:pPr marL="0" indent="0">
+              <a:buNone/>
+            </a:pPr>
+            <a:r>
+              <a:rPr lang="en-US" b="1" dirty="0"/>
+              <a:t>SNR: </a:t>
+            </a:r>
+            <a:r>
+              <a:rPr lang="en-US" dirty="0"/>
+              <a:t>[2,20] dB applied to each TF</a:t>
+            </a:r>
+          </a:p>
+          <a:p>
+            <a:pPr marL="0" indent="0">
+              <a:buNone/>
+            </a:pPr>
+            <a:r>
+              <a:rPr lang="en-US" dirty="0"/>
+              <a:t>200 test cases for each algo</a:t>
+            </a:r>
+          </a:p>
+          <a:p>
+            <a:pPr marL="0" indent="0">
+              <a:buNone/>
+            </a:pPr>
+            <a:endParaRPr lang="en-US" dirty="0"/>
+          </a:p>
+          <a:p>
+            <a:pPr marL="0" indent="0">
+              <a:buNone/>
+            </a:pPr>
+            <a:endParaRPr lang="en-US" dirty="0"/>
+          </a:p>
+        </p:txBody>
+      </p:sp>
+      <p:sp>
+        <p:nvSpPr>
+          <p:cNvPr id="4" name="Footer Placeholder 3">
+            <a:extLst>
+              <a:ext uri="{FF2B5EF4-FFF2-40B4-BE49-F238E27FC236}">
+                <a16:creationId xmlns:a16="http://schemas.microsoft.com/office/drawing/2014/main" id="{6A4A6B84-AFED-1409-A918-B1CD202A4D53}"/>
+              </a:ext>
+            </a:extLst>
+          </p:cNvPr>
+          <p:cNvSpPr>
+            <a:spLocks noGrp="1"/>
+          </p:cNvSpPr>
+          <p:nvPr>
+            <p:ph type="ftr" sz="quarter" idx="3"/>
+          </p:nvPr>
+        </p:nvSpPr>
+        <p:spPr/>
+        <p:txBody>
+          <a:bodyPr/>
+          <a:lstStyle/>
+          <a:p>
+            <a:r>
+              <a:rPr lang="en-US"/>
+              <a:t>Topics In Computer Science II: Real-Time Cyber-Physical Systems | Fall 2025</a:t>
+            </a:r>
+            <a:endParaRPr lang="en-US" b="0" dirty="0"/>
+          </a:p>
+        </p:txBody>
+      </p:sp>
+    </p:spTree>
+    <p:extLst>
+      <p:ext uri="{BB962C8B-B14F-4D97-AF65-F5344CB8AC3E}">
+        <p14:creationId xmlns:p14="http://schemas.microsoft.com/office/powerpoint/2010/main" val="2973482712"/>
+      </p:ext>
+    </p:extLst>
+  </p:cSld>
+  <p:clrMapOvr>
+    <a:masterClrMapping/>
+  </p:clrMapOvr>
+</p:sld>
+</file>
+
+<file path=ppt/slides/slide39.xml><?xml version="1.0" encoding="utf-8"?>
+<p:sld xmlns:a="http://schemas.openxmlformats.org/drawingml/2006/main" xmlns:r="http://schemas.openxmlformats.org/officeDocument/2006/relationships" xmlns:p="http://schemas.openxmlformats.org/presentationml/2006/main">
+  <p:cSld>
+    <p:spTree>
+      <p:nvGrpSpPr>
+        <p:cNvPr id="1" name="">
+          <a:extLst>
+            <a:ext uri="{FF2B5EF4-FFF2-40B4-BE49-F238E27FC236}">
+              <a16:creationId xmlns:a16="http://schemas.microsoft.com/office/drawing/2014/main" id="{9A0E507D-1FA7-4834-B095-46C2FA5434AA}"/>
+            </a:ext>
+          </a:extLst>
+        </p:cNvPr>
+        <p:cNvGrpSpPr/>
+        <p:nvPr/>
+      </p:nvGrpSpPr>
+      <p:grpSpPr>
+        <a:xfrm>
+          <a:off x="0" y="0"/>
+          <a:ext cx="0" cy="0"/>
+          <a:chOff x="0" y="0"/>
+          <a:chExt cx="0" cy="0"/>
+        </a:xfrm>
+      </p:grpSpPr>
+      <p:sp>
+        <p:nvSpPr>
+          <p:cNvPr id="2" name="Title 1">
+            <a:extLst>
+              <a:ext uri="{FF2B5EF4-FFF2-40B4-BE49-F238E27FC236}">
+                <a16:creationId xmlns:a16="http://schemas.microsoft.com/office/drawing/2014/main" id="{5888893F-FF4E-5A18-5292-DC9DCAC0FF5D}"/>
+              </a:ext>
+            </a:extLst>
+          </p:cNvPr>
+          <p:cNvSpPr>
+            <a:spLocks noGrp="1"/>
+          </p:cNvSpPr>
+          <p:nvPr>
+            <p:ph type="title"/>
+          </p:nvPr>
+        </p:nvSpPr>
+        <p:spPr/>
+        <p:txBody>
+          <a:bodyPr/>
+          <a:lstStyle/>
+          <a:p>
+            <a:r>
+              <a:rPr lang="en-US" dirty="0"/>
+              <a:t>Small Scale Systems</a:t>
+            </a:r>
+          </a:p>
+        </p:txBody>
+      </p:sp>
+      <p:sp>
+        <p:nvSpPr>
+          <p:cNvPr id="5" name="Footer Placeholder 4">
+            <a:extLst>
+              <a:ext uri="{FF2B5EF4-FFF2-40B4-BE49-F238E27FC236}">
+                <a16:creationId xmlns:a16="http://schemas.microsoft.com/office/drawing/2014/main" id="{03D7E1CE-2CB2-543B-71F7-23BC7F5BAFB4}"/>
+              </a:ext>
+            </a:extLst>
+          </p:cNvPr>
+          <p:cNvSpPr>
+            <a:spLocks noGrp="1"/>
+          </p:cNvSpPr>
+          <p:nvPr>
+            <p:ph type="ftr" sz="quarter" idx="3"/>
+          </p:nvPr>
+        </p:nvSpPr>
+        <p:spPr/>
+        <p:txBody>
+          <a:bodyPr/>
+          <a:lstStyle/>
+          <a:p>
+            <a:r>
+              <a:rPr lang="en-US"/>
+              <a:t>Topics In Computer Science II: Real-Time Cyber-Physical Systems | Fall 2025</a:t>
+            </a:r>
+            <a:endParaRPr lang="en-US" b="0" dirty="0"/>
+          </a:p>
+        </p:txBody>
+      </p:sp>
+      <p:pic>
+        <p:nvPicPr>
+          <p:cNvPr id="3" name="Picture 2">
+            <a:extLst>
+              <a:ext uri="{FF2B5EF4-FFF2-40B4-BE49-F238E27FC236}">
+                <a16:creationId xmlns:a16="http://schemas.microsoft.com/office/drawing/2014/main" id="{B0AD64D5-06E2-1AEC-EFC2-8F37BB1C6BBE}"/>
+              </a:ext>
+            </a:extLst>
+          </p:cNvPr>
+          <p:cNvPicPr>
+            <a:picLocks noChangeAspect="1"/>
+          </p:cNvPicPr>
+          <p:nvPr/>
+        </p:nvPicPr>
+        <p:blipFill>
+          <a:blip r:embed="rId3"/>
+          <a:stretch>
+            <a:fillRect/>
+          </a:stretch>
+        </p:blipFill>
+        <p:spPr>
+          <a:xfrm>
+            <a:off x="371657" y="1548134"/>
+            <a:ext cx="11448685" cy="4523731"/>
+          </a:xfrm>
+          <a:prstGeom prst="rect">
+            <a:avLst/>
+          </a:prstGeom>
+        </p:spPr>
+      </p:pic>
+    </p:spTree>
+    <p:extLst>
+      <p:ext uri="{BB962C8B-B14F-4D97-AF65-F5344CB8AC3E}">
+        <p14:creationId xmlns:p14="http://schemas.microsoft.com/office/powerpoint/2010/main" val="2929100961"/>
       </p:ext>
     </p:extLst>
   </p:cSld>
@@ -38909,396 +39460,6 @@
         <p:cNvPr id="1" name="">
           <a:extLst>
             <a:ext uri="{FF2B5EF4-FFF2-40B4-BE49-F238E27FC236}">
-              <a16:creationId xmlns:a16="http://schemas.microsoft.com/office/drawing/2014/main" id="{9956DDF2-4460-13E9-0E9D-A8ADC6F5E4F0}"/>
-            </a:ext>
-          </a:extLst>
-        </p:cNvPr>
-        <p:cNvGrpSpPr/>
-        <p:nvPr/>
-      </p:nvGrpSpPr>
-      <p:grpSpPr>
-        <a:xfrm>
-          <a:off x="0" y="0"/>
-          <a:ext cx="0" cy="0"/>
-          <a:chOff x="0" y="0"/>
-          <a:chExt cx="0" cy="0"/>
-        </a:xfrm>
-      </p:grpSpPr>
-      <p:sp>
-        <p:nvSpPr>
-          <p:cNvPr id="2" name="Title 1">
-            <a:extLst>
-              <a:ext uri="{FF2B5EF4-FFF2-40B4-BE49-F238E27FC236}">
-                <a16:creationId xmlns:a16="http://schemas.microsoft.com/office/drawing/2014/main" id="{20CACFF8-381E-F5C1-0151-D5A6E776ADFB}"/>
-              </a:ext>
-            </a:extLst>
-          </p:cNvPr>
-          <p:cNvSpPr>
-            <a:spLocks noGrp="1"/>
-          </p:cNvSpPr>
-          <p:nvPr>
-            <p:ph type="title"/>
-          </p:nvPr>
-        </p:nvSpPr>
-        <p:spPr/>
-        <p:txBody>
-          <a:bodyPr/>
-          <a:lstStyle/>
-          <a:p>
-            <a:r>
-              <a:rPr lang="en-US" dirty="0"/>
-              <a:t>Small Scale Systems: Procedure</a:t>
-            </a:r>
-          </a:p>
-        </p:txBody>
-      </p:sp>
-      <p:sp>
-        <p:nvSpPr>
-          <p:cNvPr id="3" name="Content Placeholder 2">
-            <a:extLst>
-              <a:ext uri="{FF2B5EF4-FFF2-40B4-BE49-F238E27FC236}">
-                <a16:creationId xmlns:a16="http://schemas.microsoft.com/office/drawing/2014/main" id="{5DB6D063-E626-8464-E49A-5B6E3D010C7A}"/>
-              </a:ext>
-            </a:extLst>
-          </p:cNvPr>
-          <p:cNvSpPr>
-            <a:spLocks noGrp="1"/>
-          </p:cNvSpPr>
-          <p:nvPr>
-            <p:ph idx="10"/>
-          </p:nvPr>
-        </p:nvSpPr>
-        <p:spPr/>
-        <p:txBody>
-          <a:bodyPr>
-            <a:normAutofit fontScale="85000" lnSpcReduction="20000"/>
-          </a:bodyPr>
-          <a:lstStyle/>
-          <a:p>
-            <a:pPr marL="0" indent="0">
-              <a:buNone/>
-            </a:pPr>
-            <a:r>
-              <a:rPr lang="en-US" b="1" dirty="0"/>
-              <a:t>Traffic Flow 4 tuple: </a:t>
-            </a:r>
-          </a:p>
-          <a:p>
-            <a:pPr marL="0" indent="0">
-              <a:buNone/>
-            </a:pPr>
-            <a:r>
-              <a:rPr lang="en-US" sz="1400" dirty="0"/>
-              <a:t>&lt;[minimum initial offset (</a:t>
-            </a:r>
-            <a:r>
-              <a:rPr lang="en-US" sz="1400" dirty="0" err="1"/>
-              <a:t>ms</a:t>
-            </a:r>
-            <a:r>
-              <a:rPr lang="en-US" sz="1400" dirty="0"/>
-              <a:t>), maximum initial offset (</a:t>
-            </a:r>
-            <a:r>
-              <a:rPr lang="en-US" sz="1400" dirty="0" err="1"/>
-              <a:t>ms</a:t>
-            </a:r>
-            <a:r>
-              <a:rPr lang="en-US" sz="1400" dirty="0"/>
-              <a:t>)], transmission period (</a:t>
-            </a:r>
-            <a:r>
-              <a:rPr lang="en-US" sz="1400" dirty="0" err="1"/>
-              <a:t>ms</a:t>
-            </a:r>
-            <a:r>
-              <a:rPr lang="en-US" sz="1400" dirty="0"/>
-              <a:t>), payload (bytes), latency requirement (</a:t>
-            </a:r>
-            <a:r>
-              <a:rPr lang="en-US" sz="1400" dirty="0" err="1"/>
-              <a:t>ms</a:t>
-            </a:r>
-            <a:r>
-              <a:rPr lang="en-US" sz="1400" dirty="0"/>
-              <a:t>)&gt;</a:t>
-            </a:r>
-          </a:p>
-          <a:p>
-            <a:pPr marL="0" indent="0">
-              <a:buNone/>
-            </a:pPr>
-            <a:endParaRPr lang="en-US" sz="1400" dirty="0"/>
-          </a:p>
-          <a:p>
-            <a:pPr marL="0" indent="0">
-              <a:buNone/>
-            </a:pPr>
-            <a:r>
-              <a:rPr lang="en-US" b="1" dirty="0"/>
-              <a:t>Three random selections</a:t>
-            </a:r>
-            <a:r>
-              <a:rPr lang="en-US" dirty="0"/>
-              <a:t>:</a:t>
-            </a:r>
-          </a:p>
-          <a:p>
-            <a:pPr lvl="1"/>
-            <a:r>
-              <a:rPr lang="en-US" dirty="0"/>
-              <a:t>&lt;[0, 1], 1, 20, 1&gt;</a:t>
-            </a:r>
-          </a:p>
-          <a:p>
-            <a:pPr lvl="1"/>
-            <a:r>
-              <a:rPr lang="en-US" dirty="0"/>
-              <a:t>&lt;[0, 1], 2, 30, 1&gt;</a:t>
-            </a:r>
-          </a:p>
-          <a:p>
-            <a:pPr lvl="1"/>
-            <a:r>
-              <a:rPr lang="en-US" dirty="0"/>
-              <a:t>&lt;[0, 2], 3, 50, 1&gt;</a:t>
-            </a:r>
-          </a:p>
-          <a:p>
-            <a:pPr lvl="1"/>
-            <a:r>
-              <a:rPr lang="en-US" dirty="0"/>
-              <a:t>&lt;[0, 2], 5, 80, 1&gt;</a:t>
-            </a:r>
-          </a:p>
-          <a:p>
-            <a:pPr marL="0" indent="0">
-              <a:buNone/>
-            </a:pPr>
-            <a:endParaRPr lang="en-US" dirty="0"/>
-          </a:p>
-          <a:p>
-            <a:pPr marL="0" indent="0">
-              <a:buNone/>
-            </a:pPr>
-            <a:r>
-              <a:rPr lang="en-US" b="1" dirty="0"/>
-              <a:t>MARB: </a:t>
-            </a:r>
-            <a:r>
-              <a:rPr lang="en-US" dirty="0"/>
-              <a:t>200</a:t>
-            </a:r>
-          </a:p>
-          <a:p>
-            <a:pPr marL="0" indent="0">
-              <a:buNone/>
-            </a:pPr>
-            <a:r>
-              <a:rPr lang="en-US" b="1" dirty="0"/>
-              <a:t>SNR: </a:t>
-            </a:r>
-            <a:r>
-              <a:rPr lang="en-US" dirty="0"/>
-              <a:t>[2,20] dB applied to each TF</a:t>
-            </a:r>
-          </a:p>
-          <a:p>
-            <a:pPr marL="0" indent="0">
-              <a:buNone/>
-            </a:pPr>
-            <a:r>
-              <a:rPr lang="en-US" dirty="0"/>
-              <a:t>200 test cases for each algo</a:t>
-            </a:r>
-          </a:p>
-          <a:p>
-            <a:pPr marL="0" indent="0">
-              <a:buNone/>
-            </a:pPr>
-            <a:endParaRPr lang="en-US" dirty="0"/>
-          </a:p>
-          <a:p>
-            <a:pPr marL="0" indent="0">
-              <a:buNone/>
-            </a:pPr>
-            <a:endParaRPr lang="en-US" dirty="0"/>
-          </a:p>
-        </p:txBody>
-      </p:sp>
-      <p:sp>
-        <p:nvSpPr>
-          <p:cNvPr id="4" name="Footer Placeholder 3">
-            <a:extLst>
-              <a:ext uri="{FF2B5EF4-FFF2-40B4-BE49-F238E27FC236}">
-                <a16:creationId xmlns:a16="http://schemas.microsoft.com/office/drawing/2014/main" id="{6A4A6B84-AFED-1409-A918-B1CD202A4D53}"/>
-              </a:ext>
-            </a:extLst>
-          </p:cNvPr>
-          <p:cNvSpPr>
-            <a:spLocks noGrp="1"/>
-          </p:cNvSpPr>
-          <p:nvPr>
-            <p:ph type="ftr" sz="quarter" idx="3"/>
-          </p:nvPr>
-        </p:nvSpPr>
-        <p:spPr/>
-        <p:txBody>
-          <a:bodyPr/>
-          <a:lstStyle/>
-          <a:p>
-            <a:r>
-              <a:rPr lang="en-US"/>
-              <a:t>Topics In Computer Science II: Real-Time Cyber-Physical Systems | Fall 2025</a:t>
-            </a:r>
-            <a:endParaRPr lang="en-US" b="0" dirty="0"/>
-          </a:p>
-        </p:txBody>
-      </p:sp>
-    </p:spTree>
-    <p:extLst>
-      <p:ext uri="{BB962C8B-B14F-4D97-AF65-F5344CB8AC3E}">
-        <p14:creationId xmlns:p14="http://schemas.microsoft.com/office/powerpoint/2010/main" val="2973482712"/>
-      </p:ext>
-    </p:extLst>
-  </p:cSld>
-  <p:clrMapOvr>
-    <a:masterClrMapping/>
-  </p:clrMapOvr>
-</p:sld>
-</file>
-
-<file path=ppt/slides/slide41.xml><?xml version="1.0" encoding="utf-8"?>
-<p:sld xmlns:a="http://schemas.openxmlformats.org/drawingml/2006/main" xmlns:r="http://schemas.openxmlformats.org/officeDocument/2006/relationships" xmlns:p="http://schemas.openxmlformats.org/presentationml/2006/main">
-  <p:cSld>
-    <p:spTree>
-      <p:nvGrpSpPr>
-        <p:cNvPr id="1" name="">
-          <a:extLst>
-            <a:ext uri="{FF2B5EF4-FFF2-40B4-BE49-F238E27FC236}">
-              <a16:creationId xmlns:a16="http://schemas.microsoft.com/office/drawing/2014/main" id="{9A0E507D-1FA7-4834-B095-46C2FA5434AA}"/>
-            </a:ext>
-          </a:extLst>
-        </p:cNvPr>
-        <p:cNvGrpSpPr/>
-        <p:nvPr/>
-      </p:nvGrpSpPr>
-      <p:grpSpPr>
-        <a:xfrm>
-          <a:off x="0" y="0"/>
-          <a:ext cx="0" cy="0"/>
-          <a:chOff x="0" y="0"/>
-          <a:chExt cx="0" cy="0"/>
-        </a:xfrm>
-      </p:grpSpPr>
-      <p:sp>
-        <p:nvSpPr>
-          <p:cNvPr id="2" name="Title 1">
-            <a:extLst>
-              <a:ext uri="{FF2B5EF4-FFF2-40B4-BE49-F238E27FC236}">
-                <a16:creationId xmlns:a16="http://schemas.microsoft.com/office/drawing/2014/main" id="{5888893F-FF4E-5A18-5292-DC9DCAC0FF5D}"/>
-              </a:ext>
-            </a:extLst>
-          </p:cNvPr>
-          <p:cNvSpPr>
-            <a:spLocks noGrp="1"/>
-          </p:cNvSpPr>
-          <p:nvPr>
-            <p:ph type="title"/>
-          </p:nvPr>
-        </p:nvSpPr>
-        <p:spPr/>
-        <p:txBody>
-          <a:bodyPr/>
-          <a:lstStyle/>
-          <a:p>
-            <a:r>
-              <a:rPr lang="en-US" dirty="0"/>
-              <a:t>Small Scale Systems</a:t>
-            </a:r>
-          </a:p>
-        </p:txBody>
-      </p:sp>
-      <p:sp>
-        <p:nvSpPr>
-          <p:cNvPr id="5" name="Footer Placeholder 4">
-            <a:extLst>
-              <a:ext uri="{FF2B5EF4-FFF2-40B4-BE49-F238E27FC236}">
-                <a16:creationId xmlns:a16="http://schemas.microsoft.com/office/drawing/2014/main" id="{03D7E1CE-2CB2-543B-71F7-23BC7F5BAFB4}"/>
-              </a:ext>
-            </a:extLst>
-          </p:cNvPr>
-          <p:cNvSpPr>
-            <a:spLocks noGrp="1"/>
-          </p:cNvSpPr>
-          <p:nvPr>
-            <p:ph type="ftr" sz="quarter" idx="3"/>
-          </p:nvPr>
-        </p:nvSpPr>
-        <p:spPr/>
-        <p:txBody>
-          <a:bodyPr/>
-          <a:lstStyle/>
-          <a:p>
-            <a:r>
-              <a:rPr lang="en-US"/>
-              <a:t>Topics In Computer Science II: Real-Time Cyber-Physical Systems | Fall 2025</a:t>
-            </a:r>
-            <a:endParaRPr lang="en-US" b="0" dirty="0"/>
-          </a:p>
-        </p:txBody>
-      </p:sp>
-      <p:pic>
-        <p:nvPicPr>
-          <p:cNvPr id="3" name="Picture 2">
-            <a:extLst>
-              <a:ext uri="{FF2B5EF4-FFF2-40B4-BE49-F238E27FC236}">
-                <a16:creationId xmlns:a16="http://schemas.microsoft.com/office/drawing/2014/main" id="{B0AD64D5-06E2-1AEC-EFC2-8F37BB1C6BBE}"/>
-              </a:ext>
-            </a:extLst>
-          </p:cNvPr>
-          <p:cNvPicPr>
-            <a:picLocks noChangeAspect="1"/>
-          </p:cNvPicPr>
-          <p:nvPr/>
-        </p:nvPicPr>
-        <p:blipFill>
-          <a:blip r:embed="rId3"/>
-          <a:stretch>
-            <a:fillRect/>
-          </a:stretch>
-        </p:blipFill>
-        <p:spPr>
-          <a:xfrm>
-            <a:off x="371657" y="1548134"/>
-            <a:ext cx="11448685" cy="4523731"/>
-          </a:xfrm>
-          <a:prstGeom prst="rect">
-            <a:avLst/>
-          </a:prstGeom>
-        </p:spPr>
-      </p:pic>
-    </p:spTree>
-    <p:extLst>
-      <p:ext uri="{BB962C8B-B14F-4D97-AF65-F5344CB8AC3E}">
-        <p14:creationId xmlns:p14="http://schemas.microsoft.com/office/powerpoint/2010/main" val="2929100961"/>
-      </p:ext>
-    </p:extLst>
-  </p:cSld>
-  <p:clrMapOvr>
-    <a:masterClrMapping/>
-  </p:clrMapOvr>
-</p:sld>
-</file>
-
-<file path=ppt/slides/slide42.xml><?xml version="1.0" encoding="utf-8"?>
-<p:sld xmlns:a="http://schemas.openxmlformats.org/drawingml/2006/main" xmlns:r="http://schemas.openxmlformats.org/officeDocument/2006/relationships" xmlns:p="http://schemas.openxmlformats.org/presentationml/2006/main">
-  <p:cSld>
-    <p:spTree>
-      <p:nvGrpSpPr>
-        <p:cNvPr id="1" name="">
-          <a:extLst>
-            <a:ext uri="{FF2B5EF4-FFF2-40B4-BE49-F238E27FC236}">
               <a16:creationId xmlns:a16="http://schemas.microsoft.com/office/drawing/2014/main" id="{F07B4F72-0C12-2794-BE01-CEB1E15E2AA9}"/>
             </a:ext>
           </a:extLst>
@@ -39385,7 +39546,7 @@
         </p:nvGrpSpPr>
         <p:grpSpPr>
           <a:xfrm>
-            <a:off x="3128128" y="1676400"/>
+            <a:off x="3146040" y="1532467"/>
             <a:ext cx="5899920" cy="4411133"/>
             <a:chOff x="952500" y="1676400"/>
             <a:chExt cx="5030433" cy="3979209"/>
@@ -39453,66 +39614,62 @@
           </p:spPr>
         </p:pic>
       </p:grpSp>
-      <p:pic>
-        <p:nvPicPr>
-          <p:cNvPr id="12" name="Picture 11">
-            <a:extLst>
-              <a:ext uri="{FF2B5EF4-FFF2-40B4-BE49-F238E27FC236}">
-                <a16:creationId xmlns:a16="http://schemas.microsoft.com/office/drawing/2014/main" id="{4DB31ADC-B195-42AE-8047-C3666701021B}"/>
-              </a:ext>
-            </a:extLst>
-          </p:cNvPr>
-          <p:cNvPicPr>
-            <a:picLocks noChangeAspect="1"/>
-          </p:cNvPicPr>
+      <p:sp>
+        <p:nvSpPr>
+          <p:cNvPr id="4" name="Rectangle 3">
+            <a:extLst>
+              <a:ext uri="{FF2B5EF4-FFF2-40B4-BE49-F238E27FC236}">
+                <a16:creationId xmlns:a16="http://schemas.microsoft.com/office/drawing/2014/main" id="{9AA6F666-8C19-16BE-737B-C65C7EDAEB77}"/>
+              </a:ext>
+            </a:extLst>
+          </p:cNvPr>
+          <p:cNvSpPr/>
           <p:nvPr/>
-        </p:nvPicPr>
-        <p:blipFill>
-          <a:blip r:embed="rId5"/>
-          <a:stretch>
-            <a:fillRect/>
-          </a:stretch>
-        </p:blipFill>
-        <p:spPr>
-          <a:xfrm>
-            <a:off x="5334054" y="60912"/>
-            <a:ext cx="6578600" cy="1333500"/>
+        </p:nvSpPr>
+        <p:spPr>
+          <a:xfrm>
+            <a:off x="9546336" y="5060589"/>
+            <a:ext cx="2267712" cy="883011"/>
           </a:xfrm>
           <a:prstGeom prst="rect">
             <a:avLst/>
           </a:prstGeom>
         </p:spPr>
-      </p:pic>
-      <p:pic>
-        <p:nvPicPr>
-          <p:cNvPr id="14" name="Picture 13">
-            <a:extLst>
-              <a:ext uri="{FF2B5EF4-FFF2-40B4-BE49-F238E27FC236}">
-                <a16:creationId xmlns:a16="http://schemas.microsoft.com/office/drawing/2014/main" id="{94ED4D51-F16E-B856-2E6C-E48BF55E3BA4}"/>
-              </a:ext>
-            </a:extLst>
-          </p:cNvPr>
-          <p:cNvPicPr>
-            <a:picLocks noChangeAspect="1"/>
-          </p:cNvPicPr>
-          <p:nvPr/>
-        </p:nvPicPr>
-        <p:blipFill>
-          <a:blip r:embed="rId6"/>
-          <a:stretch>
-            <a:fillRect/>
-          </a:stretch>
-        </p:blipFill>
-        <p:spPr>
-          <a:xfrm>
-            <a:off x="10096554" y="374854"/>
-            <a:ext cx="1816100" cy="1019558"/>
-          </a:xfrm>
-          <a:prstGeom prst="rect">
-            <a:avLst/>
-          </a:prstGeom>
-        </p:spPr>
-      </p:pic>
+        <p:style>
+          <a:lnRef idx="2">
+            <a:schemeClr val="accent1">
+              <a:shade val="15000"/>
+            </a:schemeClr>
+          </a:lnRef>
+          <a:fillRef idx="1">
+            <a:schemeClr val="accent1"/>
+          </a:fillRef>
+          <a:effectRef idx="0">
+            <a:schemeClr val="accent1"/>
+          </a:effectRef>
+          <a:fontRef idx="minor">
+            <a:schemeClr val="lt1"/>
+          </a:fontRef>
+        </p:style>
+        <p:txBody>
+          <a:bodyPr rtlCol="0" anchor="ctr"/>
+          <a:lstStyle/>
+          <a:p>
+            <a:pPr algn="ctr"/>
+            <a:r>
+              <a:rPr lang="en-US" dirty="0"/>
+              <a:t>This is only for 3 TFs!!!</a:t>
+            </a:r>
+          </a:p>
+          <a:p>
+            <a:pPr algn="ctr"/>
+            <a:r>
+              <a:rPr lang="en-US" dirty="0"/>
+              <a:t> Imagine 50 TFs </a:t>
+            </a:r>
+          </a:p>
+        </p:txBody>
+      </p:sp>
     </p:spTree>
     <p:extLst>
       <p:ext uri="{BB962C8B-B14F-4D97-AF65-F5344CB8AC3E}">
@@ -39526,7 +39683,7 @@
 </p:sld>
 </file>
 
-<file path=ppt/slides/slide43.xml><?xml version="1.0" encoding="utf-8"?>
+<file path=ppt/slides/slide41.xml><?xml version="1.0" encoding="utf-8"?>
 <p:sld xmlns:a="http://schemas.openxmlformats.org/drawingml/2006/main" xmlns:r="http://schemas.openxmlformats.org/officeDocument/2006/relationships" xmlns:p="http://schemas.openxmlformats.org/presentationml/2006/main">
   <p:cSld>
     <p:spTree>
@@ -39766,7 +39923,7 @@
 </p:sld>
 </file>
 
-<file path=ppt/slides/slide44.xml><?xml version="1.0" encoding="utf-8"?>
+<file path=ppt/slides/slide42.xml><?xml version="1.0" encoding="utf-8"?>
 <p:sld xmlns:a="http://schemas.openxmlformats.org/drawingml/2006/main" xmlns:r="http://schemas.openxmlformats.org/officeDocument/2006/relationships" xmlns:p="http://schemas.openxmlformats.org/presentationml/2006/main">
   <p:cSld>
     <p:spTree>
@@ -39928,7 +40085,7 @@
 </p:sld>
 </file>
 
-<file path=ppt/slides/slide45.xml><?xml version="1.0" encoding="utf-8"?>
+<file path=ppt/slides/slide43.xml><?xml version="1.0" encoding="utf-8"?>
 <p:sld xmlns:a="http://schemas.openxmlformats.org/drawingml/2006/main" xmlns:r="http://schemas.openxmlformats.org/officeDocument/2006/relationships" xmlns:p="http://schemas.openxmlformats.org/presentationml/2006/main">
   <p:cSld>
     <p:spTree>
@@ -40101,7 +40258,7 @@
 </p:sld>
 </file>
 
-<file path=ppt/slides/slide46.xml><?xml version="1.0" encoding="utf-8"?>
+<file path=ppt/slides/slide44.xml><?xml version="1.0" encoding="utf-8"?>
 <p:sld xmlns:a="http://schemas.openxmlformats.org/drawingml/2006/main" xmlns:r="http://schemas.openxmlformats.org/officeDocument/2006/relationships" xmlns:p="http://schemas.openxmlformats.org/presentationml/2006/main">
   <p:cSld>
     <p:spTree>
@@ -40231,7 +40388,7 @@
 </p:sld>
 </file>
 
-<file path=ppt/slides/slide47.xml><?xml version="1.0" encoding="utf-8"?>
+<file path=ppt/slides/slide45.xml><?xml version="1.0" encoding="utf-8"?>
 <p:sld xmlns:a="http://schemas.openxmlformats.org/drawingml/2006/main" xmlns:r="http://schemas.openxmlformats.org/officeDocument/2006/relationships" xmlns:p="http://schemas.openxmlformats.org/presentationml/2006/main">
   <p:cSld>
     <p:spTree>
@@ -40391,6 +40548,129 @@
           </a:p>
         </p:txBody>
       </p:sp>
+      <p:sp>
+        <p:nvSpPr>
+          <p:cNvPr id="5" name="TextBox 4">
+            <a:extLst>
+              <a:ext uri="{FF2B5EF4-FFF2-40B4-BE49-F238E27FC236}">
+                <a16:creationId xmlns:a16="http://schemas.microsoft.com/office/drawing/2014/main" id="{8CF761F7-35A7-7A65-F0B3-6BE5F90B3DFE}"/>
+              </a:ext>
+            </a:extLst>
+          </p:cNvPr>
+          <p:cNvSpPr txBox="1"/>
+          <p:nvPr/>
+        </p:nvSpPr>
+        <p:spPr>
+          <a:xfrm>
+            <a:off x="3962400" y="2596896"/>
+            <a:ext cx="1122423" cy="369332"/>
+          </a:xfrm>
+          <a:prstGeom prst="rect">
+            <a:avLst/>
+          </a:prstGeom>
+          <a:noFill/>
+        </p:spPr>
+        <p:txBody>
+          <a:bodyPr wrap="none" rtlCol="0">
+            <a:spAutoFit/>
+          </a:bodyPr>
+          <a:lstStyle/>
+          <a:p>
+            <a:r>
+              <a:rPr lang="en-US" dirty="0">
+                <a:ln>
+                  <a:solidFill>
+                    <a:schemeClr val="tx2"/>
+                  </a:solidFill>
+                </a:ln>
+              </a:rPr>
+              <a:t>stringent</a:t>
+            </a:r>
+          </a:p>
+        </p:txBody>
+      </p:sp>
+      <p:cxnSp>
+        <p:nvCxnSpPr>
+          <p:cNvPr id="7" name="Straight Arrow Connector 6">
+            <a:extLst>
+              <a:ext uri="{FF2B5EF4-FFF2-40B4-BE49-F238E27FC236}">
+                <a16:creationId xmlns:a16="http://schemas.microsoft.com/office/drawing/2014/main" id="{381AD3A8-3CBC-48E1-EA0F-D46EE84179DA}"/>
+              </a:ext>
+            </a:extLst>
+          </p:cNvPr>
+          <p:cNvCxnSpPr>
+            <a:stCxn id="5" idx="3"/>
+          </p:cNvCxnSpPr>
+          <p:nvPr/>
+        </p:nvCxnSpPr>
+        <p:spPr>
+          <a:xfrm>
+            <a:off x="5084823" y="2781562"/>
+            <a:ext cx="4034793" cy="0"/>
+          </a:xfrm>
+          <a:prstGeom prst="straightConnector1">
+            <a:avLst/>
+          </a:prstGeom>
+          <a:ln>
+            <a:tailEnd type="triangle"/>
+          </a:ln>
+        </p:spPr>
+        <p:style>
+          <a:lnRef idx="1">
+            <a:schemeClr val="dk1"/>
+          </a:lnRef>
+          <a:fillRef idx="0">
+            <a:schemeClr val="dk1"/>
+          </a:fillRef>
+          <a:effectRef idx="0">
+            <a:schemeClr val="dk1"/>
+          </a:effectRef>
+          <a:fontRef idx="minor">
+            <a:schemeClr val="tx1"/>
+          </a:fontRef>
+        </p:style>
+      </p:cxnSp>
+      <p:sp>
+        <p:nvSpPr>
+          <p:cNvPr id="8" name="TextBox 7">
+            <a:extLst>
+              <a:ext uri="{FF2B5EF4-FFF2-40B4-BE49-F238E27FC236}">
+                <a16:creationId xmlns:a16="http://schemas.microsoft.com/office/drawing/2014/main" id="{C7926943-2C0E-2959-B660-996961C8316B}"/>
+              </a:ext>
+            </a:extLst>
+          </p:cNvPr>
+          <p:cNvSpPr txBox="1"/>
+          <p:nvPr/>
+        </p:nvSpPr>
+        <p:spPr>
+          <a:xfrm>
+            <a:off x="9119616" y="2596896"/>
+            <a:ext cx="950901" cy="369332"/>
+          </a:xfrm>
+          <a:prstGeom prst="rect">
+            <a:avLst/>
+          </a:prstGeom>
+          <a:noFill/>
+        </p:spPr>
+        <p:txBody>
+          <a:bodyPr wrap="none" rtlCol="0">
+            <a:spAutoFit/>
+          </a:bodyPr>
+          <a:lstStyle/>
+          <a:p>
+            <a:r>
+              <a:rPr lang="en-US" dirty="0">
+                <a:ln>
+                  <a:solidFill>
+                    <a:schemeClr val="tx2"/>
+                  </a:solidFill>
+                </a:ln>
+              </a:rPr>
+              <a:t>relaxed</a:t>
+            </a:r>
+          </a:p>
+        </p:txBody>
+      </p:sp>
     </p:spTree>
     <p:extLst>
       <p:ext uri="{BB962C8B-B14F-4D97-AF65-F5344CB8AC3E}">
@@ -40404,7 +40684,7 @@
 </p:sld>
 </file>
 
-<file path=ppt/slides/slide48.xml><?xml version="1.0" encoding="utf-8"?>
+<file path=ppt/slides/slide46.xml><?xml version="1.0" encoding="utf-8"?>
 <p:sld xmlns:a="http://schemas.openxmlformats.org/drawingml/2006/main" xmlns:r="http://schemas.openxmlformats.org/officeDocument/2006/relationships" xmlns:p="http://schemas.openxmlformats.org/presentationml/2006/main">
   <p:cSld>
     <p:spTree>
@@ -40590,7 +40870,7 @@
 </p:sld>
 </file>
 
-<file path=ppt/slides/slide49.xml><?xml version="1.0" encoding="utf-8"?>
+<file path=ppt/slides/slide47.xml><?xml version="1.0" encoding="utf-8"?>
 <p:sld xmlns:a="http://schemas.openxmlformats.org/drawingml/2006/main" xmlns:r="http://schemas.openxmlformats.org/officeDocument/2006/relationships" xmlns:p="http://schemas.openxmlformats.org/presentationml/2006/main">
   <p:cSld>
     <p:spTree>
@@ -40725,233 +41005,7 @@
 </p:sld>
 </file>
 
-<file path=ppt/slides/slide5.xml><?xml version="1.0" encoding="utf-8"?>
-<p:sld xmlns:a="http://schemas.openxmlformats.org/drawingml/2006/main" xmlns:r="http://schemas.openxmlformats.org/officeDocument/2006/relationships" xmlns:p="http://schemas.openxmlformats.org/presentationml/2006/main">
-  <p:cSld>
-    <p:spTree>
-      <p:nvGrpSpPr>
-        <p:cNvPr id="1" name="">
-          <a:extLst>
-            <a:ext uri="{FF2B5EF4-FFF2-40B4-BE49-F238E27FC236}">
-              <a16:creationId xmlns:a16="http://schemas.microsoft.com/office/drawing/2014/main" id="{4A5A5AE8-3392-3309-A913-DDEABC355786}"/>
-            </a:ext>
-          </a:extLst>
-        </p:cNvPr>
-        <p:cNvGrpSpPr/>
-        <p:nvPr/>
-      </p:nvGrpSpPr>
-      <p:grpSpPr>
-        <a:xfrm>
-          <a:off x="0" y="0"/>
-          <a:ext cx="0" cy="0"/>
-          <a:chOff x="0" y="0"/>
-          <a:chExt cx="0" cy="0"/>
-        </a:xfrm>
-      </p:grpSpPr>
-      <p:sp>
-        <p:nvSpPr>
-          <p:cNvPr id="2" name="Title 1">
-            <a:extLst>
-              <a:ext uri="{FF2B5EF4-FFF2-40B4-BE49-F238E27FC236}">
-                <a16:creationId xmlns:a16="http://schemas.microsoft.com/office/drawing/2014/main" id="{C0805ACD-DEAB-387C-1078-875672A16833}"/>
-              </a:ext>
-            </a:extLst>
-          </p:cNvPr>
-          <p:cNvSpPr>
-            <a:spLocks noGrp="1"/>
-          </p:cNvSpPr>
-          <p:nvPr>
-            <p:ph type="title"/>
-          </p:nvPr>
-        </p:nvSpPr>
-        <p:spPr/>
-        <p:txBody>
-          <a:bodyPr/>
-          <a:lstStyle/>
-          <a:p>
-            <a:r>
-              <a:rPr lang="en-US" dirty="0"/>
-              <a:t>5G and Configuration Grant (CG) Background</a:t>
-            </a:r>
-          </a:p>
-        </p:txBody>
-      </p:sp>
-      <p:sp>
-        <p:nvSpPr>
-          <p:cNvPr id="8" name="Content Placeholder 7">
-            <a:extLst>
-              <a:ext uri="{FF2B5EF4-FFF2-40B4-BE49-F238E27FC236}">
-                <a16:creationId xmlns:a16="http://schemas.microsoft.com/office/drawing/2014/main" id="{5CA5A93A-1A5B-160C-D1CE-2646018E3BB6}"/>
-              </a:ext>
-            </a:extLst>
-          </p:cNvPr>
-          <p:cNvSpPr>
-            <a:spLocks noGrp="1"/>
-          </p:cNvSpPr>
-          <p:nvPr>
-            <p:ph idx="10"/>
-          </p:nvPr>
-        </p:nvSpPr>
-        <p:spPr>
-          <a:xfrm>
-            <a:off x="952498" y="1673225"/>
-            <a:ext cx="9118094" cy="3279254"/>
-          </a:xfrm>
-        </p:spPr>
-        <p:txBody>
-          <a:bodyPr>
-            <a:normAutofit/>
-          </a:bodyPr>
-          <a:lstStyle/>
-          <a:p>
-            <a:r>
-              <a:rPr lang="en-US" sz="2400" b="1" dirty="0"/>
-              <a:t>Fifth generation of cellular networks:</a:t>
-            </a:r>
-          </a:p>
-          <a:p>
-            <a:pPr marL="742950" lvl="1" indent="-285750">
-              <a:buFont typeface="Arial" panose="020B0604020202020204" pitchFamily="34" charset="0"/>
-              <a:buChar char="•"/>
-            </a:pPr>
-            <a:r>
-              <a:rPr lang="en-US" sz="2000" dirty="0"/>
-              <a:t>Faster speeds (Gbps &gt;&gt; Mbps)</a:t>
-            </a:r>
-          </a:p>
-          <a:p>
-            <a:pPr marL="742950" lvl="1" indent="-285750">
-              <a:buFont typeface="Arial" panose="020B0604020202020204" pitchFamily="34" charset="0"/>
-              <a:buChar char="•"/>
-            </a:pPr>
-            <a:r>
-              <a:rPr lang="en-US" sz="2000" dirty="0"/>
-              <a:t>lower latency (as low as 1ms)</a:t>
-            </a:r>
-          </a:p>
-          <a:p>
-            <a:pPr marL="742950" lvl="1" indent="-285750">
-              <a:buFont typeface="Arial" panose="020B0604020202020204" pitchFamily="34" charset="0"/>
-              <a:buChar char="•"/>
-            </a:pPr>
-            <a:r>
-              <a:rPr lang="en-US" sz="2000" dirty="0"/>
-              <a:t>Use cases in industrial settings where traffic is deterministic and periodic</a:t>
-            </a:r>
-          </a:p>
-          <a:p>
-            <a:endParaRPr lang="en-US" sz="2800" dirty="0"/>
-          </a:p>
-          <a:p>
-            <a:endParaRPr lang="en-US" sz="2000" dirty="0"/>
-          </a:p>
-        </p:txBody>
-      </p:sp>
-      <p:sp>
-        <p:nvSpPr>
-          <p:cNvPr id="4" name="Footer Placeholder 3">
-            <a:extLst>
-              <a:ext uri="{FF2B5EF4-FFF2-40B4-BE49-F238E27FC236}">
-                <a16:creationId xmlns:a16="http://schemas.microsoft.com/office/drawing/2014/main" id="{273B43D5-C539-A3A3-5696-61F3A8404292}"/>
-              </a:ext>
-            </a:extLst>
-          </p:cNvPr>
-          <p:cNvSpPr>
-            <a:spLocks noGrp="1"/>
-          </p:cNvSpPr>
-          <p:nvPr>
-            <p:ph type="ftr" sz="quarter" idx="3"/>
-          </p:nvPr>
-        </p:nvSpPr>
-        <p:spPr/>
-        <p:txBody>
-          <a:bodyPr/>
-          <a:lstStyle/>
-          <a:p>
-            <a:r>
-              <a:rPr lang="en-US"/>
-              <a:t>Topics In Computer Science II: Real-Time Cyber-Physical Systems | Fall 2025</a:t>
-            </a:r>
-            <a:endParaRPr lang="en-US" b="0" dirty="0"/>
-          </a:p>
-        </p:txBody>
-      </p:sp>
-      <p:pic>
-        <p:nvPicPr>
-          <p:cNvPr id="7" name="Picture 6">
-            <a:extLst>
-              <a:ext uri="{FF2B5EF4-FFF2-40B4-BE49-F238E27FC236}">
-                <a16:creationId xmlns:a16="http://schemas.microsoft.com/office/drawing/2014/main" id="{8705F67D-D67F-0B21-ECE4-EDF8C2DE117E}"/>
-              </a:ext>
-            </a:extLst>
-          </p:cNvPr>
-          <p:cNvPicPr>
-            <a:picLocks noChangeAspect="1"/>
-          </p:cNvPicPr>
-          <p:nvPr/>
-        </p:nvPicPr>
-        <p:blipFill>
-          <a:blip r:embed="rId2"/>
-          <a:stretch>
-            <a:fillRect/>
-          </a:stretch>
-        </p:blipFill>
-        <p:spPr>
-          <a:xfrm>
-            <a:off x="949325" y="3429000"/>
-            <a:ext cx="9895930" cy="2010817"/>
-          </a:xfrm>
-          <a:prstGeom prst="rect">
-            <a:avLst/>
-          </a:prstGeom>
-        </p:spPr>
-      </p:pic>
-      <p:sp>
-        <p:nvSpPr>
-          <p:cNvPr id="11" name="TextBox 10">
-            <a:extLst>
-              <a:ext uri="{FF2B5EF4-FFF2-40B4-BE49-F238E27FC236}">
-                <a16:creationId xmlns:a16="http://schemas.microsoft.com/office/drawing/2014/main" id="{07814030-2E41-CD45-BF58-66964726C907}"/>
-              </a:ext>
-            </a:extLst>
-          </p:cNvPr>
-          <p:cNvSpPr txBox="1"/>
-          <p:nvPr/>
-        </p:nvSpPr>
-        <p:spPr>
-          <a:xfrm>
-            <a:off x="5913120" y="1865376"/>
-            <a:ext cx="184731" cy="369332"/>
-          </a:xfrm>
-          <a:prstGeom prst="rect">
-            <a:avLst/>
-          </a:prstGeom>
-          <a:noFill/>
-        </p:spPr>
-        <p:txBody>
-          <a:bodyPr wrap="none" rtlCol="0">
-            <a:spAutoFit/>
-          </a:bodyPr>
-          <a:lstStyle/>
-          <a:p>
-            <a:endParaRPr lang="en-US" dirty="0"/>
-          </a:p>
-        </p:txBody>
-      </p:sp>
-    </p:spTree>
-    <p:extLst>
-      <p:ext uri="{BB962C8B-B14F-4D97-AF65-F5344CB8AC3E}">
-        <p14:creationId xmlns:p14="http://schemas.microsoft.com/office/powerpoint/2010/main" val="1751102721"/>
-      </p:ext>
-    </p:extLst>
-  </p:cSld>
-  <p:clrMapOvr>
-    <a:masterClrMapping/>
-  </p:clrMapOvr>
-</p:sld>
-</file>
-
-<file path=ppt/slides/slide50.xml><?xml version="1.0" encoding="utf-8"?>
+<file path=ppt/slides/slide48.xml><?xml version="1.0" encoding="utf-8"?>
 <p:sld xmlns:a="http://schemas.openxmlformats.org/drawingml/2006/main" xmlns:r="http://schemas.openxmlformats.org/officeDocument/2006/relationships" xmlns:p="http://schemas.openxmlformats.org/presentationml/2006/main">
   <p:cSld>
     <p:spTree>
@@ -41124,7 +41178,7 @@
 </p:sld>
 </file>
 
-<file path=ppt/slides/slide51.xml><?xml version="1.0" encoding="utf-8"?>
+<file path=ppt/slides/slide49.xml><?xml version="1.0" encoding="utf-8"?>
 <p:sld xmlns:a="http://schemas.openxmlformats.org/drawingml/2006/main" xmlns:r="http://schemas.openxmlformats.org/officeDocument/2006/relationships" xmlns:p="http://schemas.openxmlformats.org/presentationml/2006/main">
   <p:cSld>
     <p:spTree>
@@ -41310,7 +41364,228 @@
 </p:sld>
 </file>
 
-<file path=ppt/slides/slide52.xml><?xml version="1.0" encoding="utf-8"?>
+<file path=ppt/slides/slide5.xml><?xml version="1.0" encoding="utf-8"?>
+<p:sld xmlns:a="http://schemas.openxmlformats.org/drawingml/2006/main" xmlns:r="http://schemas.openxmlformats.org/officeDocument/2006/relationships" xmlns:p="http://schemas.openxmlformats.org/presentationml/2006/main">
+  <p:cSld>
+    <p:spTree>
+      <p:nvGrpSpPr>
+        <p:cNvPr id="1" name="">
+          <a:extLst>
+            <a:ext uri="{FF2B5EF4-FFF2-40B4-BE49-F238E27FC236}">
+              <a16:creationId xmlns:a16="http://schemas.microsoft.com/office/drawing/2014/main" id="{4A5A5AE8-3392-3309-A913-DDEABC355786}"/>
+            </a:ext>
+          </a:extLst>
+        </p:cNvPr>
+        <p:cNvGrpSpPr/>
+        <p:nvPr/>
+      </p:nvGrpSpPr>
+      <p:grpSpPr>
+        <a:xfrm>
+          <a:off x="0" y="0"/>
+          <a:ext cx="0" cy="0"/>
+          <a:chOff x="0" y="0"/>
+          <a:chExt cx="0" cy="0"/>
+        </a:xfrm>
+      </p:grpSpPr>
+      <p:sp>
+        <p:nvSpPr>
+          <p:cNvPr id="2" name="Title 1">
+            <a:extLst>
+              <a:ext uri="{FF2B5EF4-FFF2-40B4-BE49-F238E27FC236}">
+                <a16:creationId xmlns:a16="http://schemas.microsoft.com/office/drawing/2014/main" id="{C0805ACD-DEAB-387C-1078-875672A16833}"/>
+              </a:ext>
+            </a:extLst>
+          </p:cNvPr>
+          <p:cNvSpPr>
+            <a:spLocks noGrp="1"/>
+          </p:cNvSpPr>
+          <p:nvPr>
+            <p:ph type="title"/>
+          </p:nvPr>
+        </p:nvSpPr>
+        <p:spPr/>
+        <p:txBody>
+          <a:bodyPr/>
+          <a:lstStyle/>
+          <a:p>
+            <a:r>
+              <a:rPr lang="en-US" dirty="0"/>
+              <a:t>5G and Configuration Grant (CG) Background</a:t>
+            </a:r>
+          </a:p>
+        </p:txBody>
+      </p:sp>
+      <p:sp>
+        <p:nvSpPr>
+          <p:cNvPr id="8" name="Content Placeholder 7">
+            <a:extLst>
+              <a:ext uri="{FF2B5EF4-FFF2-40B4-BE49-F238E27FC236}">
+                <a16:creationId xmlns:a16="http://schemas.microsoft.com/office/drawing/2014/main" id="{5CA5A93A-1A5B-160C-D1CE-2646018E3BB6}"/>
+              </a:ext>
+            </a:extLst>
+          </p:cNvPr>
+          <p:cNvSpPr>
+            <a:spLocks noGrp="1"/>
+          </p:cNvSpPr>
+          <p:nvPr>
+            <p:ph idx="10"/>
+          </p:nvPr>
+        </p:nvSpPr>
+        <p:spPr/>
+        <p:txBody>
+          <a:bodyPr>
+            <a:normAutofit/>
+          </a:bodyPr>
+          <a:lstStyle/>
+          <a:p>
+            <a:r>
+              <a:rPr lang="en-US" sz="2400" b="1" dirty="0"/>
+              <a:t>Fifth generation of cellular networks:</a:t>
+            </a:r>
+          </a:p>
+          <a:p>
+            <a:pPr marL="742950" lvl="1" indent="-285750">
+              <a:buFont typeface="Arial" panose="020B0604020202020204" pitchFamily="34" charset="0"/>
+              <a:buChar char="•"/>
+            </a:pPr>
+            <a:r>
+              <a:rPr lang="en-US" sz="2000" dirty="0"/>
+              <a:t>Faster speeds (Gbps &gt;&gt; Mbps)</a:t>
+            </a:r>
+          </a:p>
+          <a:p>
+            <a:pPr marL="742950" lvl="1" indent="-285750">
+              <a:buFont typeface="Arial" panose="020B0604020202020204" pitchFamily="34" charset="0"/>
+              <a:buChar char="•"/>
+            </a:pPr>
+            <a:r>
+              <a:rPr lang="en-US" sz="2000" dirty="0"/>
+              <a:t>lower latency (as low as 1ms)</a:t>
+            </a:r>
+          </a:p>
+          <a:p>
+            <a:pPr marL="742950" lvl="1" indent="-285750">
+              <a:buFont typeface="Arial" panose="020B0604020202020204" pitchFamily="34" charset="0"/>
+              <a:buChar char="•"/>
+            </a:pPr>
+            <a:r>
+              <a:rPr lang="en-US" sz="2000" dirty="0"/>
+              <a:t>Use cases in industrial settings where traffic is deterministic and periodic</a:t>
+            </a:r>
+          </a:p>
+          <a:p>
+            <a:endParaRPr lang="en-US" sz="2800" dirty="0"/>
+          </a:p>
+          <a:p>
+            <a:endParaRPr lang="en-US" sz="2000" dirty="0"/>
+          </a:p>
+        </p:txBody>
+      </p:sp>
+      <p:sp>
+        <p:nvSpPr>
+          <p:cNvPr id="4" name="Footer Placeholder 3">
+            <a:extLst>
+              <a:ext uri="{FF2B5EF4-FFF2-40B4-BE49-F238E27FC236}">
+                <a16:creationId xmlns:a16="http://schemas.microsoft.com/office/drawing/2014/main" id="{273B43D5-C539-A3A3-5696-61F3A8404292}"/>
+              </a:ext>
+            </a:extLst>
+          </p:cNvPr>
+          <p:cNvSpPr>
+            <a:spLocks noGrp="1"/>
+          </p:cNvSpPr>
+          <p:nvPr>
+            <p:ph type="ftr" sz="quarter" idx="3"/>
+          </p:nvPr>
+        </p:nvSpPr>
+        <p:spPr/>
+        <p:txBody>
+          <a:bodyPr/>
+          <a:lstStyle/>
+          <a:p>
+            <a:r>
+              <a:rPr lang="en-US"/>
+              <a:t>Topics In Computer Science II: Real-Time Cyber-Physical Systems | Fall 2025</a:t>
+            </a:r>
+            <a:endParaRPr lang="en-US" b="0" dirty="0"/>
+          </a:p>
+        </p:txBody>
+      </p:sp>
+      <p:pic>
+        <p:nvPicPr>
+          <p:cNvPr id="7" name="Picture 6">
+            <a:extLst>
+              <a:ext uri="{FF2B5EF4-FFF2-40B4-BE49-F238E27FC236}">
+                <a16:creationId xmlns:a16="http://schemas.microsoft.com/office/drawing/2014/main" id="{8705F67D-D67F-0B21-ECE4-EDF8C2DE117E}"/>
+              </a:ext>
+            </a:extLst>
+          </p:cNvPr>
+          <p:cNvPicPr>
+            <a:picLocks noChangeAspect="1"/>
+          </p:cNvPicPr>
+          <p:nvPr/>
+        </p:nvPicPr>
+        <p:blipFill>
+          <a:blip r:embed="rId2"/>
+          <a:stretch>
+            <a:fillRect/>
+          </a:stretch>
+        </p:blipFill>
+        <p:spPr>
+          <a:xfrm>
+            <a:off x="949325" y="3429000"/>
+            <a:ext cx="9895930" cy="2010817"/>
+          </a:xfrm>
+          <a:prstGeom prst="rect">
+            <a:avLst/>
+          </a:prstGeom>
+        </p:spPr>
+      </p:pic>
+      <p:sp>
+        <p:nvSpPr>
+          <p:cNvPr id="11" name="TextBox 10">
+            <a:extLst>
+              <a:ext uri="{FF2B5EF4-FFF2-40B4-BE49-F238E27FC236}">
+                <a16:creationId xmlns:a16="http://schemas.microsoft.com/office/drawing/2014/main" id="{07814030-2E41-CD45-BF58-66964726C907}"/>
+              </a:ext>
+            </a:extLst>
+          </p:cNvPr>
+          <p:cNvSpPr txBox="1"/>
+          <p:nvPr/>
+        </p:nvSpPr>
+        <p:spPr>
+          <a:xfrm>
+            <a:off x="5913120" y="1865376"/>
+            <a:ext cx="184731" cy="369332"/>
+          </a:xfrm>
+          <a:prstGeom prst="rect">
+            <a:avLst/>
+          </a:prstGeom>
+          <a:noFill/>
+        </p:spPr>
+        <p:txBody>
+          <a:bodyPr wrap="none" rtlCol="0">
+            <a:spAutoFit/>
+          </a:bodyPr>
+          <a:lstStyle/>
+          <a:p>
+            <a:endParaRPr lang="en-US" dirty="0"/>
+          </a:p>
+        </p:txBody>
+      </p:sp>
+    </p:spTree>
+    <p:extLst>
+      <p:ext uri="{BB962C8B-B14F-4D97-AF65-F5344CB8AC3E}">
+        <p14:creationId xmlns:p14="http://schemas.microsoft.com/office/powerpoint/2010/main" val="1751102721"/>
+      </p:ext>
+    </p:extLst>
+  </p:cSld>
+  <p:clrMapOvr>
+    <a:masterClrMapping/>
+  </p:clrMapOvr>
+</p:sld>
+</file>
+
+<file path=ppt/slides/slide50.xml><?xml version="1.0" encoding="utf-8"?>
 <p:sld xmlns:a="http://schemas.openxmlformats.org/drawingml/2006/main" xmlns:r="http://schemas.openxmlformats.org/officeDocument/2006/relationships" xmlns:p="http://schemas.openxmlformats.org/presentationml/2006/main">
   <p:cSld>
     <p:spTree>
@@ -41445,7 +41720,7 @@
 </p:sld>
 </file>
 
-<file path=ppt/slides/slide53.xml><?xml version="1.0" encoding="utf-8"?>
+<file path=ppt/slides/slide51.xml><?xml version="1.0" encoding="utf-8"?>
 <p:sld xmlns:a="http://schemas.openxmlformats.org/drawingml/2006/main" xmlns:r="http://schemas.openxmlformats.org/officeDocument/2006/relationships" xmlns:p="http://schemas.openxmlformats.org/presentationml/2006/main">
   <p:cSld>
     <p:spTree>
@@ -41644,7 +41919,7 @@
 </p:sld>
 </file>
 
-<file path=ppt/slides/slide54.xml><?xml version="1.0" encoding="utf-8"?>
+<file path=ppt/slides/slide52.xml><?xml version="1.0" encoding="utf-8"?>
 <p:sld xmlns:a="http://schemas.openxmlformats.org/drawingml/2006/main" xmlns:r="http://schemas.openxmlformats.org/officeDocument/2006/relationships" xmlns:p="http://schemas.openxmlformats.org/presentationml/2006/main">
   <p:cSld>
     <p:spTree>
@@ -41830,7 +42105,7 @@
 </p:sld>
 </file>
 
-<file path=ppt/slides/slide55.xml><?xml version="1.0" encoding="utf-8"?>
+<file path=ppt/slides/slide53.xml><?xml version="1.0" encoding="utf-8"?>
 <p:sld xmlns:a="http://schemas.openxmlformats.org/drawingml/2006/main" xmlns:r="http://schemas.openxmlformats.org/officeDocument/2006/relationships" xmlns:p="http://schemas.openxmlformats.org/presentationml/2006/main">
   <p:cSld>
     <p:spTree>
@@ -41965,7 +42240,7 @@
 </p:sld>
 </file>
 
-<file path=ppt/slides/slide56.xml><?xml version="1.0" encoding="utf-8"?>
+<file path=ppt/slides/slide54.xml><?xml version="1.0" encoding="utf-8"?>
 <p:sld xmlns:a="http://schemas.openxmlformats.org/drawingml/2006/main" xmlns:r="http://schemas.openxmlformats.org/officeDocument/2006/relationships" xmlns:p="http://schemas.openxmlformats.org/presentationml/2006/main">
   <p:cSld>
     <p:spTree>
@@ -42205,7 +42480,7 @@
 </p:sld>
 </file>
 
-<file path=ppt/slides/slide57.xml><?xml version="1.0" encoding="utf-8"?>
+<file path=ppt/slides/slide55.xml><?xml version="1.0" encoding="utf-8"?>
 <p:sld xmlns:a="http://schemas.openxmlformats.org/drawingml/2006/main" xmlns:r="http://schemas.openxmlformats.org/officeDocument/2006/relationships" xmlns:p="http://schemas.openxmlformats.org/presentationml/2006/main">
   <p:cSld>
     <p:spTree>
@@ -42541,7 +42816,7 @@
 </p:sld>
 </file>
 
-<file path=ppt/slides/slide58.xml><?xml version="1.0" encoding="utf-8"?>
+<file path=ppt/slides/slide56.xml><?xml version="1.0" encoding="utf-8"?>
 <p:sld xmlns:a="http://schemas.openxmlformats.org/drawingml/2006/main" xmlns:r="http://schemas.openxmlformats.org/officeDocument/2006/relationships" xmlns:p="http://schemas.openxmlformats.org/presentationml/2006/main">
   <p:cSld>
     <p:spTree>
@@ -42672,7 +42947,7 @@
 </p:sld>
 </file>
 
-<file path=ppt/slides/slide59.xml><?xml version="1.0" encoding="utf-8"?>
+<file path=ppt/slides/slide57.xml><?xml version="1.0" encoding="utf-8"?>
 <p:sld xmlns:a="http://schemas.openxmlformats.org/drawingml/2006/main" xmlns:r="http://schemas.openxmlformats.org/officeDocument/2006/relationships" xmlns:p="http://schemas.openxmlformats.org/presentationml/2006/main">
   <p:cSld>
     <p:spTree>
@@ -42735,7 +43010,9 @@
         </p:nvSpPr>
         <p:spPr/>
         <p:txBody>
-          <a:bodyPr/>
+          <a:bodyPr>
+            <a:normAutofit fontScale="85000" lnSpcReduction="20000"/>
+          </a:bodyPr>
           <a:lstStyle/>
           <a:p>
             <a:pPr marL="0" indent="0">
@@ -42779,19 +43056,23 @@
               <a:buNone/>
             </a:pPr>
             <a:r>
+              <a:rPr lang="en-US" b="1" dirty="0"/>
+              <a:t>Unlimited Configurations (</a:t>
+            </a:r>
+            <a:r>
               <a:rPr lang="en-US" b="1" dirty="0" err="1"/>
               <a:t>CoU</a:t>
             </a:r>
             <a:r>
               <a:rPr lang="en-US" b="1" dirty="0"/>
-              <a:t> &gt;&gt; Co1:</a:t>
+              <a:t>) &gt;&gt; Single Configuration (Co1):</a:t>
             </a:r>
           </a:p>
           <a:p>
             <a:pPr lvl="1"/>
             <a:r>
               <a:rPr lang="en-US" dirty="0"/>
-              <a:t>Greater resource efficiency </a:t>
+              <a:t>Greater Resource Efficiency </a:t>
             </a:r>
           </a:p>
           <a:p>
@@ -42802,8 +43083,50 @@
             </a:r>
             <a:r>
               <a:rPr lang="en-US" dirty="0" err="1"/>
-              <a:t>schedulability</a:t>
-            </a:r>
+              <a:t>Schedulability</a:t>
+            </a:r>
+            <a:endParaRPr lang="en-US" dirty="0"/>
+          </a:p>
+          <a:p>
+            <a:pPr lvl="1"/>
+            <a:r>
+              <a:rPr lang="en-US" dirty="0"/>
+              <a:t>Greater Flexibility</a:t>
+            </a:r>
+          </a:p>
+          <a:p>
+            <a:pPr lvl="1"/>
+            <a:endParaRPr lang="en-US" dirty="0"/>
+          </a:p>
+          <a:p>
+            <a:pPr marL="0" indent="0">
+              <a:buNone/>
+            </a:pPr>
+            <a:r>
+              <a:rPr lang="en-US" b="1" dirty="0"/>
+              <a:t>Trade-offs:</a:t>
+            </a:r>
+          </a:p>
+          <a:p>
+            <a:pPr lvl="1"/>
+            <a:r>
+              <a:rPr lang="en-US" dirty="0"/>
+              <a:t>Control Signaling vs Flexibility </a:t>
+            </a:r>
+          </a:p>
+          <a:p>
+            <a:pPr lvl="1"/>
+            <a:r>
+              <a:rPr lang="en-US" dirty="0"/>
+              <a:t>Speed vs Flexibility</a:t>
+            </a:r>
+          </a:p>
+          <a:p>
+            <a:pPr lvl="1"/>
+            <a:endParaRPr lang="en-US" dirty="0"/>
+          </a:p>
+          <a:p>
+            <a:pPr lvl="1"/>
             <a:endParaRPr lang="en-US" dirty="0"/>
           </a:p>
           <a:p>
@@ -42853,6 +43176,69 @@
     <p:extLst>
       <p:ext uri="{BB962C8B-B14F-4D97-AF65-F5344CB8AC3E}">
         <p14:creationId xmlns:p14="http://schemas.microsoft.com/office/powerpoint/2010/main" val="3494265362"/>
+      </p:ext>
+    </p:extLst>
+  </p:cSld>
+  <p:clrMapOvr>
+    <a:masterClrMapping/>
+  </p:clrMapOvr>
+</p:sld>
+</file>
+
+<file path=ppt/slides/slide58.xml><?xml version="1.0" encoding="utf-8"?>
+<p:sld xmlns:a="http://schemas.openxmlformats.org/drawingml/2006/main" xmlns:r="http://schemas.openxmlformats.org/officeDocument/2006/relationships" xmlns:p="http://schemas.openxmlformats.org/presentationml/2006/main">
+  <p:cSld>
+    <p:spTree>
+      <p:nvGrpSpPr>
+        <p:cNvPr id="1" name=""/>
+        <p:cNvGrpSpPr/>
+        <p:nvPr/>
+      </p:nvGrpSpPr>
+      <p:grpSpPr>
+        <a:xfrm>
+          <a:off x="0" y="0"/>
+          <a:ext cx="0" cy="0"/>
+          <a:chOff x="0" y="0"/>
+          <a:chExt cx="0" cy="0"/>
+        </a:xfrm>
+      </p:grpSpPr>
+      <p:sp>
+        <p:nvSpPr>
+          <p:cNvPr id="2" name="Title 1">
+            <a:extLst>
+              <a:ext uri="{FF2B5EF4-FFF2-40B4-BE49-F238E27FC236}">
+                <a16:creationId xmlns:a16="http://schemas.microsoft.com/office/drawing/2014/main" id="{879DBC1C-912A-BF40-96FC-B9FF38E497C4}"/>
+              </a:ext>
+            </a:extLst>
+          </p:cNvPr>
+          <p:cNvSpPr>
+            <a:spLocks noGrp="1"/>
+          </p:cNvSpPr>
+          <p:nvPr>
+            <p:ph type="title" idx="4294967295"/>
+          </p:nvPr>
+        </p:nvSpPr>
+        <p:spPr>
+          <a:xfrm>
+            <a:off x="838200" y="4485842"/>
+            <a:ext cx="10515600" cy="896116"/>
+          </a:xfrm>
+        </p:spPr>
+        <p:txBody>
+          <a:bodyPr/>
+          <a:lstStyle/>
+          <a:p>
+            <a:r>
+              <a:rPr lang="en-US" dirty="0"/>
+              <a:t>Closing Slide Header</a:t>
+            </a:r>
+          </a:p>
+        </p:txBody>
+      </p:sp>
+    </p:spTree>
+    <p:extLst>
+      <p:ext uri="{BB962C8B-B14F-4D97-AF65-F5344CB8AC3E}">
+        <p14:creationId xmlns:p14="http://schemas.microsoft.com/office/powerpoint/2010/main" val="1458488867"/>
       </p:ext>
     </p:extLst>
   </p:cSld>
@@ -42903,45 +43289,42 @@
         </p:nvSpPr>
         <p:spPr/>
         <p:txBody>
-          <a:bodyPr/>
-          <a:lstStyle/>
-          <a:p>
-            <a:r>
-              <a:rPr lang="en-US" dirty="0"/>
-              <a:t>Dynamic Scheduling for Uplink Traffic</a:t>
-            </a:r>
-          </a:p>
-        </p:txBody>
-      </p:sp>
-      <p:sp>
-        <p:nvSpPr>
-          <p:cNvPr id="8" name="Content Placeholder 7">
-            <a:extLst>
-              <a:ext uri="{FF2B5EF4-FFF2-40B4-BE49-F238E27FC236}">
-                <a16:creationId xmlns:a16="http://schemas.microsoft.com/office/drawing/2014/main" id="{3B150B87-E4E4-3914-9CDE-74F7CB4B9BE0}"/>
-              </a:ext>
-            </a:extLst>
-          </p:cNvPr>
-          <p:cNvSpPr>
-            <a:spLocks noGrp="1"/>
-          </p:cNvSpPr>
-          <p:nvPr>
-            <p:ph idx="10"/>
-          </p:nvPr>
-        </p:nvSpPr>
-        <p:spPr>
-          <a:xfrm>
-            <a:off x="952498" y="1673225"/>
-            <a:ext cx="9118094" cy="3279254"/>
-          </a:xfrm>
-        </p:spPr>
-        <p:txBody>
           <a:bodyPr>
             <a:normAutofit/>
           </a:bodyPr>
           <a:lstStyle/>
           <a:p>
             <a:r>
+              <a:rPr lang="en-US" dirty="0"/>
+              <a:t>Why CG? Dynamic Scheduling Issues</a:t>
+            </a:r>
+          </a:p>
+        </p:txBody>
+      </p:sp>
+      <p:sp>
+        <p:nvSpPr>
+          <p:cNvPr id="8" name="Content Placeholder 7">
+            <a:extLst>
+              <a:ext uri="{FF2B5EF4-FFF2-40B4-BE49-F238E27FC236}">
+                <a16:creationId xmlns:a16="http://schemas.microsoft.com/office/drawing/2014/main" id="{3B150B87-E4E4-3914-9CDE-74F7CB4B9BE0}"/>
+              </a:ext>
+            </a:extLst>
+          </p:cNvPr>
+          <p:cNvSpPr>
+            <a:spLocks noGrp="1"/>
+          </p:cNvSpPr>
+          <p:nvPr>
+            <p:ph idx="10"/>
+          </p:nvPr>
+        </p:nvSpPr>
+        <p:spPr/>
+        <p:txBody>
+          <a:bodyPr>
+            <a:normAutofit/>
+          </a:bodyPr>
+          <a:lstStyle/>
+          <a:p>
+            <a:r>
               <a:rPr lang="en-US" sz="2000" b="1" dirty="0"/>
               <a:t>Handshaking process:</a:t>
             </a:r>
@@ -43051,69 +43434,6 @@
     <p:extLst>
       <p:ext uri="{BB962C8B-B14F-4D97-AF65-F5344CB8AC3E}">
         <p14:creationId xmlns:p14="http://schemas.microsoft.com/office/powerpoint/2010/main" val="1371211275"/>
-      </p:ext>
-    </p:extLst>
-  </p:cSld>
-  <p:clrMapOvr>
-    <a:masterClrMapping/>
-  </p:clrMapOvr>
-</p:sld>
-</file>
-
-<file path=ppt/slides/slide60.xml><?xml version="1.0" encoding="utf-8"?>
-<p:sld xmlns:a="http://schemas.openxmlformats.org/drawingml/2006/main" xmlns:r="http://schemas.openxmlformats.org/officeDocument/2006/relationships" xmlns:p="http://schemas.openxmlformats.org/presentationml/2006/main">
-  <p:cSld>
-    <p:spTree>
-      <p:nvGrpSpPr>
-        <p:cNvPr id="1" name=""/>
-        <p:cNvGrpSpPr/>
-        <p:nvPr/>
-      </p:nvGrpSpPr>
-      <p:grpSpPr>
-        <a:xfrm>
-          <a:off x="0" y="0"/>
-          <a:ext cx="0" cy="0"/>
-          <a:chOff x="0" y="0"/>
-          <a:chExt cx="0" cy="0"/>
-        </a:xfrm>
-      </p:grpSpPr>
-      <p:sp>
-        <p:nvSpPr>
-          <p:cNvPr id="2" name="Title 1">
-            <a:extLst>
-              <a:ext uri="{FF2B5EF4-FFF2-40B4-BE49-F238E27FC236}">
-                <a16:creationId xmlns:a16="http://schemas.microsoft.com/office/drawing/2014/main" id="{879DBC1C-912A-BF40-96FC-B9FF38E497C4}"/>
-              </a:ext>
-            </a:extLst>
-          </p:cNvPr>
-          <p:cNvSpPr>
-            <a:spLocks noGrp="1"/>
-          </p:cNvSpPr>
-          <p:nvPr>
-            <p:ph type="title" idx="4294967295"/>
-          </p:nvPr>
-        </p:nvSpPr>
-        <p:spPr>
-          <a:xfrm>
-            <a:off x="838200" y="4485842"/>
-            <a:ext cx="10515600" cy="896116"/>
-          </a:xfrm>
-        </p:spPr>
-        <p:txBody>
-          <a:bodyPr/>
-          <a:lstStyle/>
-          <a:p>
-            <a:r>
-              <a:rPr lang="en-US" dirty="0"/>
-              <a:t>Closing Slide Header</a:t>
-            </a:r>
-          </a:p>
-        </p:txBody>
-      </p:sp>
-    </p:spTree>
-    <p:extLst>
-      <p:ext uri="{BB962C8B-B14F-4D97-AF65-F5344CB8AC3E}">
-        <p14:creationId xmlns:p14="http://schemas.microsoft.com/office/powerpoint/2010/main" val="1458488867"/>
       </p:ext>
     </p:extLst>
   </p:cSld>
@@ -44530,12 +44850,6 @@
 </file>
 
 <file path=customXml/item1.xml><?xml version="1.0" encoding="utf-8"?>
-<p:properties xmlns:p="http://schemas.microsoft.com/office/2006/metadata/properties" xmlns:xsi="http://www.w3.org/2001/XMLSchema-instance" xmlns:pc="http://schemas.microsoft.com/office/infopath/2007/PartnerControls">
-  <documentManagement/>
-</p:properties>
-</file>
-
-<file path=customXml/item2.xml><?xml version="1.0" encoding="utf-8"?>
 <?mso-contentType ?>
 <FormTemplates xmlns="http://schemas.microsoft.com/sharepoint/v3/contenttype/forms">
   <Display>DocumentLibraryForm</Display>
@@ -44544,7 +44858,7 @@
 </FormTemplates>
 </file>
 
-<file path=customXml/item3.xml><?xml version="1.0" encoding="utf-8"?>
+<file path=customXml/item2.xml><?xml version="1.0" encoding="utf-8"?>
 <ct:contentTypeSchema xmlns:ct="http://schemas.microsoft.com/office/2006/metadata/contentType" xmlns:ma="http://schemas.microsoft.com/office/2006/metadata/properties/metaAttributes" ct:_="" ma:_="" ma:contentTypeName="Document" ma:contentTypeID="0x010100579CCDD9754E9B40B13882595ECD5F7A" ma:contentTypeVersion="0" ma:contentTypeDescription="Create a new document." ma:contentTypeScope="" ma:versionID="48ffdc5cb6ca8bf97cbe1bd0206e10b7">
   <xsd:schema xmlns:xsd="http://www.w3.org/2001/XMLSchema" xmlns:xs="http://www.w3.org/2001/XMLSchema" xmlns:p="http://schemas.microsoft.com/office/2006/metadata/properties" targetNamespace="http://schemas.microsoft.com/office/2006/metadata/properties" ma:root="true" ma:fieldsID="1b05d82d297216baf5b26c55225140df">
     <xsd:element name="properties">
@@ -44658,22 +44972,13 @@
 </ct:contentTypeSchema>
 </file>
 
-<file path=customXml/itemProps1.xml><?xml version="1.0" encoding="utf-8"?>
-<ds:datastoreItem xmlns:ds="http://schemas.openxmlformats.org/officeDocument/2006/customXml" ds:itemID="{097FFD54-27B0-415C-8654-D843242BD071}">
-  <ds:schemaRefs>
-    <ds:schemaRef ds:uri="http://www.w3.org/XML/1998/namespace"/>
-    <ds:schemaRef ds:uri="http://schemas.microsoft.com/office/2006/documentManagement/types"/>
-    <ds:schemaRef ds:uri="http://schemas.microsoft.com/office/infopath/2007/PartnerControls"/>
-    <ds:schemaRef ds:uri="http://schemas.microsoft.com/office/2006/metadata/properties"/>
-    <ds:schemaRef ds:uri="http://schemas.openxmlformats.org/package/2006/metadata/core-properties"/>
-    <ds:schemaRef ds:uri="http://purl.org/dc/terms/"/>
-    <ds:schemaRef ds:uri="http://purl.org/dc/elements/1.1/"/>
-    <ds:schemaRef ds:uri="http://purl.org/dc/dcmitype/"/>
-  </ds:schemaRefs>
-</ds:datastoreItem>
+<file path=customXml/item3.xml><?xml version="1.0" encoding="utf-8"?>
+<p:properties xmlns:p="http://schemas.microsoft.com/office/2006/metadata/properties" xmlns:xsi="http://www.w3.org/2001/XMLSchema-instance" xmlns:pc="http://schemas.microsoft.com/office/infopath/2007/PartnerControls">
+  <documentManagement/>
+</p:properties>
 </file>
 
-<file path=customXml/itemProps2.xml><?xml version="1.0" encoding="utf-8"?>
+<file path=customXml/itemProps1.xml><?xml version="1.0" encoding="utf-8"?>
 <ds:datastoreItem xmlns:ds="http://schemas.openxmlformats.org/officeDocument/2006/customXml" ds:itemID="{A14B8143-C3D6-460D-830C-A8DBEE85511A}">
   <ds:schemaRefs>
     <ds:schemaRef ds:uri="http://schemas.microsoft.com/sharepoint/v3/contenttype/forms"/>
@@ -44681,7 +44986,7 @@
 </ds:datastoreItem>
 </file>
 
-<file path=customXml/itemProps3.xml><?xml version="1.0" encoding="utf-8"?>
+<file path=customXml/itemProps2.xml><?xml version="1.0" encoding="utf-8"?>
 <ds:datastoreItem xmlns:ds="http://schemas.openxmlformats.org/officeDocument/2006/customXml" ds:itemID="{5421B56A-5C82-479A-80D0-662CC28B937B}">
   <ds:schemaRefs>
     <ds:schemaRef ds:uri="http://schemas.microsoft.com/office/2006/metadata/contentType"/>
@@ -44695,4 +45000,19 @@
     <ds:schemaRef ds:uri="http://schemas.microsoft.com/office/infopath/2007/PartnerControls"/>
   </ds:schemaRefs>
 </ds:datastoreItem>
+</file>
+
+<file path=customXml/itemProps3.xml><?xml version="1.0" encoding="utf-8"?>
+<ds:datastoreItem xmlns:ds="http://schemas.openxmlformats.org/officeDocument/2006/customXml" ds:itemID="{097FFD54-27B0-415C-8654-D843242BD071}">
+  <ds:schemaRefs>
+    <ds:schemaRef ds:uri="http://www.w3.org/XML/1998/namespace"/>
+    <ds:schemaRef ds:uri="http://schemas.microsoft.com/office/2006/documentManagement/types"/>
+    <ds:schemaRef ds:uri="http://schemas.microsoft.com/office/infopath/2007/PartnerControls"/>
+    <ds:schemaRef ds:uri="http://schemas.microsoft.com/office/2006/metadata/properties"/>
+    <ds:schemaRef ds:uri="http://schemas.openxmlformats.org/package/2006/metadata/core-properties"/>
+    <ds:schemaRef ds:uri="http://purl.org/dc/terms/"/>
+    <ds:schemaRef ds:uri="http://purl.org/dc/elements/1.1/"/>
+    <ds:schemaRef ds:uri="http://purl.org/dc/dcmitype/"/>
+  </ds:schemaRefs>
+</ds:datastoreItem>
 </file>